--- a/WDSR - ćwiczenie 3b_SOAP.pptx
+++ b/WDSR - ćwiczenie 3b_SOAP.pptx
@@ -5,27 +5,32 @@
     <p:sldMasterId id="2147483669" r:id="rId5"/>
   </p:sldMasterIdLst>
   <p:notesMasterIdLst>
-    <p:notesMasterId r:id="rId21"/>
+    <p:notesMasterId r:id="rId26"/>
   </p:notesMasterIdLst>
   <p:handoutMasterIdLst>
-    <p:handoutMasterId r:id="rId22"/>
+    <p:handoutMasterId r:id="rId27"/>
   </p:handoutMasterIdLst>
   <p:sldIdLst>
     <p:sldId id="286" r:id="rId6"/>
     <p:sldId id="435" r:id="rId7"/>
     <p:sldId id="436" r:id="rId8"/>
     <p:sldId id="437" r:id="rId9"/>
-    <p:sldId id="402" r:id="rId10"/>
-    <p:sldId id="417" r:id="rId11"/>
-    <p:sldId id="390" r:id="rId12"/>
-    <p:sldId id="409" r:id="rId13"/>
-    <p:sldId id="410" r:id="rId14"/>
-    <p:sldId id="442" r:id="rId15"/>
-    <p:sldId id="441" r:id="rId16"/>
-    <p:sldId id="411" r:id="rId17"/>
-    <p:sldId id="404" r:id="rId18"/>
-    <p:sldId id="405" r:id="rId19"/>
-    <p:sldId id="324" r:id="rId20"/>
+    <p:sldId id="443" r:id="rId10"/>
+    <p:sldId id="444" r:id="rId11"/>
+    <p:sldId id="445" r:id="rId12"/>
+    <p:sldId id="446" r:id="rId13"/>
+    <p:sldId id="447" r:id="rId14"/>
+    <p:sldId id="402" r:id="rId15"/>
+    <p:sldId id="417" r:id="rId16"/>
+    <p:sldId id="390" r:id="rId17"/>
+    <p:sldId id="409" r:id="rId18"/>
+    <p:sldId id="410" r:id="rId19"/>
+    <p:sldId id="442" r:id="rId20"/>
+    <p:sldId id="441" r:id="rId21"/>
+    <p:sldId id="411" r:id="rId22"/>
+    <p:sldId id="404" r:id="rId23"/>
+    <p:sldId id="405" r:id="rId24"/>
+    <p:sldId id="324" r:id="rId25"/>
   </p:sldIdLst>
   <p:sldSz cx="9144000" cy="5143500" type="screen16x9"/>
   <p:notesSz cx="6858000" cy="9144000"/>
@@ -126,7 +131,7 @@
   </p:defaultTextStyle>
   <p:extLst>
     <p:ext uri="{EFAFB233-063F-42B5-8137-9DF3F51BA10A}">
-      <p15:sldGuideLst xmlns:p15="http://schemas.microsoft.com/office/powerpoint/2012/main">
+      <p15:sldGuideLst xmlns:p15="http://schemas.microsoft.com/office/powerpoint/2012/main" xmlns="">
         <p15:guide id="1" orient="horz" pos="1620">
           <p15:clr>
             <a:srgbClr val="A4A3A4"/>
@@ -160,7 +165,7 @@
       </p15:sldGuideLst>
     </p:ext>
     <p:ext uri="{2D200454-40CA-4A62-9FC3-DE9A4176ACB9}">
-      <p15:notesGuideLst xmlns:p15="http://schemas.microsoft.com/office/powerpoint/2012/main"/>
+      <p15:notesGuideLst xmlns:p15="http://schemas.microsoft.com/office/powerpoint/2012/main" xmlns=""/>
     </p:ext>
   </p:extLst>
 </p:presentation>
@@ -255,7 +260,7 @@
             <a:fld id="{C4843D26-F355-3844-A4EF-19D4FD875597}" type="datetimeFigureOut">
               <a:rPr lang="de-DE" smtClean="0"/>
               <a:pPr/>
-              <a:t>18.04.2016</a:t>
+              <a:t>27.03.2017</a:t>
             </a:fld>
             <a:endParaRPr lang="de-DE" dirty="0"/>
           </a:p>
@@ -331,7 +336,7 @@
     </p:spTree>
     <p:extLst>
       <p:ext uri="{BB962C8B-B14F-4D97-AF65-F5344CB8AC3E}">
-        <p14:creationId xmlns:p14="http://schemas.microsoft.com/office/powerpoint/2010/main" val="1863735379"/>
+        <p14:creationId xmlns:p14="http://schemas.microsoft.com/office/powerpoint/2010/main" xmlns="" val="1863735379"/>
       </p:ext>
     </p:extLst>
   </p:cSld>
@@ -423,7 +428,7 @@
             <a:fld id="{8E2CFE12-C1FB-D740-8B6C-AFB72D5D4002}" type="datetimeFigureOut">
               <a:rPr lang="de-DE" smtClean="0"/>
               <a:pPr/>
-              <a:t>18.04.2016</a:t>
+              <a:t>27.03.2017</a:t>
             </a:fld>
             <a:endParaRPr lang="de-DE" dirty="0"/>
           </a:p>
@@ -592,7 +597,7 @@
     </p:spTree>
     <p:extLst>
       <p:ext uri="{BB962C8B-B14F-4D97-AF65-F5344CB8AC3E}">
-        <p14:creationId xmlns:p14="http://schemas.microsoft.com/office/powerpoint/2010/main" val="1832403913"/>
+        <p14:creationId xmlns:p14="http://schemas.microsoft.com/office/powerpoint/2010/main" xmlns="" val="1832403913"/>
       </p:ext>
     </p:extLst>
   </p:cSld>
@@ -770,7 +775,7 @@
     </p:spTree>
     <p:extLst>
       <p:ext uri="{BB962C8B-B14F-4D97-AF65-F5344CB8AC3E}">
-        <p14:creationId xmlns:p14="http://schemas.microsoft.com/office/powerpoint/2010/main" val="1775613547"/>
+        <p14:creationId xmlns:p14="http://schemas.microsoft.com/office/powerpoint/2010/main" xmlns="" val="1775613547"/>
       </p:ext>
     </p:extLst>
   </p:cSld>
@@ -857,7 +862,7 @@
     </p:spTree>
     <p:extLst>
       <p:ext uri="{BB962C8B-B14F-4D97-AF65-F5344CB8AC3E}">
-        <p14:creationId xmlns:p14="http://schemas.microsoft.com/office/powerpoint/2010/main" val="2446852894"/>
+        <p14:creationId xmlns:p14="http://schemas.microsoft.com/office/powerpoint/2010/main" xmlns="" val="1883132698"/>
       </p:ext>
     </p:extLst>
   </p:cSld>
@@ -944,7 +949,7 @@
     </p:spTree>
     <p:extLst>
       <p:ext uri="{BB962C8B-B14F-4D97-AF65-F5344CB8AC3E}">
-        <p14:creationId xmlns:p14="http://schemas.microsoft.com/office/powerpoint/2010/main" val="1883132698"/>
+        <p14:creationId xmlns:p14="http://schemas.microsoft.com/office/powerpoint/2010/main" xmlns="" val="1883132698"/>
       </p:ext>
     </p:extLst>
   </p:cSld>
@@ -1031,7 +1036,7 @@
     </p:spTree>
     <p:extLst>
       <p:ext uri="{BB962C8B-B14F-4D97-AF65-F5344CB8AC3E}">
-        <p14:creationId xmlns:p14="http://schemas.microsoft.com/office/powerpoint/2010/main" val="1883132698"/>
+        <p14:creationId xmlns:p14="http://schemas.microsoft.com/office/powerpoint/2010/main" xmlns="" val="1883132698"/>
       </p:ext>
     </p:extLst>
   </p:cSld>
@@ -1118,7 +1123,442 @@
     </p:spTree>
     <p:extLst>
       <p:ext uri="{BB962C8B-B14F-4D97-AF65-F5344CB8AC3E}">
-        <p14:creationId xmlns:p14="http://schemas.microsoft.com/office/powerpoint/2010/main" val="1883132698"/>
+        <p14:creationId xmlns:p14="http://schemas.microsoft.com/office/powerpoint/2010/main" xmlns="" val="1883132698"/>
+      </p:ext>
+    </p:extLst>
+  </p:cSld>
+  <p:clrMapOvr>
+    <a:masterClrMapping/>
+  </p:clrMapOvr>
+</p:notes>
+</file>
+
+<file path=ppt/notesSlides/notesSlide14.xml><?xml version="1.0" encoding="utf-8"?>
+<p:notes xmlns:a="http://schemas.openxmlformats.org/drawingml/2006/main" xmlns:r="http://schemas.openxmlformats.org/officeDocument/2006/relationships" xmlns:p="http://schemas.openxmlformats.org/presentationml/2006/main">
+  <p:cSld>
+    <p:spTree>
+      <p:nvGrpSpPr>
+        <p:cNvPr id="1" name=""/>
+        <p:cNvGrpSpPr/>
+        <p:nvPr/>
+      </p:nvGrpSpPr>
+      <p:grpSpPr>
+        <a:xfrm>
+          <a:off x="0" y="0"/>
+          <a:ext cx="0" cy="0"/>
+          <a:chOff x="0" y="0"/>
+          <a:chExt cx="0" cy="0"/>
+        </a:xfrm>
+      </p:grpSpPr>
+      <p:sp>
+        <p:nvSpPr>
+          <p:cNvPr id="2" name="Folienbildplatzhalter 1"/>
+          <p:cNvSpPr>
+            <a:spLocks noGrp="1" noRot="1" noChangeAspect="1"/>
+          </p:cNvSpPr>
+          <p:nvPr>
+            <p:ph type="sldImg"/>
+          </p:nvPr>
+        </p:nvSpPr>
+        <p:spPr/>
+      </p:sp>
+      <p:sp>
+        <p:nvSpPr>
+          <p:cNvPr id="3" name="Notizenplatzhalter 2"/>
+          <p:cNvSpPr>
+            <a:spLocks noGrp="1"/>
+          </p:cNvSpPr>
+          <p:nvPr>
+            <p:ph type="body" idx="1"/>
+          </p:nvPr>
+        </p:nvSpPr>
+        <p:spPr/>
+        <p:txBody>
+          <a:bodyPr>
+            <a:normAutofit/>
+          </a:bodyPr>
+          <a:lstStyle/>
+          <a:p>
+            <a:endParaRPr lang="de-DE" dirty="0"/>
+          </a:p>
+        </p:txBody>
+      </p:sp>
+      <p:sp>
+        <p:nvSpPr>
+          <p:cNvPr id="4" name="Foliennummernplatzhalter 3"/>
+          <p:cNvSpPr>
+            <a:spLocks noGrp="1"/>
+          </p:cNvSpPr>
+          <p:nvPr>
+            <p:ph type="sldNum" sz="quarter" idx="10"/>
+          </p:nvPr>
+        </p:nvSpPr>
+        <p:spPr/>
+        <p:txBody>
+          <a:bodyPr/>
+          <a:lstStyle/>
+          <a:p>
+            <a:fld id="{150BA478-331B-4C41-B0D5-A69E59A4437F}" type="slidenum">
+              <a:rPr lang="de-DE" smtClean="0"/>
+              <a:pPr/>
+              <a:t>15</a:t>
+            </a:fld>
+            <a:endParaRPr lang="de-DE" dirty="0"/>
+          </a:p>
+        </p:txBody>
+      </p:sp>
+    </p:spTree>
+    <p:extLst>
+      <p:ext uri="{BB962C8B-B14F-4D97-AF65-F5344CB8AC3E}">
+        <p14:creationId xmlns:p14="http://schemas.microsoft.com/office/powerpoint/2010/main" xmlns="" val="2809408786"/>
+      </p:ext>
+    </p:extLst>
+  </p:cSld>
+  <p:clrMapOvr>
+    <a:masterClrMapping/>
+  </p:clrMapOvr>
+</p:notes>
+</file>
+
+<file path=ppt/notesSlides/notesSlide15.xml><?xml version="1.0" encoding="utf-8"?>
+<p:notes xmlns:a="http://schemas.openxmlformats.org/drawingml/2006/main" xmlns:r="http://schemas.openxmlformats.org/officeDocument/2006/relationships" xmlns:p="http://schemas.openxmlformats.org/presentationml/2006/main">
+  <p:cSld>
+    <p:spTree>
+      <p:nvGrpSpPr>
+        <p:cNvPr id="1" name=""/>
+        <p:cNvGrpSpPr/>
+        <p:nvPr/>
+      </p:nvGrpSpPr>
+      <p:grpSpPr>
+        <a:xfrm>
+          <a:off x="0" y="0"/>
+          <a:ext cx="0" cy="0"/>
+          <a:chOff x="0" y="0"/>
+          <a:chExt cx="0" cy="0"/>
+        </a:xfrm>
+      </p:grpSpPr>
+      <p:sp>
+        <p:nvSpPr>
+          <p:cNvPr id="2" name="Folienbildplatzhalter 1"/>
+          <p:cNvSpPr>
+            <a:spLocks noGrp="1" noRot="1" noChangeAspect="1"/>
+          </p:cNvSpPr>
+          <p:nvPr>
+            <p:ph type="sldImg"/>
+          </p:nvPr>
+        </p:nvSpPr>
+        <p:spPr/>
+      </p:sp>
+      <p:sp>
+        <p:nvSpPr>
+          <p:cNvPr id="3" name="Notizenplatzhalter 2"/>
+          <p:cNvSpPr>
+            <a:spLocks noGrp="1"/>
+          </p:cNvSpPr>
+          <p:nvPr>
+            <p:ph type="body" idx="1"/>
+          </p:nvPr>
+        </p:nvSpPr>
+        <p:spPr/>
+        <p:txBody>
+          <a:bodyPr>
+            <a:normAutofit/>
+          </a:bodyPr>
+          <a:lstStyle/>
+          <a:p>
+            <a:endParaRPr lang="de-DE" dirty="0"/>
+          </a:p>
+        </p:txBody>
+      </p:sp>
+      <p:sp>
+        <p:nvSpPr>
+          <p:cNvPr id="4" name="Foliennummernplatzhalter 3"/>
+          <p:cNvSpPr>
+            <a:spLocks noGrp="1"/>
+          </p:cNvSpPr>
+          <p:nvPr>
+            <p:ph type="sldNum" sz="quarter" idx="10"/>
+          </p:nvPr>
+        </p:nvSpPr>
+        <p:spPr/>
+        <p:txBody>
+          <a:bodyPr/>
+          <a:lstStyle/>
+          <a:p>
+            <a:fld id="{150BA478-331B-4C41-B0D5-A69E59A4437F}" type="slidenum">
+              <a:rPr lang="de-DE" smtClean="0"/>
+              <a:pPr/>
+              <a:t>16</a:t>
+            </a:fld>
+            <a:endParaRPr lang="de-DE" dirty="0"/>
+          </a:p>
+        </p:txBody>
+      </p:sp>
+    </p:spTree>
+    <p:extLst>
+      <p:ext uri="{BB962C8B-B14F-4D97-AF65-F5344CB8AC3E}">
+        <p14:creationId xmlns:p14="http://schemas.microsoft.com/office/powerpoint/2010/main" xmlns="" val="2446852894"/>
+      </p:ext>
+    </p:extLst>
+  </p:cSld>
+  <p:clrMapOvr>
+    <a:masterClrMapping/>
+  </p:clrMapOvr>
+</p:notes>
+</file>
+
+<file path=ppt/notesSlides/notesSlide16.xml><?xml version="1.0" encoding="utf-8"?>
+<p:notes xmlns:a="http://schemas.openxmlformats.org/drawingml/2006/main" xmlns:r="http://schemas.openxmlformats.org/officeDocument/2006/relationships" xmlns:p="http://schemas.openxmlformats.org/presentationml/2006/main">
+  <p:cSld>
+    <p:spTree>
+      <p:nvGrpSpPr>
+        <p:cNvPr id="1" name=""/>
+        <p:cNvGrpSpPr/>
+        <p:nvPr/>
+      </p:nvGrpSpPr>
+      <p:grpSpPr>
+        <a:xfrm>
+          <a:off x="0" y="0"/>
+          <a:ext cx="0" cy="0"/>
+          <a:chOff x="0" y="0"/>
+          <a:chExt cx="0" cy="0"/>
+        </a:xfrm>
+      </p:grpSpPr>
+      <p:sp>
+        <p:nvSpPr>
+          <p:cNvPr id="2" name="Folienbildplatzhalter 1"/>
+          <p:cNvSpPr>
+            <a:spLocks noGrp="1" noRot="1" noChangeAspect="1"/>
+          </p:cNvSpPr>
+          <p:nvPr>
+            <p:ph type="sldImg"/>
+          </p:nvPr>
+        </p:nvSpPr>
+        <p:spPr/>
+      </p:sp>
+      <p:sp>
+        <p:nvSpPr>
+          <p:cNvPr id="3" name="Notizenplatzhalter 2"/>
+          <p:cNvSpPr>
+            <a:spLocks noGrp="1"/>
+          </p:cNvSpPr>
+          <p:nvPr>
+            <p:ph type="body" idx="1"/>
+          </p:nvPr>
+        </p:nvSpPr>
+        <p:spPr/>
+        <p:txBody>
+          <a:bodyPr>
+            <a:normAutofit/>
+          </a:bodyPr>
+          <a:lstStyle/>
+          <a:p>
+            <a:endParaRPr lang="de-DE" dirty="0"/>
+          </a:p>
+        </p:txBody>
+      </p:sp>
+      <p:sp>
+        <p:nvSpPr>
+          <p:cNvPr id="4" name="Foliennummernplatzhalter 3"/>
+          <p:cNvSpPr>
+            <a:spLocks noGrp="1"/>
+          </p:cNvSpPr>
+          <p:nvPr>
+            <p:ph type="sldNum" sz="quarter" idx="10"/>
+          </p:nvPr>
+        </p:nvSpPr>
+        <p:spPr/>
+        <p:txBody>
+          <a:bodyPr/>
+          <a:lstStyle/>
+          <a:p>
+            <a:fld id="{150BA478-331B-4C41-B0D5-A69E59A4437F}" type="slidenum">
+              <a:rPr lang="de-DE" smtClean="0"/>
+              <a:pPr/>
+              <a:t>17</a:t>
+            </a:fld>
+            <a:endParaRPr lang="de-DE" dirty="0"/>
+          </a:p>
+        </p:txBody>
+      </p:sp>
+    </p:spTree>
+    <p:extLst>
+      <p:ext uri="{BB962C8B-B14F-4D97-AF65-F5344CB8AC3E}">
+        <p14:creationId xmlns:p14="http://schemas.microsoft.com/office/powerpoint/2010/main" xmlns="" val="1883132698"/>
+      </p:ext>
+    </p:extLst>
+  </p:cSld>
+  <p:clrMapOvr>
+    <a:masterClrMapping/>
+  </p:clrMapOvr>
+</p:notes>
+</file>
+
+<file path=ppt/notesSlides/notesSlide17.xml><?xml version="1.0" encoding="utf-8"?>
+<p:notes xmlns:a="http://schemas.openxmlformats.org/drawingml/2006/main" xmlns:r="http://schemas.openxmlformats.org/officeDocument/2006/relationships" xmlns:p="http://schemas.openxmlformats.org/presentationml/2006/main">
+  <p:cSld>
+    <p:spTree>
+      <p:nvGrpSpPr>
+        <p:cNvPr id="1" name=""/>
+        <p:cNvGrpSpPr/>
+        <p:nvPr/>
+      </p:nvGrpSpPr>
+      <p:grpSpPr>
+        <a:xfrm>
+          <a:off x="0" y="0"/>
+          <a:ext cx="0" cy="0"/>
+          <a:chOff x="0" y="0"/>
+          <a:chExt cx="0" cy="0"/>
+        </a:xfrm>
+      </p:grpSpPr>
+      <p:sp>
+        <p:nvSpPr>
+          <p:cNvPr id="2" name="Folienbildplatzhalter 1"/>
+          <p:cNvSpPr>
+            <a:spLocks noGrp="1" noRot="1" noChangeAspect="1"/>
+          </p:cNvSpPr>
+          <p:nvPr>
+            <p:ph type="sldImg"/>
+          </p:nvPr>
+        </p:nvSpPr>
+        <p:spPr/>
+      </p:sp>
+      <p:sp>
+        <p:nvSpPr>
+          <p:cNvPr id="3" name="Notizenplatzhalter 2"/>
+          <p:cNvSpPr>
+            <a:spLocks noGrp="1"/>
+          </p:cNvSpPr>
+          <p:nvPr>
+            <p:ph type="body" idx="1"/>
+          </p:nvPr>
+        </p:nvSpPr>
+        <p:spPr/>
+        <p:txBody>
+          <a:bodyPr>
+            <a:normAutofit/>
+          </a:bodyPr>
+          <a:lstStyle/>
+          <a:p>
+            <a:endParaRPr lang="de-DE" dirty="0"/>
+          </a:p>
+        </p:txBody>
+      </p:sp>
+      <p:sp>
+        <p:nvSpPr>
+          <p:cNvPr id="4" name="Foliennummernplatzhalter 3"/>
+          <p:cNvSpPr>
+            <a:spLocks noGrp="1"/>
+          </p:cNvSpPr>
+          <p:nvPr>
+            <p:ph type="sldNum" sz="quarter" idx="10"/>
+          </p:nvPr>
+        </p:nvSpPr>
+        <p:spPr/>
+        <p:txBody>
+          <a:bodyPr/>
+          <a:lstStyle/>
+          <a:p>
+            <a:fld id="{150BA478-331B-4C41-B0D5-A69E59A4437F}" type="slidenum">
+              <a:rPr lang="de-DE" smtClean="0"/>
+              <a:pPr/>
+              <a:t>18</a:t>
+            </a:fld>
+            <a:endParaRPr lang="de-DE" dirty="0"/>
+          </a:p>
+        </p:txBody>
+      </p:sp>
+    </p:spTree>
+    <p:extLst>
+      <p:ext uri="{BB962C8B-B14F-4D97-AF65-F5344CB8AC3E}">
+        <p14:creationId xmlns:p14="http://schemas.microsoft.com/office/powerpoint/2010/main" xmlns="" val="1883132698"/>
+      </p:ext>
+    </p:extLst>
+  </p:cSld>
+  <p:clrMapOvr>
+    <a:masterClrMapping/>
+  </p:clrMapOvr>
+</p:notes>
+</file>
+
+<file path=ppt/notesSlides/notesSlide18.xml><?xml version="1.0" encoding="utf-8"?>
+<p:notes xmlns:a="http://schemas.openxmlformats.org/drawingml/2006/main" xmlns:r="http://schemas.openxmlformats.org/officeDocument/2006/relationships" xmlns:p="http://schemas.openxmlformats.org/presentationml/2006/main">
+  <p:cSld>
+    <p:spTree>
+      <p:nvGrpSpPr>
+        <p:cNvPr id="1" name=""/>
+        <p:cNvGrpSpPr/>
+        <p:nvPr/>
+      </p:nvGrpSpPr>
+      <p:grpSpPr>
+        <a:xfrm>
+          <a:off x="0" y="0"/>
+          <a:ext cx="0" cy="0"/>
+          <a:chOff x="0" y="0"/>
+          <a:chExt cx="0" cy="0"/>
+        </a:xfrm>
+      </p:grpSpPr>
+      <p:sp>
+        <p:nvSpPr>
+          <p:cNvPr id="2" name="Folienbildplatzhalter 1"/>
+          <p:cNvSpPr>
+            <a:spLocks noGrp="1" noRot="1" noChangeAspect="1"/>
+          </p:cNvSpPr>
+          <p:nvPr>
+            <p:ph type="sldImg"/>
+          </p:nvPr>
+        </p:nvSpPr>
+        <p:spPr/>
+      </p:sp>
+      <p:sp>
+        <p:nvSpPr>
+          <p:cNvPr id="3" name="Notizenplatzhalter 2"/>
+          <p:cNvSpPr>
+            <a:spLocks noGrp="1"/>
+          </p:cNvSpPr>
+          <p:nvPr>
+            <p:ph type="body" idx="1"/>
+          </p:nvPr>
+        </p:nvSpPr>
+        <p:spPr/>
+        <p:txBody>
+          <a:bodyPr>
+            <a:normAutofit/>
+          </a:bodyPr>
+          <a:lstStyle/>
+          <a:p>
+            <a:endParaRPr lang="de-DE" dirty="0"/>
+          </a:p>
+        </p:txBody>
+      </p:sp>
+      <p:sp>
+        <p:nvSpPr>
+          <p:cNvPr id="4" name="Foliennummernplatzhalter 3"/>
+          <p:cNvSpPr>
+            <a:spLocks noGrp="1"/>
+          </p:cNvSpPr>
+          <p:nvPr>
+            <p:ph type="sldNum" sz="quarter" idx="10"/>
+          </p:nvPr>
+        </p:nvSpPr>
+        <p:spPr/>
+        <p:txBody>
+          <a:bodyPr/>
+          <a:lstStyle/>
+          <a:p>
+            <a:fld id="{150BA478-331B-4C41-B0D5-A69E59A4437F}" type="slidenum">
+              <a:rPr lang="de-DE" smtClean="0"/>
+              <a:pPr/>
+              <a:t>19</a:t>
+            </a:fld>
+            <a:endParaRPr lang="de-DE" dirty="0"/>
+          </a:p>
+        </p:txBody>
+      </p:sp>
+    </p:spTree>
+    <p:extLst>
+      <p:ext uri="{BB962C8B-B14F-4D97-AF65-F5344CB8AC3E}">
+        <p14:creationId xmlns:p14="http://schemas.microsoft.com/office/powerpoint/2010/main" xmlns="" val="1883132698"/>
       </p:ext>
     </p:extLst>
   </p:cSld>
@@ -1205,7 +1645,7 @@
     </p:spTree>
     <p:extLst>
       <p:ext uri="{BB962C8B-B14F-4D97-AF65-F5344CB8AC3E}">
-        <p14:creationId xmlns:p14="http://schemas.microsoft.com/office/powerpoint/2010/main" val="3849374475"/>
+        <p14:creationId xmlns:p14="http://schemas.microsoft.com/office/powerpoint/2010/main" xmlns="" val="3849374475"/>
       </p:ext>
     </p:extLst>
   </p:cSld>
@@ -1292,7 +1732,7 @@
     </p:spTree>
     <p:extLst>
       <p:ext uri="{BB962C8B-B14F-4D97-AF65-F5344CB8AC3E}">
-        <p14:creationId xmlns:p14="http://schemas.microsoft.com/office/powerpoint/2010/main" val="518439452"/>
+        <p14:creationId xmlns:p14="http://schemas.microsoft.com/office/powerpoint/2010/main" xmlns="" val="518439452"/>
       </p:ext>
     </p:extLst>
   </p:cSld>
@@ -1379,7 +1819,7 @@
     </p:spTree>
     <p:extLst>
       <p:ext uri="{BB962C8B-B14F-4D97-AF65-F5344CB8AC3E}">
-        <p14:creationId xmlns:p14="http://schemas.microsoft.com/office/powerpoint/2010/main" val="1883132698"/>
+        <p14:creationId xmlns:p14="http://schemas.microsoft.com/office/powerpoint/2010/main" xmlns="" val="518439452"/>
       </p:ext>
     </p:extLst>
   </p:cSld>
@@ -1466,7 +1906,7 @@
     </p:spTree>
     <p:extLst>
       <p:ext uri="{BB962C8B-B14F-4D97-AF65-F5344CB8AC3E}">
-        <p14:creationId xmlns:p14="http://schemas.microsoft.com/office/powerpoint/2010/main" val="1883132698"/>
+        <p14:creationId xmlns:p14="http://schemas.microsoft.com/office/powerpoint/2010/main" xmlns="" val="518439452"/>
       </p:ext>
     </p:extLst>
   </p:cSld>
@@ -1553,7 +1993,7 @@
     </p:spTree>
     <p:extLst>
       <p:ext uri="{BB962C8B-B14F-4D97-AF65-F5344CB8AC3E}">
-        <p14:creationId xmlns:p14="http://schemas.microsoft.com/office/powerpoint/2010/main" val="1883132698"/>
+        <p14:creationId xmlns:p14="http://schemas.microsoft.com/office/powerpoint/2010/main" xmlns="" val="518439452"/>
       </p:ext>
     </p:extLst>
   </p:cSld>
@@ -1640,7 +2080,7 @@
     </p:spTree>
     <p:extLst>
       <p:ext uri="{BB962C8B-B14F-4D97-AF65-F5344CB8AC3E}">
-        <p14:creationId xmlns:p14="http://schemas.microsoft.com/office/powerpoint/2010/main" val="1883132698"/>
+        <p14:creationId xmlns:p14="http://schemas.microsoft.com/office/powerpoint/2010/main" xmlns="" val="518439452"/>
       </p:ext>
     </p:extLst>
   </p:cSld>
@@ -1727,7 +2167,7 @@
     </p:spTree>
     <p:extLst>
       <p:ext uri="{BB962C8B-B14F-4D97-AF65-F5344CB8AC3E}">
-        <p14:creationId xmlns:p14="http://schemas.microsoft.com/office/powerpoint/2010/main" val="1883132698"/>
+        <p14:creationId xmlns:p14="http://schemas.microsoft.com/office/powerpoint/2010/main" xmlns="" val="518439452"/>
       </p:ext>
     </p:extLst>
   </p:cSld>
@@ -1814,7 +2254,7 @@
     </p:spTree>
     <p:extLst>
       <p:ext uri="{BB962C8B-B14F-4D97-AF65-F5344CB8AC3E}">
-        <p14:creationId xmlns:p14="http://schemas.microsoft.com/office/powerpoint/2010/main" val="2809408786"/>
+        <p14:creationId xmlns:p14="http://schemas.microsoft.com/office/powerpoint/2010/main" xmlns="" val="1883132698"/>
       </p:ext>
     </p:extLst>
   </p:cSld>
@@ -1853,7 +2293,7 @@
           <a:blip r:embed="rId2">
             <a:extLst>
               <a:ext uri="{28A0092B-C50C-407E-A947-70E740481C1C}">
-                <a14:useLocalDpi xmlns:a14="http://schemas.microsoft.com/office/drawing/2010/main" val="0"/>
+                <a14:useLocalDpi xmlns:a14="http://schemas.microsoft.com/office/drawing/2010/main" xmlns="" val="0"/>
               </a:ext>
             </a:extLst>
           </a:blip>
@@ -2167,7 +2607,7 @@
           <a:blip r:embed="rId3">
             <a:extLst>
               <a:ext uri="{28A0092B-C50C-407E-A947-70E740481C1C}">
-                <a14:useLocalDpi xmlns:a14="http://schemas.microsoft.com/office/drawing/2010/main" val="0"/>
+                <a14:useLocalDpi xmlns:a14="http://schemas.microsoft.com/office/drawing/2010/main" xmlns="" val="0"/>
               </a:ext>
             </a:extLst>
           </a:blip>
@@ -2187,7 +2627,7 @@
           <a:noFill/>
           <a:extLst>
             <a:ext uri="{909E8E84-426E-40DD-AFC4-6F175D3DCCD1}">
-              <a14:hiddenFill xmlns:a14="http://schemas.microsoft.com/office/drawing/2010/main">
+              <a14:hiddenFill xmlns:a14="http://schemas.microsoft.com/office/drawing/2010/main" xmlns="">
                 <a:solidFill>
                   <a:srgbClr val="FFFFFF"/>
                 </a:solidFill>
@@ -2199,7 +2639,7 @@
     </p:spTree>
     <p:extLst>
       <p:ext uri="{BB962C8B-B14F-4D97-AF65-F5344CB8AC3E}">
-        <p14:creationId xmlns:p14="http://schemas.microsoft.com/office/powerpoint/2010/main" val="2032434000"/>
+        <p14:creationId xmlns:p14="http://schemas.microsoft.com/office/powerpoint/2010/main" xmlns="" val="2032434000"/>
       </p:ext>
     </p:extLst>
   </p:cSld>
@@ -2245,7 +2685,7 @@
           <a:blip r:embed="rId2">
             <a:extLst>
               <a:ext uri="{28A0092B-C50C-407E-A947-70E740481C1C}">
-                <a14:useLocalDpi xmlns:a14="http://schemas.microsoft.com/office/drawing/2010/main" val="0"/>
+                <a14:useLocalDpi xmlns:a14="http://schemas.microsoft.com/office/drawing/2010/main" xmlns="" val="0"/>
               </a:ext>
             </a:extLst>
           </a:blip>
@@ -2541,7 +2981,7 @@
           <a:blip r:embed="rId3">
             <a:extLst>
               <a:ext uri="{28A0092B-C50C-407E-A947-70E740481C1C}">
-                <a14:useLocalDpi xmlns:a14="http://schemas.microsoft.com/office/drawing/2010/main" val="0"/>
+                <a14:useLocalDpi xmlns:a14="http://schemas.microsoft.com/office/drawing/2010/main" xmlns="" val="0"/>
               </a:ext>
             </a:extLst>
           </a:blip>
@@ -2561,7 +3001,7 @@
           <a:noFill/>
           <a:extLst>
             <a:ext uri="{909E8E84-426E-40DD-AFC4-6F175D3DCCD1}">
-              <a14:hiddenFill xmlns:a14="http://schemas.microsoft.com/office/drawing/2010/main">
+              <a14:hiddenFill xmlns:a14="http://schemas.microsoft.com/office/drawing/2010/main" xmlns="">
                 <a:solidFill>
                   <a:srgbClr val="FFFFFF"/>
                 </a:solidFill>
@@ -2573,7 +3013,7 @@
     </p:spTree>
     <p:extLst>
       <p:ext uri="{BB962C8B-B14F-4D97-AF65-F5344CB8AC3E}">
-        <p14:creationId xmlns:p14="http://schemas.microsoft.com/office/powerpoint/2010/main" val="707728385"/>
+        <p14:creationId xmlns:p14="http://schemas.microsoft.com/office/powerpoint/2010/main" xmlns="" val="707728385"/>
       </p:ext>
     </p:extLst>
   </p:cSld>
@@ -2589,7 +3029,7 @@
   </p:timing>
   <p:extLst mod="1">
     <p:ext uri="{DCECCB84-F9BA-43D5-87BE-67443E8EF086}">
-      <p15:sldGuideLst xmlns:p15="http://schemas.microsoft.com/office/powerpoint/2012/main">
+      <p15:sldGuideLst xmlns:p15="http://schemas.microsoft.com/office/powerpoint/2012/main" xmlns="">
         <p15:guide id="1" orient="horz" pos="1221">
           <p15:clr>
             <a:srgbClr val="C35EA4"/>
@@ -2630,7 +3070,7 @@
           <a:blip r:embed="rId2">
             <a:extLst>
               <a:ext uri="{28A0092B-C50C-407E-A947-70E740481C1C}">
-                <a14:useLocalDpi xmlns:a14="http://schemas.microsoft.com/office/drawing/2010/main" val="0"/>
+                <a14:useLocalDpi xmlns:a14="http://schemas.microsoft.com/office/drawing/2010/main" xmlns="" val="0"/>
               </a:ext>
             </a:extLst>
           </a:blip>
@@ -2881,7 +3321,7 @@
           <a:blip r:embed="rId3">
             <a:extLst>
               <a:ext uri="{28A0092B-C50C-407E-A947-70E740481C1C}">
-                <a14:useLocalDpi xmlns:a14="http://schemas.microsoft.com/office/drawing/2010/main" val="0"/>
+                <a14:useLocalDpi xmlns:a14="http://schemas.microsoft.com/office/drawing/2010/main" xmlns="" val="0"/>
               </a:ext>
             </a:extLst>
           </a:blip>
@@ -2901,7 +3341,7 @@
           <a:noFill/>
           <a:extLst>
             <a:ext uri="{909E8E84-426E-40DD-AFC4-6F175D3DCCD1}">
-              <a14:hiddenFill xmlns:a14="http://schemas.microsoft.com/office/drawing/2010/main">
+              <a14:hiddenFill xmlns:a14="http://schemas.microsoft.com/office/drawing/2010/main" xmlns="">
                 <a:solidFill>
                   <a:srgbClr val="FFFFFF"/>
                 </a:solidFill>
@@ -2913,7 +3353,7 @@
     </p:spTree>
     <p:extLst>
       <p:ext uri="{BB962C8B-B14F-4D97-AF65-F5344CB8AC3E}">
-        <p14:creationId xmlns:p14="http://schemas.microsoft.com/office/powerpoint/2010/main" val="3130113218"/>
+        <p14:creationId xmlns:p14="http://schemas.microsoft.com/office/powerpoint/2010/main" xmlns="" val="3130113218"/>
       </p:ext>
     </p:extLst>
   </p:cSld>
@@ -2922,7 +3362,7 @@
   </p:clrMapOvr>
   <p:extLst mod="1">
     <p:ext uri="{DCECCB84-F9BA-43D5-87BE-67443E8EF086}">
-      <p15:sldGuideLst xmlns:p15="http://schemas.microsoft.com/office/powerpoint/2012/main">
+      <p15:sldGuideLst xmlns:p15="http://schemas.microsoft.com/office/powerpoint/2012/main" xmlns="">
         <p15:guide id="1" orient="horz" pos="1221">
           <p15:clr>
             <a:srgbClr val="C35EA4"/>
@@ -3076,7 +3516,7 @@
     </p:spTree>
     <p:extLst>
       <p:ext uri="{BB962C8B-B14F-4D97-AF65-F5344CB8AC3E}">
-        <p14:creationId xmlns:p14="http://schemas.microsoft.com/office/powerpoint/2010/main" val="2626482632"/>
+        <p14:creationId xmlns:p14="http://schemas.microsoft.com/office/powerpoint/2010/main" xmlns="" val="2626482632"/>
       </p:ext>
     </p:extLst>
   </p:cSld>
@@ -3297,7 +3737,7 @@
     </p:spTree>
     <p:extLst>
       <p:ext uri="{BB962C8B-B14F-4D97-AF65-F5344CB8AC3E}">
-        <p14:creationId xmlns:p14="http://schemas.microsoft.com/office/powerpoint/2010/main" val="3371847988"/>
+        <p14:creationId xmlns:p14="http://schemas.microsoft.com/office/powerpoint/2010/main" xmlns="" val="3371847988"/>
       </p:ext>
     </p:extLst>
   </p:cSld>
@@ -3513,7 +3953,7 @@
     </p:spTree>
     <p:extLst>
       <p:ext uri="{BB962C8B-B14F-4D97-AF65-F5344CB8AC3E}">
-        <p14:creationId xmlns:p14="http://schemas.microsoft.com/office/powerpoint/2010/main" val="4208395069"/>
+        <p14:creationId xmlns:p14="http://schemas.microsoft.com/office/powerpoint/2010/main" xmlns="" val="4208395069"/>
       </p:ext>
     </p:extLst>
   </p:cSld>
@@ -3609,7 +4049,7 @@
     </p:spTree>
     <p:extLst>
       <p:ext uri="{BB962C8B-B14F-4D97-AF65-F5344CB8AC3E}">
-        <p14:creationId xmlns:p14="http://schemas.microsoft.com/office/powerpoint/2010/main" val="2097094422"/>
+        <p14:creationId xmlns:p14="http://schemas.microsoft.com/office/powerpoint/2010/main" xmlns="" val="2097094422"/>
       </p:ext>
     </p:extLst>
   </p:cSld>
@@ -3643,12 +4083,9 @@
             <a:graphicFrameLocks noChangeAspect="1"/>
           </p:cNvGraphicFramePr>
           <p:nvPr userDrawn="1">
-            <p:custDataLst>
-              <p:tags r:id="rId2"/>
-            </p:custDataLst>
             <p:extLst>
               <p:ext uri="{D42A27DB-BD31-4B8C-83A1-F6EECF244321}">
-                <p14:modId xmlns:p14="http://schemas.microsoft.com/office/powerpoint/2010/main" val="2766779821"/>
+                <p14:modId xmlns:p14="http://schemas.microsoft.com/office/powerpoint/2010/main" xmlns="" val="2766779821"/>
               </p:ext>
             </p:extLst>
           </p:nvPr>
@@ -3659,40 +4096,9 @@
         </p:xfrm>
         <a:graphic>
           <a:graphicData uri="http://schemas.openxmlformats.org/presentationml/2006/ole">
-            <mc:AlternateContent xmlns:mc="http://schemas.openxmlformats.org/markup-compatibility/2006">
-              <mc:Choice xmlns:v="urn:schemas-microsoft-com:vml" Requires="v">
-                <p:oleObj spid="_x0000_s2300" name="think-cell Folie" r:id="rId4" imgW="305" imgH="303" progId="TCLayout.ActiveDocument.1">
-                  <p:embed/>
-                </p:oleObj>
-              </mc:Choice>
-              <mc:Fallback>
-                <p:oleObj name="think-cell Folie" r:id="rId4" imgW="305" imgH="303" progId="TCLayout.ActiveDocument.1">
-                  <p:embed/>
-                  <p:pic>
-                    <p:nvPicPr>
-                      <p:cNvPr id="0" name=""/>
-                      <p:cNvPicPr/>
-                      <p:nvPr/>
-                    </p:nvPicPr>
-                    <p:blipFill>
-                      <a:blip r:embed="rId5"/>
-                      <a:stretch>
-                        <a:fillRect/>
-                      </a:stretch>
-                    </p:blipFill>
-                    <p:spPr>
-                      <a:xfrm>
-                        <a:off x="1588" y="1588"/>
-                        <a:ext cx="1587" cy="1587"/>
-                      </a:xfrm>
-                      <a:prstGeom prst="rect">
-                        <a:avLst/>
-                      </a:prstGeom>
-                    </p:spPr>
-                  </p:pic>
-                </p:oleObj>
-              </mc:Fallback>
-            </mc:AlternateContent>
+            <p:oleObj spid="_x0000_s2300" name="think-cell Folie" r:id="rId3" imgW="360" imgH="360" progId="">
+              <p:embed/>
+            </p:oleObj>
           </a:graphicData>
         </a:graphic>
       </p:graphicFrame>
@@ -3705,10 +4111,10 @@
           <p:nvPr userDrawn="1"/>
         </p:nvPicPr>
         <p:blipFill rotWithShape="1">
-          <a:blip r:embed="rId6">
+          <a:blip r:embed="rId4">
             <a:extLst>
               <a:ext uri="{28A0092B-C50C-407E-A947-70E740481C1C}">
-                <a14:useLocalDpi xmlns:a14="http://schemas.microsoft.com/office/drawing/2010/main" val="0"/>
+                <a14:useLocalDpi xmlns:a14="http://schemas.microsoft.com/office/drawing/2010/main" xmlns="" val="0"/>
               </a:ext>
             </a:extLst>
           </a:blip>
@@ -3734,7 +4140,7 @@
           <p:nvPr userDrawn="1"/>
         </p:nvPicPr>
         <p:blipFill>
-          <a:blip r:embed="rId7"/>
+          <a:blip r:embed="rId5"/>
           <a:stretch>
             <a:fillRect/>
           </a:stretch>
@@ -3960,7 +4366,7 @@
     </p:spTree>
     <p:extLst>
       <p:ext uri="{BB962C8B-B14F-4D97-AF65-F5344CB8AC3E}">
-        <p14:creationId xmlns:p14="http://schemas.microsoft.com/office/powerpoint/2010/main" val="2060546820"/>
+        <p14:creationId xmlns:p14="http://schemas.microsoft.com/office/powerpoint/2010/main" xmlns="" val="2060546820"/>
       </p:ext>
     </p:extLst>
   </p:cSld>
@@ -4001,10 +4407,10 @@
           <p:nvPr/>
         </p:nvPicPr>
         <p:blipFill>
-          <a:blip r:embed="rId12">
+          <a:blip r:embed="rId11">
             <a:extLst>
               <a:ext uri="{28A0092B-C50C-407E-A947-70E740481C1C}">
-                <a14:useLocalDpi xmlns:a14="http://schemas.microsoft.com/office/drawing/2010/main" val="0"/>
+                <a14:useLocalDpi xmlns:a14="http://schemas.microsoft.com/office/drawing/2010/main" xmlns="" val="0"/>
               </a:ext>
             </a:extLst>
           </a:blip>
@@ -4024,7 +4430,7 @@
           <a:noFill/>
           <a:extLst>
             <a:ext uri="{909E8E84-426E-40DD-AFC4-6F175D3DCCD1}">
-              <a14:hiddenFill xmlns:a14="http://schemas.microsoft.com/office/drawing/2010/main">
+              <a14:hiddenFill xmlns:a14="http://schemas.microsoft.com/office/drawing/2010/main" xmlns="">
                 <a:solidFill>
                   <a:srgbClr val="FFFFFF"/>
                 </a:solidFill>
@@ -4040,12 +4446,9 @@
             <a:graphicFrameLocks noChangeAspect="1"/>
           </p:cNvGraphicFramePr>
           <p:nvPr>
-            <p:custDataLst>
-              <p:tags r:id="rId11"/>
-            </p:custDataLst>
             <p:extLst>
               <p:ext uri="{D42A27DB-BD31-4B8C-83A1-F6EECF244321}">
-                <p14:modId xmlns:p14="http://schemas.microsoft.com/office/powerpoint/2010/main" val="2610759032"/>
+                <p14:modId xmlns:p14="http://schemas.microsoft.com/office/powerpoint/2010/main" xmlns="" val="2610759032"/>
               </p:ext>
             </p:extLst>
           </p:nvPr>
@@ -4056,40 +4459,9 @@
         </p:xfrm>
         <a:graphic>
           <a:graphicData uri="http://schemas.openxmlformats.org/presentationml/2006/ole">
-            <mc:AlternateContent xmlns:mc="http://schemas.openxmlformats.org/markup-compatibility/2006">
-              <mc:Choice xmlns:v="urn:schemas-microsoft-com:vml" Requires="v">
-                <p:oleObj spid="_x0000_s1281" name="think-cell Folie" r:id="rId13" imgW="305" imgH="303" progId="TCLayout.ActiveDocument.1">
-                  <p:embed/>
-                </p:oleObj>
-              </mc:Choice>
-              <mc:Fallback>
-                <p:oleObj name="think-cell Folie" r:id="rId13" imgW="305" imgH="303" progId="TCLayout.ActiveDocument.1">
-                  <p:embed/>
-                  <p:pic>
-                    <p:nvPicPr>
-                      <p:cNvPr id="0" name=""/>
-                      <p:cNvPicPr/>
-                      <p:nvPr/>
-                    </p:nvPicPr>
-                    <p:blipFill>
-                      <a:blip r:embed="rId14"/>
-                      <a:stretch>
-                        <a:fillRect/>
-                      </a:stretch>
-                    </p:blipFill>
-                    <p:spPr>
-                      <a:xfrm>
-                        <a:off x="1588" y="1588"/>
-                        <a:ext cx="1587" cy="1587"/>
-                      </a:xfrm>
-                      <a:prstGeom prst="rect">
-                        <a:avLst/>
-                      </a:prstGeom>
-                    </p:spPr>
-                  </p:pic>
-                </p:oleObj>
-              </mc:Fallback>
-            </mc:AlternateContent>
+            <p:oleObj spid="_x0000_s1281" name="think-cell Folie" r:id="rId12" imgW="360" imgH="360" progId="">
+              <p:embed/>
+            </p:oleObj>
           </a:graphicData>
         </a:graphic>
       </p:graphicFrame>
@@ -4947,7 +5319,7 @@
     </p:spTree>
     <p:extLst>
       <p:ext uri="{BB962C8B-B14F-4D97-AF65-F5344CB8AC3E}">
-        <p14:creationId xmlns:p14="http://schemas.microsoft.com/office/powerpoint/2010/main" val="2955847980"/>
+        <p14:creationId xmlns:p14="http://schemas.microsoft.com/office/powerpoint/2010/main" xmlns="" val="2955847980"/>
       </p:ext>
     </p:extLst>
   </p:cSld>
@@ -5266,7 +5638,7 @@
   </p:txStyles>
   <p:extLst mod="1">
     <p:ext uri="{27BBF7A9-308A-43DC-89C8-2F10F3537804}">
-      <p15:sldGuideLst xmlns:p15="http://schemas.microsoft.com/office/powerpoint/2012/main">
+      <p15:sldGuideLst xmlns:p15="http://schemas.microsoft.com/office/powerpoint/2012/main" xmlns="">
         <p15:guide id="1" pos="283">
           <p15:clr>
             <a:srgbClr val="FBAE40"/>
@@ -5347,26 +5719,14 @@
           <a:p>
             <a:r>
               <a:rPr lang="pl-PL" dirty="0" smtClean="0"/>
-              <a:t>WdSR - ćwiczenie 3 </a:t>
-            </a:r>
-            <a:r>
-              <a:rPr lang="pl-PL" dirty="0" smtClean="0"/>
-              <a:t>(SOAP)</a:t>
-            </a:r>
-            <a:r>
-              <a:rPr lang="pl-PL" dirty="0" smtClean="0"/>
-              <a:t/>
+              <a:t>WdSR - ćwiczenie 3 (SOAP)</a:t>
             </a:r>
             <a:br>
               <a:rPr lang="pl-PL" dirty="0" smtClean="0"/>
             </a:br>
             <a:r>
               <a:rPr lang="pl-PL" sz="1400" dirty="0" smtClean="0"/>
-              <a:t>Web Services - </a:t>
-            </a:r>
-            <a:r>
-              <a:rPr lang="pl-PL" sz="1400" dirty="0" smtClean="0"/>
-              <a:t>SOAP</a:t>
+              <a:t>Web Services - SOAP</a:t>
             </a:r>
             <a:endParaRPr lang="de-DE" sz="1400" dirty="0"/>
           </a:p>
@@ -5384,8 +5744,8 @@
         </p:nvSpPr>
         <p:spPr>
           <a:xfrm>
-            <a:off x="976312" y="4178885"/>
-            <a:ext cx="5232400" cy="507831"/>
+            <a:off x="976312" y="4009608"/>
+            <a:ext cx="5232400" cy="677108"/>
           </a:xfrm>
         </p:spPr>
         <p:txBody>
@@ -5394,15 +5754,30 @@
           <a:p>
             <a:r>
               <a:rPr lang="pl-PL" dirty="0" smtClean="0"/>
-              <a:t>Marek Strejczek</a:t>
+              <a:t>Prowadzący: Mateusz Kołodziejski</a:t>
+            </a:r>
+          </a:p>
+          <a:p>
+            <a:r>
+              <a:rPr lang="pl-PL" dirty="0" smtClean="0"/>
+              <a:t>Materiały: Marek </a:t>
+            </a:r>
+            <a:r>
+              <a:rPr lang="pl-PL" dirty="0" err="1" smtClean="0"/>
+              <a:t>Strejczek</a:t>
             </a:r>
             <a:endParaRPr lang="de-DE" dirty="0" smtClean="0"/>
           </a:p>
           <a:p>
             <a:r>
               <a:rPr lang="pl-PL" dirty="0" smtClean="0"/>
-              <a:t>Lato 2016</a:t>
-            </a:r>
+              <a:t>Lato </a:t>
+            </a:r>
+            <a:r>
+              <a:rPr lang="pl-PL" dirty="0" smtClean="0"/>
+              <a:t>2017</a:t>
+            </a:r>
+            <a:endParaRPr lang="pl-PL" dirty="0" smtClean="0"/>
           </a:p>
           <a:p>
             <a:r>
@@ -5411,7 +5786,11 @@
             </a:r>
             <a:r>
               <a:rPr lang="pl-PL" dirty="0" smtClean="0"/>
-              <a:t>1.0</a:t>
+              <a:t>2</a:t>
+            </a:r>
+            <a:r>
+              <a:rPr lang="pl-PL" dirty="0" smtClean="0"/>
+              <a:t>.0</a:t>
             </a:r>
             <a:endParaRPr lang="de-DE" dirty="0"/>
           </a:p>
@@ -5420,7 +5799,7 @@
     </p:spTree>
     <p:extLst>
       <p:ext uri="{BB962C8B-B14F-4D97-AF65-F5344CB8AC3E}">
-        <p14:creationId xmlns:p14="http://schemas.microsoft.com/office/powerpoint/2010/main" val="3230101943"/>
+        <p14:creationId xmlns:p14="http://schemas.microsoft.com/office/powerpoint/2010/main" xmlns="" val="3230101943"/>
       </p:ext>
     </p:extLst>
   </p:cSld>
@@ -5464,6 +5843,826 @@
             <p:ph type="title"/>
           </p:nvPr>
         </p:nvSpPr>
+        <p:spPr/>
+        <p:txBody>
+          <a:bodyPr/>
+          <a:lstStyle/>
+          <a:p>
+            <a:r>
+              <a:rPr lang="pl-PL" dirty="0" smtClean="0"/>
+              <a:t>Ćwiczenie SOAP Client</a:t>
+            </a:r>
+            <a:endParaRPr lang="de-DE" dirty="0"/>
+          </a:p>
+        </p:txBody>
+      </p:sp>
+      <p:sp>
+        <p:nvSpPr>
+          <p:cNvPr id="5" name="Inhaltsplatzhalter 4"/>
+          <p:cNvSpPr>
+            <a:spLocks noGrp="1"/>
+          </p:cNvSpPr>
+          <p:nvPr>
+            <p:ph type="body" sz="quarter" idx="13"/>
+          </p:nvPr>
+        </p:nvSpPr>
+        <p:spPr/>
+        <p:txBody>
+          <a:bodyPr/>
+          <a:lstStyle/>
+          <a:p>
+            <a:r>
+              <a:rPr lang="pl-PL" dirty="0" smtClean="0"/>
+              <a:t>ĆWICZENIE 3</a:t>
+            </a:r>
+            <a:endParaRPr lang="de-DE" dirty="0"/>
+          </a:p>
+        </p:txBody>
+      </p:sp>
+      <p:sp>
+        <p:nvSpPr>
+          <p:cNvPr id="3" name="Prostokąt zaokrąglony 2"/>
+          <p:cNvSpPr/>
+          <p:nvPr/>
+        </p:nvSpPr>
+        <p:spPr>
+          <a:xfrm>
+            <a:off x="1609595" y="1546963"/>
+            <a:ext cx="5730657" cy="1991639"/>
+          </a:xfrm>
+          <a:prstGeom prst="roundRect">
+            <a:avLst/>
+          </a:prstGeom>
+          <a:ln/>
+        </p:spPr>
+        <p:style>
+          <a:lnRef idx="2">
+            <a:schemeClr val="accent3">
+              <a:shade val="50000"/>
+            </a:schemeClr>
+          </a:lnRef>
+          <a:fillRef idx="1">
+            <a:schemeClr val="accent3"/>
+          </a:fillRef>
+          <a:effectRef idx="0">
+            <a:schemeClr val="accent3"/>
+          </a:effectRef>
+          <a:fontRef idx="minor">
+            <a:schemeClr val="lt1"/>
+          </a:fontRef>
+        </p:style>
+        <p:txBody>
+          <a:bodyPr lIns="108000" tIns="108000" rIns="108000" bIns="108000" rtlCol="0" anchor="ctr"/>
+          <a:lstStyle/>
+          <a:p>
+            <a:pPr algn="ctr"/>
+            <a:r>
+              <a:rPr lang="pl-PL" sz="1600" dirty="0" smtClean="0">
+                <a:solidFill>
+                  <a:schemeClr val="tx1"/>
+                </a:solidFill>
+              </a:rPr>
+              <a:t>Ćwiczenie 3</a:t>
+            </a:r>
+          </a:p>
+          <a:p>
+            <a:pPr algn="ctr"/>
+            <a:r>
+              <a:rPr lang="pl-PL" sz="1600" dirty="0" smtClean="0"/>
+              <a:t>SOAP - client</a:t>
+            </a:r>
+            <a:endParaRPr lang="pl-PL" sz="1600" dirty="0" smtClean="0">
+              <a:solidFill>
+                <a:schemeClr val="tx1"/>
+              </a:solidFill>
+            </a:endParaRPr>
+          </a:p>
+        </p:txBody>
+      </p:sp>
+    </p:spTree>
+    <p:extLst>
+      <p:ext uri="{BB962C8B-B14F-4D97-AF65-F5344CB8AC3E}">
+        <p14:creationId xmlns:p14="http://schemas.microsoft.com/office/powerpoint/2010/main" xmlns="" val="1022935673"/>
+      </p:ext>
+    </p:extLst>
+  </p:cSld>
+  <p:clrMapOvr>
+    <a:masterClrMapping/>
+  </p:clrMapOvr>
+  <mc:AlternateContent xmlns:mc="http://schemas.openxmlformats.org/markup-compatibility/2006">
+    <mc:Choice xmlns:p14="http://schemas.microsoft.com/office/powerpoint/2010/main" xmlns="" Requires="p14">
+      <p:transition p14:dur="10"/>
+    </mc:Choice>
+    <mc:Fallback>
+      <p:transition/>
+    </mc:Fallback>
+  </mc:AlternateContent>
+  <p:timing>
+    <p:tnLst>
+      <p:par>
+        <p:cTn id="1" dur="indefinite" restart="never" nodeType="tmRoot"/>
+      </p:par>
+    </p:tnLst>
+  </p:timing>
+</p:sld>
+</file>
+
+<file path=ppt/slides/slide11.xml><?xml version="1.0" encoding="utf-8"?>
+<p:sld xmlns:a="http://schemas.openxmlformats.org/drawingml/2006/main" xmlns:r="http://schemas.openxmlformats.org/officeDocument/2006/relationships" xmlns:p="http://schemas.openxmlformats.org/presentationml/2006/main">
+  <p:cSld>
+    <p:spTree>
+      <p:nvGrpSpPr>
+        <p:cNvPr id="1" name=""/>
+        <p:cNvGrpSpPr/>
+        <p:nvPr/>
+      </p:nvGrpSpPr>
+      <p:grpSpPr>
+        <a:xfrm>
+          <a:off x="0" y="0"/>
+          <a:ext cx="0" cy="0"/>
+          <a:chOff x="0" y="0"/>
+          <a:chExt cx="0" cy="0"/>
+        </a:xfrm>
+      </p:grpSpPr>
+      <p:sp>
+        <p:nvSpPr>
+          <p:cNvPr id="7" name="Titel 6"/>
+          <p:cNvSpPr>
+            <a:spLocks noGrp="1"/>
+          </p:cNvSpPr>
+          <p:nvPr>
+            <p:ph type="title"/>
+          </p:nvPr>
+        </p:nvSpPr>
+        <p:spPr/>
+        <p:txBody>
+          <a:bodyPr/>
+          <a:lstStyle/>
+          <a:p>
+            <a:r>
+              <a:rPr lang="pl-PL" dirty="0" smtClean="0"/>
+              <a:t>Ćwiczenie SOAP Client</a:t>
+            </a:r>
+            <a:endParaRPr lang="de-DE" dirty="0"/>
+          </a:p>
+        </p:txBody>
+      </p:sp>
+      <p:sp>
+        <p:nvSpPr>
+          <p:cNvPr id="5" name="Inhaltsplatzhalter 4"/>
+          <p:cNvSpPr>
+            <a:spLocks noGrp="1"/>
+          </p:cNvSpPr>
+          <p:nvPr>
+            <p:ph type="body" sz="quarter" idx="13"/>
+          </p:nvPr>
+        </p:nvSpPr>
+        <p:spPr/>
+        <p:txBody>
+          <a:bodyPr/>
+          <a:lstStyle/>
+          <a:p>
+            <a:r>
+              <a:rPr lang="pl-PL" dirty="0" smtClean="0"/>
+              <a:t>ĆWICZENIE 3</a:t>
+            </a:r>
+            <a:endParaRPr lang="de-DE" dirty="0"/>
+          </a:p>
+        </p:txBody>
+      </p:sp>
+      <p:sp>
+        <p:nvSpPr>
+          <p:cNvPr id="6" name="Symbol zastępczy zawartości 1"/>
+          <p:cNvSpPr>
+            <a:spLocks noGrp="1"/>
+          </p:cNvSpPr>
+          <p:nvPr>
+            <p:ph idx="1"/>
+          </p:nvPr>
+        </p:nvSpPr>
+        <p:spPr>
+          <a:xfrm>
+            <a:off x="443708" y="1119187"/>
+            <a:ext cx="4554178" cy="3362325"/>
+          </a:xfrm>
+        </p:spPr>
+        <p:txBody>
+          <a:bodyPr>
+            <a:normAutofit/>
+          </a:bodyPr>
+          <a:lstStyle/>
+          <a:p>
+            <a:r>
+              <a:rPr lang="pl-PL" dirty="0" smtClean="0"/>
+              <a:t>Szkielet ćwiczenia znajduje się w branch’u soapclient</a:t>
+            </a:r>
+          </a:p>
+          <a:p>
+            <a:pPr lvl="1"/>
+            <a:r>
+              <a:rPr lang="pl-PL" dirty="0" smtClean="0"/>
+              <a:t>git checkout soapclient</a:t>
+            </a:r>
+          </a:p>
+          <a:p>
+            <a:pPr lvl="1"/>
+            <a:endParaRPr lang="pl-PL" dirty="0"/>
+          </a:p>
+          <a:p>
+            <a:r>
+              <a:rPr lang="pl-PL" dirty="0" smtClean="0"/>
+              <a:t>Zaimportuj projekt do </a:t>
+            </a:r>
+            <a:r>
+              <a:rPr lang="pl-PL" dirty="0" err="1" smtClean="0"/>
+              <a:t>Eclipse</a:t>
+            </a:r>
+            <a:endParaRPr lang="pl-PL" dirty="0" smtClean="0"/>
+          </a:p>
+          <a:p>
+            <a:pPr lvl="1"/>
+            <a:r>
+              <a:rPr lang="pl-PL" dirty="0" smtClean="0"/>
+              <a:t>Import projektu do </a:t>
+            </a:r>
+            <a:r>
+              <a:rPr lang="pl-PL" dirty="0" err="1" smtClean="0"/>
+              <a:t>Eclipse</a:t>
+            </a:r>
+            <a:r>
+              <a:rPr lang="pl-PL" dirty="0" smtClean="0"/>
+              <a:t> był opisany w ćwiczeniu 1b.</a:t>
+            </a:r>
+          </a:p>
+          <a:p>
+            <a:pPr lvl="1"/>
+            <a:r>
+              <a:rPr lang="pl-PL" dirty="0" smtClean="0"/>
+              <a:t>Potrzebna jest wtyczka </a:t>
+            </a:r>
+            <a:r>
+              <a:rPr lang="pl-PL" dirty="0" err="1" smtClean="0"/>
+              <a:t>Gradle</a:t>
+            </a:r>
+            <a:r>
+              <a:rPr lang="pl-PL" dirty="0" smtClean="0"/>
+              <a:t> (</a:t>
+            </a:r>
+            <a:r>
+              <a:rPr lang="pl-PL" dirty="0" err="1" smtClean="0">
+                <a:hlinkClick r:id="rId3"/>
+              </a:rPr>
+              <a:t>Buildship</a:t>
+            </a:r>
+            <a:r>
+              <a:rPr lang="pl-PL" dirty="0" smtClean="0"/>
+              <a:t>).</a:t>
+            </a:r>
+          </a:p>
+          <a:p>
+            <a:endParaRPr lang="pl-PL" dirty="0"/>
+          </a:p>
+          <a:p>
+            <a:endParaRPr lang="pl-PL" dirty="0" smtClean="0"/>
+          </a:p>
+          <a:p>
+            <a:endParaRPr lang="pl-PL" dirty="0" smtClean="0"/>
+          </a:p>
+        </p:txBody>
+      </p:sp>
+    </p:spTree>
+    <p:extLst>
+      <p:ext uri="{BB962C8B-B14F-4D97-AF65-F5344CB8AC3E}">
+        <p14:creationId xmlns:p14="http://schemas.microsoft.com/office/powerpoint/2010/main" xmlns="" val="565121571"/>
+      </p:ext>
+    </p:extLst>
+  </p:cSld>
+  <p:clrMapOvr>
+    <a:masterClrMapping/>
+  </p:clrMapOvr>
+  <mc:AlternateContent xmlns:mc="http://schemas.openxmlformats.org/markup-compatibility/2006">
+    <mc:Choice xmlns:p14="http://schemas.microsoft.com/office/powerpoint/2010/main" xmlns="" Requires="p14">
+      <p:transition p14:dur="10"/>
+    </mc:Choice>
+    <mc:Fallback>
+      <p:transition/>
+    </mc:Fallback>
+  </mc:AlternateContent>
+  <p:timing>
+    <p:tnLst>
+      <p:par>
+        <p:cTn id="1" dur="indefinite" restart="never" nodeType="tmRoot"/>
+      </p:par>
+    </p:tnLst>
+  </p:timing>
+</p:sld>
+</file>
+
+<file path=ppt/slides/slide12.xml><?xml version="1.0" encoding="utf-8"?>
+<p:sld xmlns:a="http://schemas.openxmlformats.org/drawingml/2006/main" xmlns:r="http://schemas.openxmlformats.org/officeDocument/2006/relationships" xmlns:p="http://schemas.openxmlformats.org/presentationml/2006/main">
+  <p:cSld>
+    <p:spTree>
+      <p:nvGrpSpPr>
+        <p:cNvPr id="1" name=""/>
+        <p:cNvGrpSpPr/>
+        <p:nvPr/>
+      </p:nvGrpSpPr>
+      <p:grpSpPr>
+        <a:xfrm>
+          <a:off x="0" y="0"/>
+          <a:ext cx="0" cy="0"/>
+          <a:chOff x="0" y="0"/>
+          <a:chExt cx="0" cy="0"/>
+        </a:xfrm>
+      </p:grpSpPr>
+      <p:sp>
+        <p:nvSpPr>
+          <p:cNvPr id="7" name="Titel 6"/>
+          <p:cNvSpPr>
+            <a:spLocks noGrp="1"/>
+          </p:cNvSpPr>
+          <p:nvPr>
+            <p:ph type="title"/>
+          </p:nvPr>
+        </p:nvSpPr>
+        <p:spPr/>
+        <p:txBody>
+          <a:bodyPr/>
+          <a:lstStyle/>
+          <a:p>
+            <a:r>
+              <a:rPr lang="pl-PL" dirty="0" smtClean="0"/>
+              <a:t>Ćwiczenie SOAP Client</a:t>
+            </a:r>
+            <a:endParaRPr lang="de-DE" dirty="0"/>
+          </a:p>
+        </p:txBody>
+      </p:sp>
+      <p:sp>
+        <p:nvSpPr>
+          <p:cNvPr id="5" name="Inhaltsplatzhalter 4"/>
+          <p:cNvSpPr>
+            <a:spLocks noGrp="1"/>
+          </p:cNvSpPr>
+          <p:nvPr>
+            <p:ph type="body" sz="quarter" idx="13"/>
+          </p:nvPr>
+        </p:nvSpPr>
+        <p:spPr/>
+        <p:txBody>
+          <a:bodyPr/>
+          <a:lstStyle/>
+          <a:p>
+            <a:r>
+              <a:rPr lang="pl-PL" dirty="0" smtClean="0"/>
+              <a:t>ĆWICZENIE 3</a:t>
+            </a:r>
+            <a:endParaRPr lang="de-DE" dirty="0"/>
+          </a:p>
+        </p:txBody>
+      </p:sp>
+      <p:sp>
+        <p:nvSpPr>
+          <p:cNvPr id="3" name="Prostokąt zaokrąglony 2"/>
+          <p:cNvSpPr/>
+          <p:nvPr/>
+        </p:nvSpPr>
+        <p:spPr>
+          <a:xfrm>
+            <a:off x="6414221" y="2599146"/>
+            <a:ext cx="1427451" cy="638828"/>
+          </a:xfrm>
+          <a:prstGeom prst="roundRect">
+            <a:avLst/>
+          </a:prstGeom>
+          <a:solidFill>
+            <a:schemeClr val="bg1"/>
+          </a:solidFill>
+          <a:ln w="50800">
+            <a:solidFill>
+              <a:schemeClr val="accent1"/>
+            </a:solidFill>
+          </a:ln>
+        </p:spPr>
+        <p:style>
+          <a:lnRef idx="2">
+            <a:schemeClr val="accent1">
+              <a:shade val="50000"/>
+            </a:schemeClr>
+          </a:lnRef>
+          <a:fillRef idx="1">
+            <a:schemeClr val="accent1"/>
+          </a:fillRef>
+          <a:effectRef idx="0">
+            <a:schemeClr val="accent1"/>
+          </a:effectRef>
+          <a:fontRef idx="minor">
+            <a:schemeClr val="lt1"/>
+          </a:fontRef>
+        </p:style>
+        <p:txBody>
+          <a:bodyPr lIns="108000" tIns="108000" rIns="108000" bIns="108000" rtlCol="0" anchor="ctr"/>
+          <a:lstStyle/>
+          <a:p>
+            <a:pPr algn="ctr"/>
+            <a:r>
+              <a:rPr lang="pl-PL" sz="1200" dirty="0" smtClean="0">
+                <a:solidFill>
+                  <a:schemeClr val="tx1"/>
+                </a:solidFill>
+              </a:rPr>
+              <a:t>Exercise3</a:t>
+            </a:r>
+          </a:p>
+          <a:p>
+            <a:pPr algn="ctr"/>
+            <a:r>
+              <a:rPr lang="pl-PL" sz="1200" dirty="0" smtClean="0">
+                <a:solidFill>
+                  <a:schemeClr val="tx1"/>
+                </a:solidFill>
+              </a:rPr>
+              <a:t>HumanResourceService</a:t>
+            </a:r>
+          </a:p>
+        </p:txBody>
+      </p:sp>
+      <p:sp>
+        <p:nvSpPr>
+          <p:cNvPr id="8" name="Prostokąt zaokrąglony 7"/>
+          <p:cNvSpPr/>
+          <p:nvPr/>
+        </p:nvSpPr>
+        <p:spPr>
+          <a:xfrm>
+            <a:off x="3838706" y="2599146"/>
+            <a:ext cx="1259337" cy="638828"/>
+          </a:xfrm>
+          <a:prstGeom prst="roundRect">
+            <a:avLst/>
+          </a:prstGeom>
+          <a:solidFill>
+            <a:schemeClr val="bg1"/>
+          </a:solidFill>
+          <a:ln w="50800">
+            <a:solidFill>
+              <a:schemeClr val="accent1"/>
+            </a:solidFill>
+          </a:ln>
+        </p:spPr>
+        <p:style>
+          <a:lnRef idx="2">
+            <a:schemeClr val="accent1">
+              <a:shade val="50000"/>
+            </a:schemeClr>
+          </a:lnRef>
+          <a:fillRef idx="1">
+            <a:schemeClr val="accent1"/>
+          </a:fillRef>
+          <a:effectRef idx="0">
+            <a:schemeClr val="accent1"/>
+          </a:effectRef>
+          <a:fontRef idx="minor">
+            <a:schemeClr val="lt1"/>
+          </a:fontRef>
+        </p:style>
+        <p:txBody>
+          <a:bodyPr lIns="108000" tIns="108000" rIns="108000" bIns="108000" rtlCol="0" anchor="ctr"/>
+          <a:lstStyle/>
+          <a:p>
+            <a:pPr algn="ctr"/>
+            <a:r>
+              <a:rPr lang="pl-PL" sz="1200" dirty="0" smtClean="0">
+                <a:solidFill>
+                  <a:schemeClr val="tx1"/>
+                </a:solidFill>
+              </a:rPr>
+              <a:t>Exercise3</a:t>
+            </a:r>
+          </a:p>
+          <a:p>
+            <a:pPr algn="ctr"/>
+            <a:r>
+              <a:rPr lang="pl-PL" sz="1200" dirty="0" smtClean="0">
+                <a:solidFill>
+                  <a:schemeClr val="tx1"/>
+                </a:solidFill>
+              </a:rPr>
+              <a:t>HolidayClient</a:t>
+            </a:r>
+          </a:p>
+        </p:txBody>
+      </p:sp>
+      <p:sp>
+        <p:nvSpPr>
+          <p:cNvPr id="10" name="Prostokąt zaokrąglony 9"/>
+          <p:cNvSpPr/>
+          <p:nvPr/>
+        </p:nvSpPr>
+        <p:spPr>
+          <a:xfrm>
+            <a:off x="5626038" y="1077230"/>
+            <a:ext cx="910696" cy="515657"/>
+          </a:xfrm>
+          <a:prstGeom prst="roundRect">
+            <a:avLst/>
+          </a:prstGeom>
+          <a:solidFill>
+            <a:schemeClr val="bg1"/>
+          </a:solidFill>
+          <a:ln w="50800">
+            <a:solidFill>
+              <a:schemeClr val="accent1"/>
+            </a:solidFill>
+          </a:ln>
+        </p:spPr>
+        <p:style>
+          <a:lnRef idx="2">
+            <a:schemeClr val="accent1">
+              <a:shade val="50000"/>
+            </a:schemeClr>
+          </a:lnRef>
+          <a:fillRef idx="1">
+            <a:schemeClr val="accent1"/>
+          </a:fillRef>
+          <a:effectRef idx="0">
+            <a:schemeClr val="accent1"/>
+          </a:effectRef>
+          <a:fontRef idx="minor">
+            <a:schemeClr val="lt1"/>
+          </a:fontRef>
+        </p:style>
+        <p:txBody>
+          <a:bodyPr lIns="108000" tIns="108000" rIns="108000" bIns="108000" rtlCol="0" anchor="ctr"/>
+          <a:lstStyle/>
+          <a:p>
+            <a:pPr algn="ctr"/>
+            <a:r>
+              <a:rPr lang="pl-PL" sz="1200" dirty="0" smtClean="0">
+                <a:solidFill>
+                  <a:schemeClr val="tx1"/>
+                </a:solidFill>
+              </a:rPr>
+              <a:t>SOAP Client</a:t>
+            </a:r>
+          </a:p>
+        </p:txBody>
+      </p:sp>
+      <p:cxnSp>
+        <p:nvCxnSpPr>
+          <p:cNvPr id="12" name="Łącznik prosty ze strzałką 11"/>
+          <p:cNvCxnSpPr>
+            <a:stCxn id="8" idx="3"/>
+          </p:cNvCxnSpPr>
+          <p:nvPr/>
+        </p:nvCxnSpPr>
+        <p:spPr>
+          <a:xfrm>
+            <a:off x="5098043" y="2918560"/>
+            <a:ext cx="1316179" cy="0"/>
+          </a:xfrm>
+          <a:prstGeom prst="straightConnector1">
+            <a:avLst/>
+          </a:prstGeom>
+          <a:ln w="38100">
+            <a:solidFill>
+              <a:schemeClr val="accent2"/>
+            </a:solidFill>
+            <a:tailEnd type="arrow"/>
+          </a:ln>
+        </p:spPr>
+        <p:style>
+          <a:lnRef idx="1">
+            <a:schemeClr val="accent1"/>
+          </a:lnRef>
+          <a:fillRef idx="0">
+            <a:schemeClr val="accent1"/>
+          </a:fillRef>
+          <a:effectRef idx="0">
+            <a:schemeClr val="accent1"/>
+          </a:effectRef>
+          <a:fontRef idx="minor">
+            <a:schemeClr val="tx1"/>
+          </a:fontRef>
+        </p:style>
+      </p:cxnSp>
+      <p:cxnSp>
+        <p:nvCxnSpPr>
+          <p:cNvPr id="14" name="Łącznik prosty ze strzałką 13"/>
+          <p:cNvCxnSpPr>
+            <a:stCxn id="10" idx="2"/>
+            <a:endCxn id="3" idx="0"/>
+          </p:cNvCxnSpPr>
+          <p:nvPr/>
+        </p:nvCxnSpPr>
+        <p:spPr>
+          <a:xfrm>
+            <a:off x="6081386" y="1592887"/>
+            <a:ext cx="1046561" cy="1006259"/>
+          </a:xfrm>
+          <a:prstGeom prst="straightConnector1">
+            <a:avLst/>
+          </a:prstGeom>
+          <a:ln w="38100">
+            <a:solidFill>
+              <a:schemeClr val="accent2"/>
+            </a:solidFill>
+            <a:tailEnd type="arrow"/>
+          </a:ln>
+        </p:spPr>
+        <p:style>
+          <a:lnRef idx="1">
+            <a:schemeClr val="accent1"/>
+          </a:lnRef>
+          <a:fillRef idx="0">
+            <a:schemeClr val="accent1"/>
+          </a:fillRef>
+          <a:effectRef idx="0">
+            <a:schemeClr val="accent1"/>
+          </a:effectRef>
+          <a:fontRef idx="minor">
+            <a:schemeClr val="tx1"/>
+          </a:fontRef>
+        </p:style>
+      </p:cxnSp>
+      <p:sp>
+        <p:nvSpPr>
+          <p:cNvPr id="30" name="Symbol zastępczy zawartości 1"/>
+          <p:cNvSpPr>
+            <a:spLocks noGrp="1"/>
+          </p:cNvSpPr>
+          <p:nvPr>
+            <p:ph idx="1"/>
+          </p:nvPr>
+        </p:nvSpPr>
+        <p:spPr>
+          <a:xfrm>
+            <a:off x="443708" y="1119187"/>
+            <a:ext cx="2988424" cy="3362325"/>
+          </a:xfrm>
+        </p:spPr>
+        <p:txBody>
+          <a:bodyPr>
+            <a:normAutofit/>
+          </a:bodyPr>
+          <a:lstStyle/>
+          <a:p>
+            <a:r>
+              <a:rPr lang="pl-PL" sz="1050" dirty="0"/>
+              <a:t>Usługa HumanResourceService udostępnia </a:t>
+            </a:r>
+            <a:r>
+              <a:rPr lang="pl-PL" sz="1050" dirty="0" smtClean="0"/>
+              <a:t>operację Holiday pozwalającą zgłosić urlop dla danego pracownika.</a:t>
+            </a:r>
+            <a:endParaRPr lang="pl-PL" sz="850" dirty="0" smtClean="0"/>
+          </a:p>
+          <a:p>
+            <a:endParaRPr lang="pl-PL" sz="1050" dirty="0" smtClean="0"/>
+          </a:p>
+          <a:p>
+            <a:r>
+              <a:rPr lang="pl-PL" sz="1050" dirty="0" smtClean="0"/>
+              <a:t>HolidayClient zawiera metodę pozwalającą aplikacjom zgłosić urlop poprzez wywołanie </a:t>
+            </a:r>
+            <a:r>
+              <a:rPr lang="pl-PL" sz="1050" dirty="0"/>
+              <a:t>usługi HumanResourceService.</a:t>
+            </a:r>
+            <a:endParaRPr lang="pl-PL" sz="850" dirty="0" smtClean="0"/>
+          </a:p>
+          <a:p>
+            <a:endParaRPr lang="pl-PL" dirty="0" smtClean="0"/>
+          </a:p>
+          <a:p>
+            <a:pPr marL="0" indent="0">
+              <a:buNone/>
+            </a:pPr>
+            <a:endParaRPr lang="pl-PL" dirty="0"/>
+          </a:p>
+          <a:p>
+            <a:endParaRPr lang="pl-PL" dirty="0" smtClean="0"/>
+          </a:p>
+          <a:p>
+            <a:endParaRPr lang="pl-PL" dirty="0" smtClean="0"/>
+          </a:p>
+        </p:txBody>
+      </p:sp>
+      <p:sp>
+        <p:nvSpPr>
+          <p:cNvPr id="31" name="pole tekstowe 30"/>
+          <p:cNvSpPr txBox="1"/>
+          <p:nvPr/>
+        </p:nvSpPr>
+        <p:spPr>
+          <a:xfrm>
+            <a:off x="5311035" y="2948268"/>
+            <a:ext cx="770351" cy="123111"/>
+          </a:xfrm>
+          <a:prstGeom prst="rect">
+            <a:avLst/>
+          </a:prstGeom>
+          <a:noFill/>
+        </p:spPr>
+        <p:txBody>
+          <a:bodyPr wrap="square" lIns="0" tIns="0" rIns="0" bIns="0" rtlCol="0">
+            <a:spAutoFit/>
+          </a:bodyPr>
+          <a:lstStyle/>
+          <a:p>
+            <a:r>
+              <a:rPr lang="pl-PL" sz="800" i="1" dirty="0" smtClean="0"/>
+              <a:t>HolidayRequest</a:t>
+            </a:r>
+            <a:endParaRPr lang="pl-PL" sz="600" dirty="0" smtClean="0"/>
+          </a:p>
+        </p:txBody>
+      </p:sp>
+      <p:sp>
+        <p:nvSpPr>
+          <p:cNvPr id="18" name="pole tekstowe 30"/>
+          <p:cNvSpPr txBox="1"/>
+          <p:nvPr/>
+        </p:nvSpPr>
+        <p:spPr>
+          <a:xfrm>
+            <a:off x="6604666" y="1927802"/>
+            <a:ext cx="770351" cy="123111"/>
+          </a:xfrm>
+          <a:prstGeom prst="rect">
+            <a:avLst/>
+          </a:prstGeom>
+          <a:noFill/>
+        </p:spPr>
+        <p:txBody>
+          <a:bodyPr wrap="square" lIns="0" tIns="0" rIns="0" bIns="0" rtlCol="0">
+            <a:spAutoFit/>
+          </a:bodyPr>
+          <a:lstStyle/>
+          <a:p>
+            <a:r>
+              <a:rPr lang="pl-PL" sz="800" i="1" dirty="0" smtClean="0"/>
+              <a:t>HolidayRequest</a:t>
+            </a:r>
+            <a:endParaRPr lang="pl-PL" sz="600" dirty="0" smtClean="0"/>
+          </a:p>
+        </p:txBody>
+      </p:sp>
+    </p:spTree>
+    <p:extLst>
+      <p:ext uri="{BB962C8B-B14F-4D97-AF65-F5344CB8AC3E}">
+        <p14:creationId xmlns:p14="http://schemas.microsoft.com/office/powerpoint/2010/main" xmlns="" val="1329190289"/>
+      </p:ext>
+    </p:extLst>
+  </p:cSld>
+  <p:clrMapOvr>
+    <a:masterClrMapping/>
+  </p:clrMapOvr>
+  <mc:AlternateContent xmlns:mc="http://schemas.openxmlformats.org/markup-compatibility/2006">
+    <mc:Choice xmlns:p14="http://schemas.microsoft.com/office/powerpoint/2010/main" xmlns="" Requires="p14">
+      <p:transition p14:dur="10"/>
+    </mc:Choice>
+    <mc:Fallback>
+      <p:transition/>
+    </mc:Fallback>
+  </mc:AlternateContent>
+  <p:timing>
+    <p:tnLst>
+      <p:par>
+        <p:cTn id="1" dur="indefinite" restart="never" nodeType="tmRoot"/>
+      </p:par>
+    </p:tnLst>
+  </p:timing>
+</p:sld>
+</file>
+
+<file path=ppt/slides/slide13.xml><?xml version="1.0" encoding="utf-8"?>
+<p:sld xmlns:a="http://schemas.openxmlformats.org/drawingml/2006/main" xmlns:r="http://schemas.openxmlformats.org/officeDocument/2006/relationships" xmlns:p="http://schemas.openxmlformats.org/presentationml/2006/main">
+  <p:cSld>
+    <p:spTree>
+      <p:nvGrpSpPr>
+        <p:cNvPr id="1" name=""/>
+        <p:cNvGrpSpPr/>
+        <p:nvPr/>
+      </p:nvGrpSpPr>
+      <p:grpSpPr>
+        <a:xfrm>
+          <a:off x="0" y="0"/>
+          <a:ext cx="0" cy="0"/>
+          <a:chOff x="0" y="0"/>
+          <a:chExt cx="0" cy="0"/>
+        </a:xfrm>
+      </p:grpSpPr>
+      <p:sp>
+        <p:nvSpPr>
+          <p:cNvPr id="7" name="Titel 6"/>
+          <p:cNvSpPr>
+            <a:spLocks noGrp="1"/>
+          </p:cNvSpPr>
+          <p:nvPr>
+            <p:ph type="title"/>
+          </p:nvPr>
+        </p:nvSpPr>
         <p:spPr>
           <a:xfrm>
             <a:off x="444503" y="347341"/>
@@ -5476,26 +6675,489 @@
           <a:p>
             <a:r>
               <a:rPr lang="pl-PL" dirty="0" smtClean="0"/>
-              <a:t>Ćwiczenie </a:t>
-            </a:r>
-            <a:r>
-              <a:rPr lang="pl-PL" dirty="0" smtClean="0"/>
-              <a:t>SOAP Client</a:t>
-            </a:r>
-            <a:r>
-              <a:rPr lang="pl-PL" dirty="0" smtClean="0"/>
-              <a:t/>
+              <a:t>Ćwiczenie SOAP Client</a:t>
             </a:r>
             <a:br>
               <a:rPr lang="pl-PL" dirty="0" smtClean="0"/>
             </a:br>
             <a:r>
               <a:rPr lang="pl-PL" dirty="0" smtClean="0"/>
-              <a:t>Ćwiczenia z używania </a:t>
-            </a:r>
-            <a:r>
-              <a:rPr lang="pl-PL" dirty="0" smtClean="0"/>
-              <a:t>SOAP</a:t>
+              <a:t>Ćwiczenia z używania usługi SOAP</a:t>
+            </a:r>
+            <a:endParaRPr lang="de-DE" dirty="0"/>
+          </a:p>
+        </p:txBody>
+      </p:sp>
+      <p:sp>
+        <p:nvSpPr>
+          <p:cNvPr id="5" name="Inhaltsplatzhalter 4"/>
+          <p:cNvSpPr>
+            <a:spLocks noGrp="1"/>
+          </p:cNvSpPr>
+          <p:nvPr>
+            <p:ph type="body" sz="quarter" idx="13"/>
+          </p:nvPr>
+        </p:nvSpPr>
+        <p:spPr/>
+        <p:txBody>
+          <a:bodyPr/>
+          <a:lstStyle/>
+          <a:p>
+            <a:r>
+              <a:rPr lang="pl-PL" dirty="0" smtClean="0"/>
+              <a:t>ĆWICZENIE 3</a:t>
+            </a:r>
+            <a:endParaRPr lang="de-DE" dirty="0"/>
+          </a:p>
+        </p:txBody>
+      </p:sp>
+      <p:sp>
+        <p:nvSpPr>
+          <p:cNvPr id="30" name="Symbol zastępczy zawartości 1"/>
+          <p:cNvSpPr>
+            <a:spLocks noGrp="1"/>
+          </p:cNvSpPr>
+          <p:nvPr>
+            <p:ph idx="1"/>
+          </p:nvPr>
+        </p:nvSpPr>
+        <p:spPr>
+          <a:xfrm>
+            <a:off x="443707" y="1119187"/>
+            <a:ext cx="7967519" cy="3362325"/>
+          </a:xfrm>
+        </p:spPr>
+        <p:txBody>
+          <a:bodyPr>
+            <a:normAutofit/>
+          </a:bodyPr>
+          <a:lstStyle/>
+          <a:p>
+            <a:r>
+              <a:rPr lang="pl-PL" sz="1050" dirty="0" smtClean="0"/>
+              <a:t>Uruchom aplikację serwerową: </a:t>
+            </a:r>
+          </a:p>
+          <a:p>
+            <a:pPr lvl="1"/>
+            <a:r>
+              <a:rPr lang="pl-PL" sz="850" dirty="0" smtClean="0"/>
+              <a:t>gradlew run w katalogu server</a:t>
+            </a:r>
+          </a:p>
+          <a:p>
+            <a:pPr lvl="1"/>
+            <a:r>
+              <a:rPr lang="pl-PL" sz="650" dirty="0" smtClean="0"/>
+              <a:t>Jeśli aplikacja zaloguje komunikat „</a:t>
+            </a:r>
+            <a:r>
+              <a:rPr lang="en-US" sz="650" dirty="0" smtClean="0"/>
+              <a:t>Server </a:t>
+            </a:r>
+            <a:r>
+              <a:rPr lang="pl-PL" sz="650" dirty="0" smtClean="0"/>
+              <a:t>ready...” to znaczy, że serwer działa.</a:t>
+            </a:r>
+          </a:p>
+          <a:p>
+            <a:pPr lvl="1"/>
+            <a:r>
+              <a:rPr lang="pl-PL" sz="650" dirty="0" smtClean="0"/>
+              <a:t>Jeśli w logach pojawi się komunikat typu „</a:t>
+            </a:r>
+            <a:r>
+              <a:rPr lang="en-US" sz="650" dirty="0"/>
+              <a:t>Address already in use</a:t>
+            </a:r>
+            <a:r>
+              <a:rPr lang="en-US" sz="650" dirty="0" smtClean="0"/>
+              <a:t>: bind</a:t>
+            </a:r>
+            <a:r>
+              <a:rPr lang="pl-PL" sz="650" dirty="0" smtClean="0"/>
+              <a:t>” to znaczy, że port jest już zajęty przez inną aplikację. Upewnij się, że inna instancja tej aplikacji nie jest już uruchomiona. Jeśli jesteś pewien, że port jest zajęty na Twoim komputerze przez inną aplikację lub usługę systemową to zmień numer portu w pliku HolidayServerApp z 8090 na inny.</a:t>
+            </a:r>
+          </a:p>
+          <a:p>
+            <a:pPr lvl="1"/>
+            <a:r>
+              <a:rPr lang="pl-PL" sz="650" dirty="0" smtClean="0"/>
+              <a:t>Aplikacja po 5 minutach wyłącza się automatycznie – można ją wyłączyć ręcznie wcześniej wciskając Ctrl-C</a:t>
+            </a:r>
+          </a:p>
+          <a:p>
+            <a:pPr marL="0" indent="0">
+              <a:buNone/>
+            </a:pPr>
+            <a:endParaRPr lang="pl-PL" dirty="0" smtClean="0"/>
+          </a:p>
+          <a:p>
+            <a:endParaRPr lang="pl-PL" dirty="0" smtClean="0"/>
+          </a:p>
+          <a:p>
+            <a:endParaRPr lang="pl-PL" dirty="0" smtClean="0"/>
+          </a:p>
+        </p:txBody>
+      </p:sp>
+      <p:pic>
+        <p:nvPicPr>
+          <p:cNvPr id="3" name="Picture 2"/>
+          <p:cNvPicPr>
+            <a:picLocks noChangeAspect="1"/>
+          </p:cNvPicPr>
+          <p:nvPr/>
+        </p:nvPicPr>
+        <p:blipFill>
+          <a:blip r:embed="rId3"/>
+          <a:stretch>
+            <a:fillRect/>
+          </a:stretch>
+        </p:blipFill>
+        <p:spPr>
+          <a:xfrm>
+            <a:off x="1649361" y="2215304"/>
+            <a:ext cx="4772978" cy="2109366"/>
+          </a:xfrm>
+          <a:prstGeom prst="rect">
+            <a:avLst/>
+          </a:prstGeom>
+        </p:spPr>
+      </p:pic>
+    </p:spTree>
+    <p:extLst>
+      <p:ext uri="{BB962C8B-B14F-4D97-AF65-F5344CB8AC3E}">
+        <p14:creationId xmlns:p14="http://schemas.microsoft.com/office/powerpoint/2010/main" xmlns="" val="1445465161"/>
+      </p:ext>
+    </p:extLst>
+  </p:cSld>
+  <p:clrMapOvr>
+    <a:masterClrMapping/>
+  </p:clrMapOvr>
+  <mc:AlternateContent xmlns:mc="http://schemas.openxmlformats.org/markup-compatibility/2006">
+    <mc:Choice xmlns:p14="http://schemas.microsoft.com/office/powerpoint/2010/main" xmlns="" Requires="p14">
+      <p:transition p14:dur="10"/>
+    </mc:Choice>
+    <mc:Fallback>
+      <p:transition/>
+    </mc:Fallback>
+  </mc:AlternateContent>
+  <p:timing>
+    <p:tnLst>
+      <p:par>
+        <p:cTn id="1" dur="indefinite" restart="never" nodeType="tmRoot"/>
+      </p:par>
+    </p:tnLst>
+  </p:timing>
+</p:sld>
+</file>
+
+<file path=ppt/slides/slide14.xml><?xml version="1.0" encoding="utf-8"?>
+<p:sld xmlns:a="http://schemas.openxmlformats.org/drawingml/2006/main" xmlns:r="http://schemas.openxmlformats.org/officeDocument/2006/relationships" xmlns:p="http://schemas.openxmlformats.org/presentationml/2006/main">
+  <p:cSld>
+    <p:spTree>
+      <p:nvGrpSpPr>
+        <p:cNvPr id="1" name=""/>
+        <p:cNvGrpSpPr/>
+        <p:nvPr/>
+      </p:nvGrpSpPr>
+      <p:grpSpPr>
+        <a:xfrm>
+          <a:off x="0" y="0"/>
+          <a:ext cx="0" cy="0"/>
+          <a:chOff x="0" y="0"/>
+          <a:chExt cx="0" cy="0"/>
+        </a:xfrm>
+      </p:grpSpPr>
+      <p:sp>
+        <p:nvSpPr>
+          <p:cNvPr id="7" name="Titel 6"/>
+          <p:cNvSpPr>
+            <a:spLocks noGrp="1"/>
+          </p:cNvSpPr>
+          <p:nvPr>
+            <p:ph type="title"/>
+          </p:nvPr>
+        </p:nvSpPr>
+        <p:spPr>
+          <a:xfrm>
+            <a:off x="444503" y="347341"/>
+            <a:ext cx="6692104" cy="436017"/>
+          </a:xfrm>
+        </p:spPr>
+        <p:txBody>
+          <a:bodyPr/>
+          <a:lstStyle/>
+          <a:p>
+            <a:r>
+              <a:rPr lang="pl-PL" dirty="0" smtClean="0"/>
+              <a:t>Ćwiczenie SOAP Client</a:t>
+            </a:r>
+            <a:br>
+              <a:rPr lang="pl-PL" dirty="0" smtClean="0"/>
+            </a:br>
+            <a:r>
+              <a:rPr lang="pl-PL" dirty="0" smtClean="0"/>
+              <a:t>Ćwiczenia z używania SOAP</a:t>
+            </a:r>
+            <a:endParaRPr lang="de-DE" dirty="0"/>
+          </a:p>
+        </p:txBody>
+      </p:sp>
+      <p:sp>
+        <p:nvSpPr>
+          <p:cNvPr id="5" name="Inhaltsplatzhalter 4"/>
+          <p:cNvSpPr>
+            <a:spLocks noGrp="1"/>
+          </p:cNvSpPr>
+          <p:nvPr>
+            <p:ph type="body" sz="quarter" idx="13"/>
+          </p:nvPr>
+        </p:nvSpPr>
+        <p:spPr/>
+        <p:txBody>
+          <a:bodyPr/>
+          <a:lstStyle/>
+          <a:p>
+            <a:r>
+              <a:rPr lang="pl-PL" dirty="0" smtClean="0"/>
+              <a:t>ĆWICZENIE 3</a:t>
+            </a:r>
+            <a:endParaRPr lang="de-DE" dirty="0"/>
+          </a:p>
+        </p:txBody>
+      </p:sp>
+      <p:sp>
+        <p:nvSpPr>
+          <p:cNvPr id="30" name="Symbol zastępczy zawartości 1"/>
+          <p:cNvSpPr>
+            <a:spLocks noGrp="1"/>
+          </p:cNvSpPr>
+          <p:nvPr>
+            <p:ph idx="1"/>
+          </p:nvPr>
+        </p:nvSpPr>
+        <p:spPr>
+          <a:xfrm>
+            <a:off x="443708" y="1119187"/>
+            <a:ext cx="5394905" cy="3362325"/>
+          </a:xfrm>
+        </p:spPr>
+        <p:txBody>
+          <a:bodyPr>
+            <a:normAutofit/>
+          </a:bodyPr>
+          <a:lstStyle/>
+          <a:p>
+            <a:r>
+              <a:rPr lang="pl-PL" sz="1050" dirty="0" smtClean="0"/>
+              <a:t>Przeanalizuj plik WSDL (opis usługi), który serwer automatycznie udostępnia pod adresem </a:t>
+            </a:r>
+          </a:p>
+          <a:p>
+            <a:pPr lvl="1"/>
+            <a:r>
+              <a:rPr lang="pl-PL" sz="850" dirty="0" smtClean="0">
+                <a:hlinkClick r:id="rId3"/>
+              </a:rPr>
+              <a:t>http</a:t>
+            </a:r>
+            <a:r>
+              <a:rPr lang="pl-PL" sz="850" dirty="0">
+                <a:hlinkClick r:id="rId3"/>
+              </a:rPr>
+              <a:t>://</a:t>
+            </a:r>
+            <a:r>
+              <a:rPr lang="pl-PL" sz="850" dirty="0" smtClean="0">
+                <a:hlinkClick r:id="rId3"/>
+              </a:rPr>
+              <a:t>localhost:8090/holidayService</a:t>
+            </a:r>
+            <a:r>
+              <a:rPr lang="pl-PL" sz="850" dirty="0">
+                <a:hlinkClick r:id="rId3"/>
+              </a:rPr>
+              <a:t>/?</a:t>
+            </a:r>
+            <a:r>
+              <a:rPr lang="pl-PL" sz="850" dirty="0" smtClean="0">
+                <a:hlinkClick r:id="rId3"/>
+              </a:rPr>
+              <a:t>wsdl</a:t>
+            </a:r>
+            <a:endParaRPr lang="pl-PL" sz="850" dirty="0"/>
+          </a:p>
+          <a:p>
+            <a:r>
+              <a:rPr lang="pl-PL" sz="1050" dirty="0"/>
+              <a:t>Przeanalizuj </a:t>
+            </a:r>
+            <a:r>
+              <a:rPr lang="pl-PL" sz="1050" dirty="0" smtClean="0"/>
+              <a:t>plik XSD (XML Schema) zawierający definicje typów używanych przez usługę.</a:t>
+            </a:r>
+          </a:p>
+          <a:p>
+            <a:pPr lvl="1"/>
+            <a:r>
+              <a:rPr lang="pl-PL" sz="850" dirty="0">
+                <a:hlinkClick r:id="rId4"/>
+              </a:rPr>
+              <a:t>http://localhost:8090/holidayService/?</a:t>
+            </a:r>
+            <a:r>
+              <a:rPr lang="pl-PL" sz="850" dirty="0" smtClean="0">
+                <a:hlinkClick r:id="rId4"/>
+              </a:rPr>
+              <a:t>xsd=hr.xsd</a:t>
+            </a:r>
+            <a:endParaRPr lang="pl-PL" sz="850" dirty="0" smtClean="0"/>
+          </a:p>
+          <a:p>
+            <a:pPr lvl="1"/>
+            <a:endParaRPr lang="pl-PL" sz="850" dirty="0" smtClean="0"/>
+          </a:p>
+          <a:p>
+            <a:endParaRPr lang="pl-PL" dirty="0" smtClean="0"/>
+          </a:p>
+          <a:p>
+            <a:pPr marL="0" indent="0">
+              <a:buNone/>
+            </a:pPr>
+            <a:endParaRPr lang="pl-PL" dirty="0" smtClean="0"/>
+          </a:p>
+          <a:p>
+            <a:endParaRPr lang="pl-PL" dirty="0" smtClean="0"/>
+          </a:p>
+          <a:p>
+            <a:endParaRPr lang="pl-PL" dirty="0" smtClean="0"/>
+          </a:p>
+        </p:txBody>
+      </p:sp>
+      <p:pic>
+        <p:nvPicPr>
+          <p:cNvPr id="11" name="Picture 10"/>
+          <p:cNvPicPr>
+            <a:picLocks noChangeAspect="1"/>
+          </p:cNvPicPr>
+          <p:nvPr/>
+        </p:nvPicPr>
+        <p:blipFill>
+          <a:blip r:embed="rId5"/>
+          <a:stretch>
+            <a:fillRect/>
+          </a:stretch>
+        </p:blipFill>
+        <p:spPr>
+          <a:xfrm>
+            <a:off x="548640" y="2194295"/>
+            <a:ext cx="3901440" cy="2623046"/>
+          </a:xfrm>
+          <a:prstGeom prst="rect">
+            <a:avLst/>
+          </a:prstGeom>
+        </p:spPr>
+      </p:pic>
+      <p:pic>
+        <p:nvPicPr>
+          <p:cNvPr id="12" name="Picture 11"/>
+          <p:cNvPicPr>
+            <a:picLocks noChangeAspect="1"/>
+          </p:cNvPicPr>
+          <p:nvPr/>
+        </p:nvPicPr>
+        <p:blipFill>
+          <a:blip r:embed="rId6"/>
+          <a:stretch>
+            <a:fillRect/>
+          </a:stretch>
+        </p:blipFill>
+        <p:spPr>
+          <a:xfrm>
+            <a:off x="5925609" y="1043252"/>
+            <a:ext cx="2891110" cy="3372962"/>
+          </a:xfrm>
+          <a:prstGeom prst="rect">
+            <a:avLst/>
+          </a:prstGeom>
+        </p:spPr>
+      </p:pic>
+    </p:spTree>
+    <p:extLst>
+      <p:ext uri="{BB962C8B-B14F-4D97-AF65-F5344CB8AC3E}">
+        <p14:creationId xmlns:p14="http://schemas.microsoft.com/office/powerpoint/2010/main" xmlns="" val="3166790887"/>
+      </p:ext>
+    </p:extLst>
+  </p:cSld>
+  <p:clrMapOvr>
+    <a:masterClrMapping/>
+  </p:clrMapOvr>
+  <mc:AlternateContent xmlns:mc="http://schemas.openxmlformats.org/markup-compatibility/2006">
+    <mc:Choice xmlns:p14="http://schemas.microsoft.com/office/powerpoint/2010/main" xmlns="" Requires="p14">
+      <p:transition p14:dur="10"/>
+    </mc:Choice>
+    <mc:Fallback>
+      <p:transition/>
+    </mc:Fallback>
+  </mc:AlternateContent>
+  <p:timing>
+    <p:tnLst>
+      <p:par>
+        <p:cTn id="1" dur="indefinite" restart="never" nodeType="tmRoot"/>
+      </p:par>
+    </p:tnLst>
+  </p:timing>
+</p:sld>
+</file>
+
+<file path=ppt/slides/slide15.xml><?xml version="1.0" encoding="utf-8"?>
+<p:sld xmlns:a="http://schemas.openxmlformats.org/drawingml/2006/main" xmlns:r="http://schemas.openxmlformats.org/officeDocument/2006/relationships" xmlns:p="http://schemas.openxmlformats.org/presentationml/2006/main">
+  <p:cSld>
+    <p:spTree>
+      <p:nvGrpSpPr>
+        <p:cNvPr id="1" name=""/>
+        <p:cNvGrpSpPr/>
+        <p:nvPr/>
+      </p:nvGrpSpPr>
+      <p:grpSpPr>
+        <a:xfrm>
+          <a:off x="0" y="0"/>
+          <a:ext cx="0" cy="0"/>
+          <a:chOff x="0" y="0"/>
+          <a:chExt cx="0" cy="0"/>
+        </a:xfrm>
+      </p:grpSpPr>
+      <p:sp>
+        <p:nvSpPr>
+          <p:cNvPr id="7" name="Titel 6"/>
+          <p:cNvSpPr>
+            <a:spLocks noGrp="1"/>
+          </p:cNvSpPr>
+          <p:nvPr>
+            <p:ph type="title"/>
+          </p:nvPr>
+        </p:nvSpPr>
+        <p:spPr>
+          <a:xfrm>
+            <a:off x="444503" y="347341"/>
+            <a:ext cx="6692104" cy="436017"/>
+          </a:xfrm>
+        </p:spPr>
+        <p:txBody>
+          <a:bodyPr/>
+          <a:lstStyle/>
+          <a:p>
+            <a:r>
+              <a:rPr lang="pl-PL" dirty="0" smtClean="0"/>
+              <a:t>Ćwiczenie SOAP Client</a:t>
+            </a:r>
+            <a:br>
+              <a:rPr lang="pl-PL" dirty="0" smtClean="0"/>
+            </a:br>
+            <a:r>
+              <a:rPr lang="pl-PL" dirty="0" smtClean="0"/>
+              <a:t>Ćwiczenia z używania SOAP</a:t>
             </a:r>
             <a:endParaRPr lang="de-DE" dirty="0"/>
           </a:p>
@@ -5679,18 +7341,18 @@
     </p:spTree>
     <p:extLst>
       <p:ext uri="{BB962C8B-B14F-4D97-AF65-F5344CB8AC3E}">
-        <p14:creationId xmlns:p14="http://schemas.microsoft.com/office/powerpoint/2010/main" val="2885668581"/>
+        <p14:creationId xmlns:p14="http://schemas.microsoft.com/office/powerpoint/2010/main" xmlns="" val="2885668581"/>
       </p:ext>
     </p:extLst>
   </p:cSld>
   <p:clrMapOvr>
     <a:masterClrMapping/>
   </p:clrMapOvr>
-  <mc:AlternateContent xmlns:mc="http://schemas.openxmlformats.org/markup-compatibility/2006" xmlns:p14="http://schemas.microsoft.com/office/powerpoint/2010/main">
-    <mc:Choice Requires="p14">
+  <mc:AlternateContent xmlns:mc="http://schemas.openxmlformats.org/markup-compatibility/2006">
+    <mc:Choice xmlns:p14="http://schemas.microsoft.com/office/powerpoint/2010/main" xmlns="" Requires="p14">
       <p:transition p14:dur="10"/>
     </mc:Choice>
-    <mc:Fallback xmlns="">
+    <mc:Fallback>
       <p:transition/>
     </mc:Fallback>
   </mc:AlternateContent>
@@ -5704,7 +7366,7 @@
 </p:sld>
 </file>
 
-<file path=ppt/slides/slide11.xml><?xml version="1.0" encoding="utf-8"?>
+<file path=ppt/slides/slide16.xml><?xml version="1.0" encoding="utf-8"?>
 <p:sld xmlns:a="http://schemas.openxmlformats.org/drawingml/2006/main" xmlns:r="http://schemas.openxmlformats.org/officeDocument/2006/relationships" xmlns:p="http://schemas.openxmlformats.org/presentationml/2006/main">
   <p:cSld>
     <p:spTree>
@@ -5743,26 +7405,14 @@
           <a:p>
             <a:r>
               <a:rPr lang="pl-PL" dirty="0" smtClean="0"/>
-              <a:t>Ćwiczenie </a:t>
-            </a:r>
-            <a:r>
-              <a:rPr lang="pl-PL" dirty="0" smtClean="0"/>
-              <a:t>SOAP Client</a:t>
-            </a:r>
-            <a:r>
-              <a:rPr lang="pl-PL" dirty="0" smtClean="0"/>
-              <a:t/>
+              <a:t>Ćwiczenie SOAP Client</a:t>
             </a:r>
             <a:br>
               <a:rPr lang="pl-PL" dirty="0" smtClean="0"/>
             </a:br>
             <a:r>
               <a:rPr lang="pl-PL" dirty="0" smtClean="0"/>
-              <a:t>Ćwiczenia z używania </a:t>
-            </a:r>
-            <a:r>
-              <a:rPr lang="pl-PL" dirty="0" smtClean="0"/>
-              <a:t>SOAP</a:t>
+              <a:t>Ćwiczenia z używania SOAP</a:t>
             </a:r>
             <a:endParaRPr lang="de-DE" dirty="0"/>
           </a:p>
@@ -5862,18 +7512,18 @@
     </p:spTree>
     <p:extLst>
       <p:ext uri="{BB962C8B-B14F-4D97-AF65-F5344CB8AC3E}">
-        <p14:creationId xmlns:p14="http://schemas.microsoft.com/office/powerpoint/2010/main" val="2088384111"/>
+        <p14:creationId xmlns:p14="http://schemas.microsoft.com/office/powerpoint/2010/main" xmlns="" val="2088384111"/>
       </p:ext>
     </p:extLst>
   </p:cSld>
   <p:clrMapOvr>
     <a:masterClrMapping/>
   </p:clrMapOvr>
-  <mc:AlternateContent xmlns:mc="http://schemas.openxmlformats.org/markup-compatibility/2006" xmlns:p14="http://schemas.microsoft.com/office/powerpoint/2010/main">
-    <mc:Choice Requires="p14">
+  <mc:AlternateContent xmlns:mc="http://schemas.openxmlformats.org/markup-compatibility/2006">
+    <mc:Choice xmlns:p14="http://schemas.microsoft.com/office/powerpoint/2010/main" xmlns="" Requires="p14">
       <p:transition p14:dur="10"/>
     </mc:Choice>
-    <mc:Fallback xmlns="">
+    <mc:Fallback>
       <p:transition/>
     </mc:Fallback>
   </mc:AlternateContent>
@@ -5887,7 +7537,7 @@
 </p:sld>
 </file>
 
-<file path=ppt/slides/slide12.xml><?xml version="1.0" encoding="utf-8"?>
+<file path=ppt/slides/slide17.xml><?xml version="1.0" encoding="utf-8"?>
 <p:sld xmlns:a="http://schemas.openxmlformats.org/drawingml/2006/main" xmlns:r="http://schemas.openxmlformats.org/officeDocument/2006/relationships" xmlns:p="http://schemas.openxmlformats.org/presentationml/2006/main">
   <p:cSld>
     <p:spTree>
@@ -5926,26 +7576,14 @@
           <a:p>
             <a:r>
               <a:rPr lang="pl-PL" dirty="0" smtClean="0"/>
-              <a:t>Ćwiczenie </a:t>
-            </a:r>
-            <a:r>
-              <a:rPr lang="pl-PL" dirty="0" smtClean="0"/>
-              <a:t>SOAP Client</a:t>
-            </a:r>
-            <a:r>
-              <a:rPr lang="pl-PL" dirty="0" smtClean="0"/>
-              <a:t/>
+              <a:t>Ćwiczenie SOAP Client</a:t>
             </a:r>
             <a:br>
               <a:rPr lang="pl-PL" dirty="0" smtClean="0"/>
             </a:br>
             <a:r>
               <a:rPr lang="pl-PL" dirty="0" smtClean="0"/>
-              <a:t>Ćwiczenia z używania </a:t>
-            </a:r>
-            <a:r>
-              <a:rPr lang="pl-PL" dirty="0" smtClean="0"/>
-              <a:t>SOAP</a:t>
+              <a:t>Ćwiczenia z używania SOAP</a:t>
             </a:r>
             <a:endParaRPr lang="de-DE" dirty="0"/>
           </a:p>
@@ -6000,7 +7638,6 @@
               <a:rPr lang="pl-PL" sz="1050" dirty="0" smtClean="0"/>
               <a:t>Zobacz jak wygląda odpowiedź z informacją o błędzie (SOAPFault):</a:t>
             </a:r>
-            <a:endParaRPr lang="pl-PL" sz="1050" dirty="0" smtClean="0"/>
           </a:p>
           <a:p>
             <a:pPr lvl="1"/>
@@ -6008,7 +7645,6 @@
               <a:rPr lang="pl-PL" sz="850" dirty="0" smtClean="0"/>
               <a:t>Wyślij komunikat z operacją nieobsługiwaną przez usługę HumanResourceService:</a:t>
             </a:r>
-            <a:endParaRPr lang="pl-PL" sz="850" dirty="0" smtClean="0"/>
           </a:p>
           <a:p>
             <a:pPr lvl="1"/>
@@ -6058,18 +7694,18 @@
     </p:spTree>
     <p:extLst>
       <p:ext uri="{BB962C8B-B14F-4D97-AF65-F5344CB8AC3E}">
-        <p14:creationId xmlns:p14="http://schemas.microsoft.com/office/powerpoint/2010/main" val="2519267293"/>
+        <p14:creationId xmlns:p14="http://schemas.microsoft.com/office/powerpoint/2010/main" xmlns="" val="2519267293"/>
       </p:ext>
     </p:extLst>
   </p:cSld>
   <p:clrMapOvr>
     <a:masterClrMapping/>
   </p:clrMapOvr>
-  <mc:AlternateContent xmlns:mc="http://schemas.openxmlformats.org/markup-compatibility/2006" xmlns:p14="http://schemas.microsoft.com/office/powerpoint/2010/main">
-    <mc:Choice Requires="p14">
+  <mc:AlternateContent xmlns:mc="http://schemas.openxmlformats.org/markup-compatibility/2006">
+    <mc:Choice xmlns:p14="http://schemas.microsoft.com/office/powerpoint/2010/main" xmlns="" Requires="p14">
       <p:transition p14:dur="10"/>
     </mc:Choice>
-    <mc:Fallback xmlns="">
+    <mc:Fallback>
       <p:transition/>
     </mc:Fallback>
   </mc:AlternateContent>
@@ -6083,7 +7719,7 @@
 </p:sld>
 </file>
 
-<file path=ppt/slides/slide13.xml><?xml version="1.0" encoding="utf-8"?>
+<file path=ppt/slides/slide18.xml><?xml version="1.0" encoding="utf-8"?>
 <p:sld xmlns:a="http://schemas.openxmlformats.org/drawingml/2006/main" xmlns:r="http://schemas.openxmlformats.org/officeDocument/2006/relationships" xmlns:p="http://schemas.openxmlformats.org/presentationml/2006/main">
   <p:cSld>
     <p:spTree>
@@ -6589,18 +8225,18 @@
     </p:spTree>
     <p:extLst>
       <p:ext uri="{BB962C8B-B14F-4D97-AF65-F5344CB8AC3E}">
-        <p14:creationId xmlns:p14="http://schemas.microsoft.com/office/powerpoint/2010/main" val="1424189538"/>
+        <p14:creationId xmlns:p14="http://schemas.microsoft.com/office/powerpoint/2010/main" xmlns="" val="1424189538"/>
       </p:ext>
     </p:extLst>
   </p:cSld>
   <p:clrMapOvr>
     <a:masterClrMapping/>
   </p:clrMapOvr>
-  <mc:AlternateContent xmlns:mc="http://schemas.openxmlformats.org/markup-compatibility/2006" xmlns:p14="http://schemas.microsoft.com/office/powerpoint/2010/main">
-    <mc:Choice Requires="p14">
+  <mc:AlternateContent xmlns:mc="http://schemas.openxmlformats.org/markup-compatibility/2006">
+    <mc:Choice xmlns:p14="http://schemas.microsoft.com/office/powerpoint/2010/main" xmlns="" Requires="p14">
       <p:transition p14:dur="10"/>
     </mc:Choice>
-    <mc:Fallback xmlns="">
+    <mc:Fallback>
       <p:transition/>
     </mc:Fallback>
   </mc:AlternateContent>
@@ -6614,7 +8250,7 @@
 </p:sld>
 </file>
 
-<file path=ppt/slides/slide14.xml><?xml version="1.0" encoding="utf-8"?>
+<file path=ppt/slides/slide19.xml><?xml version="1.0" encoding="utf-8"?>
 <p:sld xmlns:a="http://schemas.openxmlformats.org/drawingml/2006/main" xmlns:r="http://schemas.openxmlformats.org/officeDocument/2006/relationships" xmlns:p="http://schemas.openxmlformats.org/presentationml/2006/main">
   <p:cSld>
     <p:spTree>
@@ -6712,11 +8348,7 @@
             <a:pPr lvl="1"/>
             <a:r>
               <a:rPr lang="pl-PL" dirty="0" smtClean="0"/>
-              <a:t>Część serwerowa i szkielet strony klienckiej jest już zaimplementowany</a:t>
-            </a:r>
-            <a:r>
-              <a:rPr lang="pl-PL" dirty="0" smtClean="0"/>
-              <a:t>.</a:t>
+              <a:t>Część serwerowa i szkielet strony klienckiej jest już zaimplementowany.</a:t>
             </a:r>
           </a:p>
           <a:p>
@@ -6725,7 +8357,6 @@
               <a:rPr lang="pl-PL" dirty="0" smtClean="0"/>
               <a:t>Serwer używany w testach udostępnia taką samą usługę, co serwer HolidayServerApp.</a:t>
             </a:r>
-            <a:endParaRPr lang="pl-PL" dirty="0" smtClean="0"/>
           </a:p>
           <a:p>
             <a:pPr lvl="1"/>
@@ -6735,31 +8366,14 @@
             </a:r>
             <a:r>
               <a:rPr lang="pl-PL" dirty="0" smtClean="0"/>
-              <a:t>modyfikuj klasę </a:t>
-            </a:r>
-            <a:r>
-              <a:rPr lang="pl-PL" dirty="0" smtClean="0"/>
-              <a:t>wdsr.exercise3.hr.HolidayClient w module client.</a:t>
-            </a:r>
-            <a:endParaRPr lang="pl-PL" dirty="0" smtClean="0"/>
+              <a:t>modyfikuj klasę wdsr.exercise3.hr.HolidayClient w module client.</a:t>
+            </a:r>
           </a:p>
           <a:p>
             <a:pPr lvl="1"/>
             <a:r>
               <a:rPr lang="pl-PL" dirty="0" smtClean="0"/>
-              <a:t>Zaimplementuj </a:t>
-            </a:r>
-            <a:r>
-              <a:rPr lang="pl-PL" dirty="0" smtClean="0"/>
-              <a:t>metody w </a:t>
-            </a:r>
-            <a:r>
-              <a:rPr lang="pl-PL" dirty="0" smtClean="0"/>
-              <a:t>tej klasie tak, aby działały zgodnie z dokumentacją javadoc</a:t>
-            </a:r>
-            <a:r>
-              <a:rPr lang="pl-PL" dirty="0" smtClean="0"/>
-              <a:t>.</a:t>
+              <a:t>Zaimplementuj metody w tej klasie tak, aby działały zgodnie z dokumentacją javadoc.</a:t>
             </a:r>
           </a:p>
           <a:p>
@@ -6777,11 +8391,7 @@
             <a:pPr lvl="2"/>
             <a:r>
               <a:rPr lang="pl-PL" sz="600" dirty="0" smtClean="0"/>
-              <a:t>Nie buduj komunikatu SOAP ręcznie – użyj </a:t>
-            </a:r>
-            <a:r>
-              <a:rPr lang="pl-PL" sz="600" dirty="0" smtClean="0"/>
-              <a:t>kompilatora typu WSDL2Java aby z plików WSDL i XSD udostępnianych przez serwer wygenerować klasy w języku Java.</a:t>
+              <a:t>Nie buduj komunikatu SOAP ręcznie – użyj kompilatora typu WSDL2Java aby z plików WSDL i XSD udostępnianych przez serwer wygenerować klasy w języku Java.</a:t>
             </a:r>
           </a:p>
           <a:p>
@@ -6886,141 +8496,21 @@
     </p:spTree>
     <p:extLst>
       <p:ext uri="{BB962C8B-B14F-4D97-AF65-F5344CB8AC3E}">
-        <p14:creationId xmlns:p14="http://schemas.microsoft.com/office/powerpoint/2010/main" val="1336546276"/>
+        <p14:creationId xmlns:p14="http://schemas.microsoft.com/office/powerpoint/2010/main" xmlns="" val="1336546276"/>
       </p:ext>
     </p:extLst>
   </p:cSld>
   <p:clrMapOvr>
     <a:masterClrMapping/>
   </p:clrMapOvr>
-  <mc:AlternateContent xmlns:mc="http://schemas.openxmlformats.org/markup-compatibility/2006" xmlns:p14="http://schemas.microsoft.com/office/powerpoint/2010/main">
-    <mc:Choice Requires="p14">
+  <mc:AlternateContent xmlns:mc="http://schemas.openxmlformats.org/markup-compatibility/2006">
+    <mc:Choice xmlns:p14="http://schemas.microsoft.com/office/powerpoint/2010/main" xmlns="" Requires="p14">
       <p:transition p14:dur="10"/>
     </mc:Choice>
-    <mc:Fallback xmlns="">
+    <mc:Fallback>
       <p:transition/>
     </mc:Fallback>
   </mc:AlternateContent>
-  <p:timing>
-    <p:tnLst>
-      <p:par>
-        <p:cTn id="1" dur="indefinite" restart="never" nodeType="tmRoot"/>
-      </p:par>
-    </p:tnLst>
-  </p:timing>
-</p:sld>
-</file>
-
-<file path=ppt/slides/slide15.xml><?xml version="1.0" encoding="utf-8"?>
-<p:sld xmlns:a="http://schemas.openxmlformats.org/drawingml/2006/main" xmlns:r="http://schemas.openxmlformats.org/officeDocument/2006/relationships" xmlns:p="http://schemas.openxmlformats.org/presentationml/2006/main">
-  <p:cSld>
-    <p:spTree>
-      <p:nvGrpSpPr>
-        <p:cNvPr id="1" name=""/>
-        <p:cNvGrpSpPr/>
-        <p:nvPr/>
-      </p:nvGrpSpPr>
-      <p:grpSpPr>
-        <a:xfrm>
-          <a:off x="0" y="0"/>
-          <a:ext cx="0" cy="0"/>
-          <a:chOff x="0" y="0"/>
-          <a:chExt cx="0" cy="0"/>
-        </a:xfrm>
-      </p:grpSpPr>
-      <p:sp>
-        <p:nvSpPr>
-          <p:cNvPr id="2" name="Untertitel 1"/>
-          <p:cNvSpPr>
-            <a:spLocks noGrp="1"/>
-          </p:cNvSpPr>
-          <p:nvPr>
-            <p:ph type="subTitle" idx="1"/>
-          </p:nvPr>
-        </p:nvSpPr>
-        <p:spPr>
-          <a:xfrm>
-            <a:off x="976312" y="2867532"/>
-            <a:ext cx="7724458" cy="1523494"/>
-          </a:xfrm>
-        </p:spPr>
-        <p:txBody>
-          <a:bodyPr/>
-          <a:lstStyle/>
-          <a:p>
-            <a:r>
-              <a:rPr lang="de-DE" dirty="0"/>
-              <a:t>GFT </a:t>
-            </a:r>
-            <a:r>
-              <a:rPr lang="pl-PL" dirty="0" smtClean="0"/>
-              <a:t>Poland sp. z o.o.</a:t>
-            </a:r>
-            <a:endParaRPr lang="de-DE" dirty="0"/>
-          </a:p>
-          <a:p>
-            <a:r>
-              <a:rPr lang="pl-PL" dirty="0" smtClean="0"/>
-              <a:t>Marek Strejczek</a:t>
-            </a:r>
-            <a:endParaRPr lang="de-DE" dirty="0"/>
-          </a:p>
-          <a:p>
-            <a:r>
-              <a:rPr lang="pl-PL" dirty="0" smtClean="0"/>
-              <a:t>Technical Architect</a:t>
-            </a:r>
-            <a:endParaRPr lang="de-DE" dirty="0"/>
-          </a:p>
-          <a:p>
-            <a:endParaRPr lang="de-DE" dirty="0"/>
-          </a:p>
-          <a:p>
-            <a:r>
-              <a:rPr lang="pl-PL" dirty="0" smtClean="0"/>
-              <a:t>Sterlinga 8a</a:t>
-            </a:r>
-            <a:endParaRPr lang="de-DE" dirty="0"/>
-          </a:p>
-          <a:p>
-            <a:r>
-              <a:rPr lang="pl-PL" dirty="0" smtClean="0"/>
-              <a:t>91-425 Łódź</a:t>
-            </a:r>
-          </a:p>
-          <a:p>
-            <a:r>
-              <a:rPr lang="pl-PL" dirty="0" smtClean="0"/>
-              <a:t>Poland</a:t>
-            </a:r>
-            <a:endParaRPr lang="de-DE" dirty="0"/>
-          </a:p>
-          <a:p>
-            <a:endParaRPr lang="de-DE" dirty="0"/>
-          </a:p>
-          <a:p>
-            <a:r>
-              <a:rPr lang="pl-PL" dirty="0" err="1" smtClean="0"/>
-              <a:t>marek.strejczek</a:t>
-            </a:r>
-            <a:r>
-              <a:rPr lang="de-DE" dirty="0" smtClean="0"/>
-              <a:t>@gft.com</a:t>
-            </a:r>
-            <a:endParaRPr lang="de-DE" dirty="0"/>
-          </a:p>
-        </p:txBody>
-      </p:sp>
-    </p:spTree>
-    <p:extLst>
-      <p:ext uri="{BB962C8B-B14F-4D97-AF65-F5344CB8AC3E}">
-        <p14:creationId xmlns:p14="http://schemas.microsoft.com/office/powerpoint/2010/main" val="1405177657"/>
-      </p:ext>
-    </p:extLst>
-  </p:cSld>
-  <p:clrMapOvr>
-    <a:masterClrMapping/>
-  </p:clrMapOvr>
   <p:timing>
     <p:tnLst>
       <p:par>
@@ -7232,18 +8722,18 @@
     </p:spTree>
     <p:extLst>
       <p:ext uri="{BB962C8B-B14F-4D97-AF65-F5344CB8AC3E}">
-        <p14:creationId xmlns:p14="http://schemas.microsoft.com/office/powerpoint/2010/main" val="2788988127"/>
+        <p14:creationId xmlns:p14="http://schemas.microsoft.com/office/powerpoint/2010/main" xmlns="" val="2788988127"/>
       </p:ext>
     </p:extLst>
   </p:cSld>
   <p:clrMapOvr>
     <a:masterClrMapping/>
   </p:clrMapOvr>
-  <mc:AlternateContent xmlns:mc="http://schemas.openxmlformats.org/markup-compatibility/2006" xmlns:p14="http://schemas.microsoft.com/office/powerpoint/2010/main">
-    <mc:Choice Requires="p14">
+  <mc:AlternateContent xmlns:mc="http://schemas.openxmlformats.org/markup-compatibility/2006">
+    <mc:Choice xmlns:p14="http://schemas.microsoft.com/office/powerpoint/2010/main" xmlns="" Requires="p14">
       <p:transition p14:dur="10"/>
     </mc:Choice>
-    <mc:Fallback xmlns="">
+    <mc:Fallback>
       <p:transition/>
     </mc:Fallback>
   </mc:AlternateContent>
@@ -7724,6 +9214,126 @@
 </p:sld>
 </file>
 
+<file path=ppt/slides/slide20.xml><?xml version="1.0" encoding="utf-8"?>
+<p:sld xmlns:a="http://schemas.openxmlformats.org/drawingml/2006/main" xmlns:r="http://schemas.openxmlformats.org/officeDocument/2006/relationships" xmlns:p="http://schemas.openxmlformats.org/presentationml/2006/main">
+  <p:cSld>
+    <p:spTree>
+      <p:nvGrpSpPr>
+        <p:cNvPr id="1" name=""/>
+        <p:cNvGrpSpPr/>
+        <p:nvPr/>
+      </p:nvGrpSpPr>
+      <p:grpSpPr>
+        <a:xfrm>
+          <a:off x="0" y="0"/>
+          <a:ext cx="0" cy="0"/>
+          <a:chOff x="0" y="0"/>
+          <a:chExt cx="0" cy="0"/>
+        </a:xfrm>
+      </p:grpSpPr>
+      <p:sp>
+        <p:nvSpPr>
+          <p:cNvPr id="2" name="Untertitel 1"/>
+          <p:cNvSpPr>
+            <a:spLocks noGrp="1"/>
+          </p:cNvSpPr>
+          <p:nvPr>
+            <p:ph type="subTitle" idx="1"/>
+          </p:nvPr>
+        </p:nvSpPr>
+        <p:spPr>
+          <a:xfrm>
+            <a:off x="976312" y="2867532"/>
+            <a:ext cx="7724458" cy="1523494"/>
+          </a:xfrm>
+        </p:spPr>
+        <p:txBody>
+          <a:bodyPr/>
+          <a:lstStyle/>
+          <a:p>
+            <a:r>
+              <a:rPr lang="de-DE" dirty="0"/>
+              <a:t>GFT </a:t>
+            </a:r>
+            <a:r>
+              <a:rPr lang="pl-PL" dirty="0" smtClean="0"/>
+              <a:t>Poland sp. z o.o.</a:t>
+            </a:r>
+            <a:endParaRPr lang="de-DE" dirty="0"/>
+          </a:p>
+          <a:p>
+            <a:r>
+              <a:rPr lang="pl-PL" dirty="0" smtClean="0"/>
+              <a:t>Marek Strejczek</a:t>
+            </a:r>
+            <a:endParaRPr lang="de-DE" dirty="0"/>
+          </a:p>
+          <a:p>
+            <a:r>
+              <a:rPr lang="pl-PL" dirty="0" smtClean="0"/>
+              <a:t>Technical Architect</a:t>
+            </a:r>
+            <a:endParaRPr lang="de-DE" dirty="0"/>
+          </a:p>
+          <a:p>
+            <a:endParaRPr lang="de-DE" dirty="0"/>
+          </a:p>
+          <a:p>
+            <a:r>
+              <a:rPr lang="pl-PL" dirty="0" smtClean="0"/>
+              <a:t>Sterlinga 8a</a:t>
+            </a:r>
+            <a:endParaRPr lang="de-DE" dirty="0"/>
+          </a:p>
+          <a:p>
+            <a:r>
+              <a:rPr lang="pl-PL" dirty="0" smtClean="0"/>
+              <a:t>91-425 Łódź</a:t>
+            </a:r>
+          </a:p>
+          <a:p>
+            <a:r>
+              <a:rPr lang="pl-PL" dirty="0" smtClean="0"/>
+              <a:t>Poland</a:t>
+            </a:r>
+            <a:endParaRPr lang="de-DE" dirty="0"/>
+          </a:p>
+          <a:p>
+            <a:endParaRPr lang="de-DE" dirty="0"/>
+          </a:p>
+          <a:p>
+            <a:r>
+              <a:rPr lang="pl-PL" dirty="0" err="1" smtClean="0"/>
+              <a:t>marek.strejczek</a:t>
+            </a:r>
+            <a:r>
+              <a:rPr lang="de-DE" dirty="0" smtClean="0"/>
+              <a:t>@gft.com</a:t>
+            </a:r>
+            <a:endParaRPr lang="de-DE" dirty="0"/>
+          </a:p>
+        </p:txBody>
+      </p:sp>
+    </p:spTree>
+    <p:extLst>
+      <p:ext uri="{BB962C8B-B14F-4D97-AF65-F5344CB8AC3E}">
+        <p14:creationId xmlns:p14="http://schemas.microsoft.com/office/powerpoint/2010/main" xmlns="" val="1405177657"/>
+      </p:ext>
+    </p:extLst>
+  </p:cSld>
+  <p:clrMapOvr>
+    <a:masterClrMapping/>
+  </p:clrMapOvr>
+  <p:timing>
+    <p:tnLst>
+      <p:par>
+        <p:cTn id="1" dur="indefinite" restart="never" nodeType="tmRoot"/>
+      </p:par>
+    </p:tnLst>
+  </p:timing>
+</p:sld>
+</file>
+
 <file path=ppt/slides/slide3.xml><?xml version="1.0" encoding="utf-8"?>
 <p:sld xmlns:a="http://schemas.openxmlformats.org/drawingml/2006/main" xmlns:r="http://schemas.openxmlformats.org/officeDocument/2006/relationships" xmlns:p="http://schemas.openxmlformats.org/presentationml/2006/main">
   <p:cSld>
@@ -7903,7 +9513,6 @@
               <a:rPr lang="pl-PL" dirty="0" smtClean="0"/>
               <a:t>Fault (opcjonalnie)</a:t>
             </a:r>
-            <a:endParaRPr lang="pl-PL" dirty="0" smtClean="0"/>
           </a:p>
         </p:txBody>
       </p:sp>
@@ -8050,14 +9659,13 @@
               <a:rPr lang="pl-PL" sz="800" dirty="0" smtClean="0"/>
               <a:t>Example from Wikipedia:</a:t>
             </a:r>
-            <a:endParaRPr lang="pl-PL" sz="800" dirty="0" smtClean="0"/>
           </a:p>
         </p:txBody>
       </p:sp>
     </p:spTree>
     <p:extLst>
       <p:ext uri="{BB962C8B-B14F-4D97-AF65-F5344CB8AC3E}">
-        <p14:creationId xmlns:p14="http://schemas.microsoft.com/office/powerpoint/2010/main" val="1232599275"/>
+        <p14:creationId xmlns:p14="http://schemas.microsoft.com/office/powerpoint/2010/main" xmlns="" val="1232599275"/>
       </p:ext>
     </p:extLst>
   </p:cSld>
@@ -8065,7 +9673,7 @@
     <a:masterClrMapping/>
   </p:clrMapOvr>
   <mc:AlternateContent xmlns:mc="http://schemas.openxmlformats.org/markup-compatibility/2006">
-    <mc:Choice xmlns:p14="http://schemas.microsoft.com/office/powerpoint/2010/main" Requires="p14">
+    <mc:Choice xmlns:p14="http://schemas.microsoft.com/office/powerpoint/2010/main" xmlns="" Requires="p14">
       <p:transition p14:dur="10"/>
     </mc:Choice>
     <mc:Fallback>
@@ -8748,18 +10356,18 @@
     </p:spTree>
     <p:extLst>
       <p:ext uri="{BB962C8B-B14F-4D97-AF65-F5344CB8AC3E}">
-        <p14:creationId xmlns:p14="http://schemas.microsoft.com/office/powerpoint/2010/main" val="2153401368"/>
+        <p14:creationId xmlns:p14="http://schemas.microsoft.com/office/powerpoint/2010/main" xmlns="" val="2153401368"/>
       </p:ext>
     </p:extLst>
   </p:cSld>
   <p:clrMapOvr>
     <a:masterClrMapping/>
   </p:clrMapOvr>
-  <mc:AlternateContent xmlns:mc="http://schemas.openxmlformats.org/markup-compatibility/2006" xmlns:p14="http://schemas.microsoft.com/office/powerpoint/2010/main">
-    <mc:Choice Requires="p14">
+  <mc:AlternateContent xmlns:mc="http://schemas.openxmlformats.org/markup-compatibility/2006">
+    <mc:Choice xmlns:p14="http://schemas.microsoft.com/office/powerpoint/2010/main" xmlns="" Requires="p14">
       <p:transition p14:dur="0"/>
     </mc:Choice>
-    <mc:Fallback xmlns="">
+    <mc:Fallback>
       <p:transition/>
     </mc:Fallback>
   </mc:AlternateContent>
@@ -8807,11 +10415,11 @@
           <a:p>
             <a:r>
               <a:rPr lang="pl-PL" dirty="0" smtClean="0"/>
-              <a:t>Ćwiczenie </a:t>
-            </a:r>
-            <a:r>
-              <a:rPr lang="pl-PL" dirty="0" smtClean="0"/>
-              <a:t>SOAP Client</a:t>
+              <a:t>Język </a:t>
+            </a:r>
+            <a:r>
+              <a:rPr lang="pl-PL" dirty="0" smtClean="0"/>
+              <a:t>WSDL – przykładowy plik</a:t>
             </a:r>
             <a:endParaRPr lang="de-DE" dirty="0"/>
           </a:p>
@@ -8842,83 +10450,287 @@
       </p:sp>
       <p:sp>
         <p:nvSpPr>
-          <p:cNvPr id="3" name="Prostokąt zaokrąglony 2"/>
-          <p:cNvSpPr/>
-          <p:nvPr/>
+          <p:cNvPr id="2" name="Symbol zastępczy zawartości 1"/>
+          <p:cNvSpPr>
+            <a:spLocks noGrp="1"/>
+          </p:cNvSpPr>
+          <p:nvPr>
+            <p:ph idx="1"/>
+          </p:nvPr>
         </p:nvSpPr>
         <p:spPr>
           <a:xfrm>
-            <a:off x="1609595" y="1546963"/>
-            <a:ext cx="5730657" cy="1991639"/>
+            <a:off x="443708" y="1119188"/>
+            <a:ext cx="8506654" cy="3412172"/>
           </a:xfrm>
-          <a:prstGeom prst="roundRect">
-            <a:avLst/>
-          </a:prstGeom>
-          <a:ln/>
         </p:spPr>
-        <p:style>
-          <a:lnRef idx="2">
-            <a:schemeClr val="accent3">
-              <a:shade val="50000"/>
-            </a:schemeClr>
-          </a:lnRef>
-          <a:fillRef idx="1">
-            <a:schemeClr val="accent3"/>
-          </a:fillRef>
-          <a:effectRef idx="0">
-            <a:schemeClr val="accent3"/>
-          </a:effectRef>
-          <a:fontRef idx="minor">
-            <a:schemeClr val="lt1"/>
-          </a:fontRef>
-        </p:style>
-        <p:txBody>
-          <a:bodyPr lIns="108000" tIns="108000" rIns="108000" bIns="108000" rtlCol="0" anchor="ctr"/>
+        <p:txBody>
+          <a:bodyPr>
+            <a:normAutofit/>
+          </a:bodyPr>
           <a:lstStyle/>
           <a:p>
-            <a:pPr algn="ctr"/>
-            <a:r>
-              <a:rPr lang="pl-PL" sz="1600" dirty="0" smtClean="0">
-                <a:solidFill>
-                  <a:schemeClr val="tx1"/>
-                </a:solidFill>
-              </a:rPr>
-              <a:t>Ćwiczenie 3</a:t>
-            </a:r>
-          </a:p>
-          <a:p>
-            <a:pPr algn="ctr"/>
-            <a:r>
-              <a:rPr lang="pl-PL" sz="1600" dirty="0" smtClean="0"/>
-              <a:t>SOAP - </a:t>
-            </a:r>
-            <a:r>
-              <a:rPr lang="pl-PL" sz="1600" dirty="0" smtClean="0"/>
-              <a:t>client</a:t>
-            </a:r>
-            <a:endParaRPr lang="pl-PL" sz="1600" dirty="0" smtClean="0">
-              <a:solidFill>
-                <a:schemeClr val="tx1"/>
-              </a:solidFill>
-            </a:endParaRPr>
+            <a:endParaRPr lang="pl-PL" sz="1250" dirty="0" smtClean="0"/>
+          </a:p>
+          <a:p>
+            <a:pPr lvl="1"/>
+            <a:endParaRPr lang="pl-PL" dirty="0" smtClean="0"/>
+          </a:p>
+          <a:p>
+            <a:r>
+              <a:rPr lang="pl-PL" dirty="0" smtClean="0"/>
+              <a:t>&lt;?</a:t>
+            </a:r>
+            <a:r>
+              <a:rPr lang="pl-PL" dirty="0" err="1" smtClean="0"/>
+              <a:t>xml</a:t>
+            </a:r>
+            <a:r>
+              <a:rPr lang="pl-PL" dirty="0" smtClean="0"/>
+              <a:t> version="1.0" encoding="UTF-8"?&gt; </a:t>
+            </a:r>
+            <a:endParaRPr lang="pl-PL" dirty="0" smtClean="0"/>
+          </a:p>
+          <a:p>
+            <a:r>
+              <a:rPr lang="pl-PL" b="1" dirty="0" smtClean="0"/>
+              <a:t>&lt;</a:t>
+            </a:r>
+            <a:r>
+              <a:rPr lang="pl-PL" b="1" dirty="0" err="1" smtClean="0"/>
+              <a:t>description</a:t>
+            </a:r>
+            <a:r>
+              <a:rPr lang="pl-PL" dirty="0" smtClean="0"/>
+              <a:t> </a:t>
+            </a:r>
+            <a:r>
+              <a:rPr lang="pl-PL" dirty="0" err="1" smtClean="0"/>
+              <a:t>xmlns="http</a:t>
+            </a:r>
+            <a:r>
+              <a:rPr lang="pl-PL" dirty="0" smtClean="0"/>
+              <a:t>://www.w3.org/</a:t>
+            </a:r>
+            <a:r>
+              <a:rPr lang="pl-PL" dirty="0" err="1" smtClean="0"/>
+              <a:t>ns</a:t>
+            </a:r>
+            <a:r>
+              <a:rPr lang="pl-PL" dirty="0" smtClean="0"/>
+              <a:t>/</a:t>
+            </a:r>
+            <a:r>
+              <a:rPr lang="pl-PL" dirty="0" err="1" smtClean="0"/>
+              <a:t>wsdl</a:t>
+            </a:r>
+            <a:r>
+              <a:rPr lang="pl-PL" dirty="0" smtClean="0"/>
+              <a:t>" </a:t>
+            </a:r>
+            <a:r>
+              <a:rPr lang="pl-PL" dirty="0" err="1" smtClean="0"/>
+              <a:t>xmlns:tns</a:t>
+            </a:r>
+            <a:r>
+              <a:rPr lang="pl-PL" dirty="0" err="1" smtClean="0"/>
+              <a:t>="http</a:t>
+            </a:r>
+            <a:r>
+              <a:rPr lang="pl-PL" dirty="0" smtClean="0"/>
+              <a:t>://</a:t>
+            </a:r>
+            <a:r>
+              <a:rPr lang="pl-PL" dirty="0" err="1" smtClean="0"/>
+              <a:t>www.tmsws.com</a:t>
+            </a:r>
+            <a:r>
+              <a:rPr lang="pl-PL" dirty="0" smtClean="0"/>
+              <a:t>/wsdl20sample" </a:t>
+            </a:r>
+            <a:r>
+              <a:rPr lang="pl-PL" dirty="0" err="1" smtClean="0"/>
+              <a:t>xmlns:whttp="http</a:t>
+            </a:r>
+            <a:r>
+              <a:rPr lang="pl-PL" dirty="0" smtClean="0"/>
+              <a:t>://</a:t>
+            </a:r>
+            <a:r>
+              <a:rPr lang="pl-PL" dirty="0" err="1" smtClean="0"/>
+              <a:t>schemas.xmlsoap.org</a:t>
+            </a:r>
+            <a:r>
+              <a:rPr lang="pl-PL" dirty="0" smtClean="0"/>
+              <a:t>/</a:t>
+            </a:r>
+            <a:r>
+              <a:rPr lang="pl-PL" dirty="0" err="1" smtClean="0"/>
+              <a:t>wsdl</a:t>
+            </a:r>
+            <a:r>
+              <a:rPr lang="pl-PL" dirty="0" smtClean="0"/>
+              <a:t>/http/" </a:t>
+            </a:r>
+            <a:r>
+              <a:rPr lang="pl-PL" dirty="0" err="1" smtClean="0"/>
+              <a:t>xmlns:wsoap="http</a:t>
+            </a:r>
+            <a:r>
+              <a:rPr lang="pl-PL" dirty="0" smtClean="0"/>
+              <a:t>://</a:t>
+            </a:r>
+            <a:r>
+              <a:rPr lang="pl-PL" dirty="0" err="1" smtClean="0"/>
+              <a:t>schemas.xmlsoap.org</a:t>
+            </a:r>
+            <a:r>
+              <a:rPr lang="pl-PL" dirty="0" smtClean="0"/>
+              <a:t>/</a:t>
+            </a:r>
+            <a:r>
+              <a:rPr lang="pl-PL" dirty="0" err="1" smtClean="0"/>
+              <a:t>wsdl</a:t>
+            </a:r>
+            <a:r>
+              <a:rPr lang="pl-PL" dirty="0" smtClean="0"/>
+              <a:t>/</a:t>
+            </a:r>
+            <a:r>
+              <a:rPr lang="pl-PL" dirty="0" err="1" smtClean="0"/>
+              <a:t>soap</a:t>
+            </a:r>
+            <a:r>
+              <a:rPr lang="pl-PL" dirty="0" smtClean="0"/>
+              <a:t>/" </a:t>
+            </a:r>
+            <a:r>
+              <a:rPr lang="pl-PL" dirty="0" err="1" smtClean="0"/>
+              <a:t>targetNamespace="http</a:t>
+            </a:r>
+            <a:r>
+              <a:rPr lang="pl-PL" dirty="0" smtClean="0"/>
+              <a:t>://</a:t>
+            </a:r>
+            <a:r>
+              <a:rPr lang="pl-PL" dirty="0" err="1" smtClean="0"/>
+              <a:t>www.tmsws.com</a:t>
+            </a:r>
+            <a:r>
+              <a:rPr lang="pl-PL" dirty="0" smtClean="0"/>
+              <a:t>/wsdl20sample"</a:t>
+            </a:r>
+            <a:r>
+              <a:rPr lang="pl-PL" b="1" dirty="0" smtClean="0"/>
+              <a:t>&gt;</a:t>
+            </a:r>
+            <a:r>
+              <a:rPr lang="pl-PL" dirty="0" smtClean="0"/>
+              <a:t> </a:t>
+            </a:r>
+            <a:endParaRPr lang="pl-PL" dirty="0" smtClean="0"/>
+          </a:p>
+          <a:p>
+            <a:r>
+              <a:rPr lang="pl-PL" b="1" dirty="0" smtClean="0"/>
+              <a:t>&lt;</a:t>
+            </a:r>
+            <a:r>
+              <a:rPr lang="pl-PL" b="1" dirty="0" err="1" smtClean="0"/>
+              <a:t>documentation</a:t>
+            </a:r>
+            <a:r>
+              <a:rPr lang="pl-PL" b="1" dirty="0" smtClean="0"/>
+              <a:t>&gt;</a:t>
+            </a:r>
+            <a:r>
+              <a:rPr lang="pl-PL" dirty="0" smtClean="0"/>
+              <a:t> </a:t>
+            </a:r>
+            <a:r>
+              <a:rPr lang="pl-PL" dirty="0" err="1" smtClean="0"/>
+              <a:t>This</a:t>
+            </a:r>
+            <a:r>
+              <a:rPr lang="pl-PL" dirty="0" smtClean="0"/>
+              <a:t> </a:t>
+            </a:r>
+            <a:r>
+              <a:rPr lang="pl-PL" dirty="0" err="1" smtClean="0"/>
+              <a:t>is</a:t>
+            </a:r>
+            <a:r>
+              <a:rPr lang="pl-PL" dirty="0" smtClean="0"/>
+              <a:t> a </a:t>
+            </a:r>
+            <a:r>
+              <a:rPr lang="pl-PL" dirty="0" err="1" smtClean="0"/>
+              <a:t>sample</a:t>
+            </a:r>
+            <a:r>
+              <a:rPr lang="pl-PL" dirty="0" smtClean="0"/>
+              <a:t> WSDL 2.0 </a:t>
+            </a:r>
+            <a:r>
+              <a:rPr lang="pl-PL" dirty="0" err="1" smtClean="0"/>
+              <a:t>document</a:t>
+            </a:r>
+            <a:r>
+              <a:rPr lang="pl-PL" dirty="0" smtClean="0"/>
+              <a:t>. </a:t>
+            </a:r>
+            <a:r>
+              <a:rPr lang="pl-PL" b="1" dirty="0" smtClean="0"/>
+              <a:t>&lt;/</a:t>
+            </a:r>
+            <a:r>
+              <a:rPr lang="pl-PL" b="1" dirty="0" err="1" smtClean="0"/>
+              <a:t>documentation</a:t>
+            </a:r>
+            <a:r>
+              <a:rPr lang="pl-PL" b="1" dirty="0" smtClean="0"/>
+              <a:t>&gt;</a:t>
+            </a:r>
+            <a:endParaRPr lang="pl-PL" dirty="0" smtClean="0"/>
+          </a:p>
+          <a:p>
+            <a:r>
+              <a:rPr lang="pl-PL" dirty="0" smtClean="0"/>
+              <a:t>…</a:t>
+            </a:r>
+          </a:p>
+          <a:p>
+            <a:r>
+              <a:rPr lang="pl-PL" b="1" dirty="0" smtClean="0"/>
+              <a:t>&lt;/</a:t>
+            </a:r>
+            <a:r>
+              <a:rPr lang="pl-PL" b="1" dirty="0" err="1" smtClean="0"/>
+              <a:t>description</a:t>
+            </a:r>
+            <a:r>
+              <a:rPr lang="pl-PL" b="1" dirty="0" smtClean="0"/>
+              <a:t>&gt;</a:t>
+            </a:r>
+            <a:endParaRPr lang="pl-PL" dirty="0"/>
           </a:p>
         </p:txBody>
       </p:sp>
     </p:spTree>
     <p:extLst>
       <p:ext uri="{BB962C8B-B14F-4D97-AF65-F5344CB8AC3E}">
-        <p14:creationId xmlns:p14="http://schemas.microsoft.com/office/powerpoint/2010/main" val="1022935673"/>
+        <p14:creationId xmlns:p14="http://schemas.microsoft.com/office/powerpoint/2010/main" xmlns="" val="2153401368"/>
       </p:ext>
     </p:extLst>
   </p:cSld>
   <p:clrMapOvr>
     <a:masterClrMapping/>
   </p:clrMapOvr>
-  <mc:AlternateContent xmlns:mc="http://schemas.openxmlformats.org/markup-compatibility/2006" xmlns:p14="http://schemas.microsoft.com/office/powerpoint/2010/main">
-    <mc:Choice Requires="p14">
-      <p:transition p14:dur="10"/>
+  <mc:AlternateContent xmlns:mc="http://schemas.openxmlformats.org/markup-compatibility/2006">
+    <mc:Choice xmlns:p14="http://schemas.microsoft.com/office/powerpoint/2010/main" xmlns="" Requires="p14">
+      <p:transition p14:dur="0"/>
     </mc:Choice>
-    <mc:Fallback xmlns="">
+    <mc:Fallback>
       <p:transition/>
     </mc:Fallback>
   </mc:AlternateContent>
@@ -8966,11 +10778,11 @@
           <a:p>
             <a:r>
               <a:rPr lang="pl-PL" dirty="0" smtClean="0"/>
-              <a:t>Ćwiczenie </a:t>
-            </a:r>
-            <a:r>
-              <a:rPr lang="pl-PL" dirty="0" smtClean="0"/>
-              <a:t>SOAP Client</a:t>
+              <a:t>Język </a:t>
+            </a:r>
+            <a:r>
+              <a:rPr lang="pl-PL" dirty="0" smtClean="0"/>
+              <a:t>WSDL – przykładowy plik</a:t>
             </a:r>
             <a:endParaRPr lang="de-DE" dirty="0"/>
           </a:p>
@@ -9001,7 +10813,7 @@
       </p:sp>
       <p:sp>
         <p:nvSpPr>
-          <p:cNvPr id="6" name="Symbol zastępczy zawartości 1"/>
+          <p:cNvPr id="2" name="Symbol zastępczy zawartości 1"/>
           <p:cNvSpPr>
             <a:spLocks noGrp="1"/>
           </p:cNvSpPr>
@@ -9011,8 +10823,8 @@
         </p:nvSpPr>
         <p:spPr>
           <a:xfrm>
-            <a:off x="443708" y="1119187"/>
-            <a:ext cx="4554178" cy="3362325"/>
+            <a:off x="443708" y="1119188"/>
+            <a:ext cx="8506654" cy="3412172"/>
           </a:xfrm>
         </p:spPr>
         <p:txBody>
@@ -9021,113 +10833,324 @@
           </a:bodyPr>
           <a:lstStyle/>
           <a:p>
-            <a:r>
-              <a:rPr lang="pl-PL" dirty="0" smtClean="0"/>
-              <a:t>Szkielet ćwiczenia znajduje się w branch’u </a:t>
-            </a:r>
-            <a:r>
-              <a:rPr lang="pl-PL" dirty="0" smtClean="0"/>
-              <a:t>soap</a:t>
-            </a:r>
-            <a:r>
-              <a:rPr lang="pl-PL" dirty="0" smtClean="0"/>
-              <a:t>client</a:t>
-            </a:r>
+            <a:endParaRPr lang="pl-PL" sz="1250" dirty="0" smtClean="0"/>
+          </a:p>
+          <a:p>
+            <a:pPr lvl="1"/>
             <a:endParaRPr lang="pl-PL" dirty="0" smtClean="0"/>
           </a:p>
           <a:p>
+            <a:r>
+              <a:rPr lang="pl-PL" dirty="0" smtClean="0"/>
+              <a:t>&lt;?</a:t>
+            </a:r>
+            <a:r>
+              <a:rPr lang="pl-PL" dirty="0" err="1" smtClean="0"/>
+              <a:t>xml</a:t>
+            </a:r>
+            <a:r>
+              <a:rPr lang="pl-PL" dirty="0" smtClean="0"/>
+              <a:t> version="1.0" encoding="UTF-8"?&gt; </a:t>
+            </a:r>
+            <a:endParaRPr lang="pl-PL" dirty="0" smtClean="0"/>
+          </a:p>
+          <a:p>
+            <a:r>
+              <a:rPr lang="pl-PL" b="1" dirty="0" smtClean="0"/>
+              <a:t>&lt;</a:t>
+            </a:r>
+            <a:r>
+              <a:rPr lang="pl-PL" b="1" dirty="0" err="1" smtClean="0"/>
+              <a:t>description</a:t>
+            </a:r>
+            <a:r>
+              <a:rPr lang="pl-PL" dirty="0" smtClean="0"/>
+              <a:t> </a:t>
+            </a:r>
+            <a:r>
+              <a:rPr lang="pl-PL" dirty="0" smtClean="0"/>
+              <a:t>…</a:t>
+            </a:r>
+            <a:r>
+              <a:rPr lang="pl-PL" b="1" dirty="0" smtClean="0"/>
+              <a:t>&gt;</a:t>
+            </a:r>
+            <a:r>
+              <a:rPr lang="pl-PL" dirty="0" smtClean="0"/>
+              <a:t> </a:t>
+            </a:r>
+          </a:p>
+          <a:p>
+            <a:r>
+              <a:rPr lang="pl-PL" b="1" dirty="0" smtClean="0"/>
+              <a:t>…</a:t>
+            </a:r>
+          </a:p>
+          <a:p>
+            <a:r>
+              <a:rPr lang="pl-PL" b="1" dirty="0" smtClean="0"/>
+              <a:t>&lt;</a:t>
+            </a:r>
+            <a:r>
+              <a:rPr lang="pl-PL" b="1" dirty="0" err="1" smtClean="0"/>
+              <a:t>types</a:t>
+            </a:r>
+            <a:r>
+              <a:rPr lang="pl-PL" b="1" dirty="0" smtClean="0"/>
+              <a:t>&gt;</a:t>
+            </a:r>
+            <a:r>
+              <a:rPr lang="pl-PL" dirty="0" smtClean="0"/>
+              <a:t> </a:t>
+            </a:r>
+            <a:endParaRPr lang="pl-PL" dirty="0" smtClean="0"/>
+          </a:p>
+          <a:p>
             <a:pPr lvl="1"/>
             <a:r>
-              <a:rPr lang="pl-PL" dirty="0" smtClean="0"/>
-              <a:t>git checkout </a:t>
-            </a:r>
-            <a:r>
-              <a:rPr lang="pl-PL" dirty="0" smtClean="0"/>
-              <a:t>soapclient</a:t>
+              <a:rPr lang="pl-PL" b="1" dirty="0" smtClean="0"/>
+              <a:t>&lt;</a:t>
+            </a:r>
+            <a:r>
+              <a:rPr lang="pl-PL" b="1" dirty="0" err="1" smtClean="0"/>
+              <a:t>xs:schema</a:t>
+            </a:r>
+            <a:r>
+              <a:rPr lang="pl-PL" dirty="0" smtClean="0"/>
+              <a:t> </a:t>
+            </a:r>
+            <a:r>
+              <a:rPr lang="pl-PL" dirty="0" err="1" smtClean="0"/>
+              <a:t>xmlns:xs="http</a:t>
+            </a:r>
+            <a:r>
+              <a:rPr lang="pl-PL" dirty="0" smtClean="0"/>
+              <a:t>://www.w3.org/2001/</a:t>
+            </a:r>
+            <a:r>
+              <a:rPr lang="pl-PL" dirty="0" err="1" smtClean="0"/>
+              <a:t>XMLSchema</a:t>
+            </a:r>
+            <a:r>
+              <a:rPr lang="pl-PL" dirty="0" smtClean="0"/>
+              <a:t>" </a:t>
+            </a:r>
+            <a:r>
+              <a:rPr lang="pl-PL" dirty="0" err="1" smtClean="0"/>
+              <a:t>xmlns="http</a:t>
+            </a:r>
+            <a:r>
+              <a:rPr lang="pl-PL" dirty="0" smtClean="0"/>
+              <a:t>://</a:t>
+            </a:r>
+            <a:r>
+              <a:rPr lang="pl-PL" dirty="0" err="1" smtClean="0"/>
+              <a:t>www.tmsws.com</a:t>
+            </a:r>
+            <a:r>
+              <a:rPr lang="pl-PL" dirty="0" smtClean="0"/>
+              <a:t>/wsdl20sample" </a:t>
+            </a:r>
+            <a:r>
+              <a:rPr lang="pl-PL" dirty="0" err="1" smtClean="0"/>
+              <a:t>targetNamespace="http</a:t>
+            </a:r>
+            <a:r>
+              <a:rPr lang="pl-PL" dirty="0" smtClean="0"/>
+              <a:t>://</a:t>
+            </a:r>
+            <a:r>
+              <a:rPr lang="pl-PL" dirty="0" err="1" smtClean="0"/>
+              <a:t>www.example.com</a:t>
+            </a:r>
+            <a:r>
+              <a:rPr lang="pl-PL" dirty="0" smtClean="0"/>
+              <a:t>/wsdl20sample"</a:t>
+            </a:r>
+            <a:r>
+              <a:rPr lang="pl-PL" b="1" dirty="0" smtClean="0"/>
+              <a:t>&gt;</a:t>
+            </a:r>
+            <a:r>
+              <a:rPr lang="pl-PL" dirty="0" smtClean="0"/>
+              <a:t> </a:t>
             </a:r>
             <a:endParaRPr lang="pl-PL" dirty="0" smtClean="0"/>
           </a:p>
           <a:p>
+            <a:pPr lvl="2"/>
+            <a:r>
+              <a:rPr lang="pl-PL" b="1" dirty="0" smtClean="0"/>
+              <a:t>&lt;</a:t>
+            </a:r>
+            <a:r>
+              <a:rPr lang="pl-PL" b="1" dirty="0" err="1" smtClean="0"/>
+              <a:t>xs:element</a:t>
+            </a:r>
+            <a:r>
+              <a:rPr lang="pl-PL" dirty="0" smtClean="0"/>
+              <a:t> </a:t>
+            </a:r>
+            <a:r>
+              <a:rPr lang="pl-PL" dirty="0" err="1" smtClean="0"/>
+              <a:t>name="request</a:t>
+            </a:r>
+            <a:r>
+              <a:rPr lang="pl-PL" dirty="0" smtClean="0"/>
+              <a:t>"</a:t>
+            </a:r>
+            <a:r>
+              <a:rPr lang="pl-PL" b="1" dirty="0" smtClean="0"/>
+              <a:t>&gt;</a:t>
+            </a:r>
+            <a:r>
+              <a:rPr lang="pl-PL" dirty="0" smtClean="0"/>
+              <a:t> ... </a:t>
+            </a:r>
+            <a:r>
+              <a:rPr lang="pl-PL" b="1" dirty="0" smtClean="0"/>
+              <a:t>&lt;/</a:t>
+            </a:r>
+            <a:r>
+              <a:rPr lang="pl-PL" b="1" dirty="0" err="1" smtClean="0"/>
+              <a:t>xs:element</a:t>
+            </a:r>
+            <a:r>
+              <a:rPr lang="pl-PL" b="1" dirty="0" smtClean="0"/>
+              <a:t>&gt;</a:t>
+            </a:r>
+            <a:r>
+              <a:rPr lang="pl-PL" dirty="0" smtClean="0"/>
+              <a:t> </a:t>
+            </a:r>
+            <a:endParaRPr lang="pl-PL" dirty="0" smtClean="0"/>
+          </a:p>
+          <a:p>
+            <a:pPr lvl="2"/>
+            <a:r>
+              <a:rPr lang="pl-PL" b="1" dirty="0" smtClean="0"/>
+              <a:t>&lt;</a:t>
+            </a:r>
+            <a:r>
+              <a:rPr lang="pl-PL" b="1" dirty="0" err="1" smtClean="0"/>
+              <a:t>xs:element</a:t>
+            </a:r>
+            <a:r>
+              <a:rPr lang="pl-PL" dirty="0" smtClean="0"/>
+              <a:t> </a:t>
+            </a:r>
+            <a:r>
+              <a:rPr lang="pl-PL" dirty="0" err="1" smtClean="0"/>
+              <a:t>name="response</a:t>
+            </a:r>
+            <a:r>
+              <a:rPr lang="pl-PL" dirty="0" smtClean="0"/>
+              <a:t>"</a:t>
+            </a:r>
+            <a:r>
+              <a:rPr lang="pl-PL" b="1" dirty="0" smtClean="0"/>
+              <a:t>&gt;</a:t>
+            </a:r>
+            <a:r>
+              <a:rPr lang="pl-PL" dirty="0" smtClean="0"/>
+              <a:t> ... </a:t>
+            </a:r>
+            <a:r>
+              <a:rPr lang="pl-PL" b="1" dirty="0" smtClean="0"/>
+              <a:t>&lt;/</a:t>
+            </a:r>
+            <a:r>
+              <a:rPr lang="pl-PL" b="1" dirty="0" err="1" smtClean="0"/>
+              <a:t>xs:element</a:t>
+            </a:r>
+            <a:r>
+              <a:rPr lang="pl-PL" b="1" dirty="0" smtClean="0"/>
+              <a:t>&gt;</a:t>
+            </a:r>
+            <a:r>
+              <a:rPr lang="pl-PL" dirty="0" smtClean="0"/>
+              <a:t> </a:t>
+            </a:r>
+            <a:endParaRPr lang="pl-PL" dirty="0" smtClean="0"/>
+          </a:p>
+          <a:p>
             <a:pPr lvl="1"/>
+            <a:r>
+              <a:rPr lang="pl-PL" b="1" dirty="0" smtClean="0"/>
+              <a:t>&lt;/</a:t>
+            </a:r>
+            <a:r>
+              <a:rPr lang="pl-PL" b="1" dirty="0" err="1" smtClean="0"/>
+              <a:t>xs:schema</a:t>
+            </a:r>
+            <a:r>
+              <a:rPr lang="pl-PL" b="1" dirty="0" smtClean="0"/>
+              <a:t>&gt;</a:t>
+            </a:r>
+            <a:r>
+              <a:rPr lang="pl-PL" dirty="0" smtClean="0"/>
+              <a:t> </a:t>
+            </a:r>
+            <a:endParaRPr lang="pl-PL" dirty="0" smtClean="0"/>
+          </a:p>
+          <a:p>
+            <a:r>
+              <a:rPr lang="pl-PL" b="1" dirty="0" smtClean="0"/>
+              <a:t>&lt;/</a:t>
+            </a:r>
+            <a:r>
+              <a:rPr lang="pl-PL" b="1" dirty="0" err="1" smtClean="0"/>
+              <a:t>types</a:t>
+            </a:r>
+            <a:r>
+              <a:rPr lang="pl-PL" b="1" dirty="0" smtClean="0"/>
+              <a:t>&gt;</a:t>
+            </a:r>
+            <a:r>
+              <a:rPr lang="pl-PL" dirty="0" smtClean="0"/>
+              <a:t> </a:t>
+            </a:r>
+            <a:br>
+              <a:rPr lang="pl-PL" dirty="0" smtClean="0"/>
+            </a:br>
+            <a:r>
+              <a:rPr lang="pl-PL" dirty="0" smtClean="0"/>
+              <a:t>…</a:t>
+            </a:r>
+            <a:endParaRPr lang="pl-PL" b="1" dirty="0" smtClean="0"/>
+          </a:p>
+          <a:p>
+            <a:r>
+              <a:rPr lang="pl-PL" b="1" dirty="0" smtClean="0"/>
+              <a:t>&lt;/</a:t>
+            </a:r>
+            <a:r>
+              <a:rPr lang="pl-PL" b="1" dirty="0" err="1" smtClean="0"/>
+              <a:t>description</a:t>
+            </a:r>
+            <a:r>
+              <a:rPr lang="pl-PL" b="1" dirty="0" smtClean="0"/>
+              <a:t>&gt;</a:t>
+            </a:r>
             <a:endParaRPr lang="pl-PL" dirty="0"/>
-          </a:p>
-          <a:p>
-            <a:r>
-              <a:rPr lang="pl-PL" dirty="0" smtClean="0"/>
-              <a:t>Zaimportuj projekt do </a:t>
-            </a:r>
-            <a:r>
-              <a:rPr lang="pl-PL" dirty="0" err="1" smtClean="0"/>
-              <a:t>Eclipse</a:t>
-            </a:r>
-            <a:endParaRPr lang="pl-PL" dirty="0" smtClean="0"/>
-          </a:p>
-          <a:p>
-            <a:pPr lvl="1"/>
-            <a:r>
-              <a:rPr lang="pl-PL" dirty="0" smtClean="0"/>
-              <a:t>Import projektu do </a:t>
-            </a:r>
-            <a:r>
-              <a:rPr lang="pl-PL" dirty="0" err="1" smtClean="0"/>
-              <a:t>Eclipse</a:t>
-            </a:r>
-            <a:r>
-              <a:rPr lang="pl-PL" dirty="0" smtClean="0"/>
-              <a:t> był opisany w ćwiczeniu 1b.</a:t>
-            </a:r>
-          </a:p>
-          <a:p>
-            <a:pPr lvl="1"/>
-            <a:r>
-              <a:rPr lang="pl-PL" dirty="0" smtClean="0"/>
-              <a:t>Potrzebna jest wtyczka </a:t>
-            </a:r>
-            <a:r>
-              <a:rPr lang="pl-PL" dirty="0" err="1" smtClean="0"/>
-              <a:t>Gradle</a:t>
-            </a:r>
-            <a:r>
-              <a:rPr lang="pl-PL" dirty="0" smtClean="0"/>
-              <a:t> (</a:t>
-            </a:r>
-            <a:r>
-              <a:rPr lang="pl-PL" dirty="0" err="1" smtClean="0">
-                <a:hlinkClick r:id="rId3"/>
-              </a:rPr>
-              <a:t>Buildship</a:t>
-            </a:r>
-            <a:r>
-              <a:rPr lang="pl-PL" dirty="0" smtClean="0"/>
-              <a:t>).</a:t>
-            </a:r>
-          </a:p>
-          <a:p>
-            <a:endParaRPr lang="pl-PL" dirty="0"/>
-          </a:p>
-          <a:p>
-            <a:endParaRPr lang="pl-PL" dirty="0" smtClean="0"/>
-          </a:p>
-          <a:p>
-            <a:endParaRPr lang="pl-PL" dirty="0" smtClean="0"/>
           </a:p>
         </p:txBody>
       </p:sp>
     </p:spTree>
     <p:extLst>
       <p:ext uri="{BB962C8B-B14F-4D97-AF65-F5344CB8AC3E}">
-        <p14:creationId xmlns:p14="http://schemas.microsoft.com/office/powerpoint/2010/main" val="565121571"/>
+        <p14:creationId xmlns:p14="http://schemas.microsoft.com/office/powerpoint/2010/main" xmlns="" val="2153401368"/>
       </p:ext>
     </p:extLst>
   </p:cSld>
   <p:clrMapOvr>
     <a:masterClrMapping/>
   </p:clrMapOvr>
-  <mc:AlternateContent xmlns:mc="http://schemas.openxmlformats.org/markup-compatibility/2006" xmlns:p14="http://schemas.microsoft.com/office/powerpoint/2010/main">
-    <mc:Choice Requires="p14">
-      <p:transition p14:dur="10"/>
+  <mc:AlternateContent xmlns:mc="http://schemas.openxmlformats.org/markup-compatibility/2006">
+    <mc:Choice xmlns:p14="http://schemas.microsoft.com/office/powerpoint/2010/main" xmlns="" Requires="p14">
+      <p:transition p14:dur="0"/>
     </mc:Choice>
-    <mc:Fallback xmlns="">
+    <mc:Fallback>
       <p:transition/>
     </mc:Fallback>
   </mc:AlternateContent>
@@ -9175,11 +11198,11 @@
           <a:p>
             <a:r>
               <a:rPr lang="pl-PL" dirty="0" smtClean="0"/>
-              <a:t>Ćwiczenie </a:t>
-            </a:r>
-            <a:r>
-              <a:rPr lang="pl-PL" dirty="0" smtClean="0"/>
-              <a:t>SOAP Client</a:t>
+              <a:t>Język </a:t>
+            </a:r>
+            <a:r>
+              <a:rPr lang="pl-PL" dirty="0" smtClean="0"/>
+              <a:t>WSDL – przykładowy plik</a:t>
             </a:r>
             <a:endParaRPr lang="de-DE" dirty="0"/>
           </a:p>
@@ -9210,429 +11233,347 @@
       </p:sp>
       <p:sp>
         <p:nvSpPr>
-          <p:cNvPr id="3" name="Prostokąt zaokrąglony 2"/>
-          <p:cNvSpPr/>
-          <p:nvPr/>
+          <p:cNvPr id="2" name="Symbol zastępczy zawartości 1"/>
+          <p:cNvSpPr>
+            <a:spLocks noGrp="1"/>
+          </p:cNvSpPr>
+          <p:nvPr>
+            <p:ph idx="1"/>
+          </p:nvPr>
         </p:nvSpPr>
         <p:spPr>
           <a:xfrm>
-            <a:off x="6414221" y="2599146"/>
-            <a:ext cx="1427451" cy="638828"/>
-          </a:xfrm>
-          <a:prstGeom prst="roundRect">
-            <a:avLst/>
-          </a:prstGeom>
-          <a:solidFill>
-            <a:schemeClr val="bg1"/>
-          </a:solidFill>
-          <a:ln w="50800">
-            <a:solidFill>
-              <a:schemeClr val="accent1"/>
-            </a:solidFill>
-          </a:ln>
-        </p:spPr>
-        <p:style>
-          <a:lnRef idx="2">
-            <a:schemeClr val="accent1">
-              <a:shade val="50000"/>
-            </a:schemeClr>
-          </a:lnRef>
-          <a:fillRef idx="1">
-            <a:schemeClr val="accent1"/>
-          </a:fillRef>
-          <a:effectRef idx="0">
-            <a:schemeClr val="accent1"/>
-          </a:effectRef>
-          <a:fontRef idx="minor">
-            <a:schemeClr val="lt1"/>
-          </a:fontRef>
-        </p:style>
-        <p:txBody>
-          <a:bodyPr lIns="108000" tIns="108000" rIns="108000" bIns="108000" rtlCol="0" anchor="ctr"/>
-          <a:lstStyle/>
-          <a:p>
-            <a:pPr algn="ctr"/>
-            <a:r>
-              <a:rPr lang="pl-PL" sz="1200" dirty="0" smtClean="0">
-                <a:solidFill>
-                  <a:schemeClr val="tx1"/>
-                </a:solidFill>
-              </a:rPr>
-              <a:t>Exercise3</a:t>
-            </a:r>
-          </a:p>
-          <a:p>
-            <a:pPr algn="ctr"/>
-            <a:r>
-              <a:rPr lang="pl-PL" sz="1200" dirty="0" smtClean="0">
-                <a:solidFill>
-                  <a:schemeClr val="tx1"/>
-                </a:solidFill>
-              </a:rPr>
-              <a:t>HumanResourceService</a:t>
-            </a:r>
-            <a:endParaRPr lang="pl-PL" sz="1200" dirty="0" smtClean="0">
-              <a:solidFill>
-                <a:schemeClr val="tx1"/>
-              </a:solidFill>
-            </a:endParaRPr>
-          </a:p>
-        </p:txBody>
-      </p:sp>
-      <p:sp>
-        <p:nvSpPr>
-          <p:cNvPr id="8" name="Prostokąt zaokrąglony 7"/>
-          <p:cNvSpPr/>
-          <p:nvPr/>
-        </p:nvSpPr>
-        <p:spPr>
-          <a:xfrm>
-            <a:off x="3838706" y="2599146"/>
-            <a:ext cx="1259337" cy="638828"/>
-          </a:xfrm>
-          <a:prstGeom prst="roundRect">
-            <a:avLst/>
-          </a:prstGeom>
-          <a:solidFill>
-            <a:schemeClr val="bg1"/>
-          </a:solidFill>
-          <a:ln w="50800">
-            <a:solidFill>
-              <a:schemeClr val="accent1"/>
-            </a:solidFill>
-          </a:ln>
-        </p:spPr>
-        <p:style>
-          <a:lnRef idx="2">
-            <a:schemeClr val="accent1">
-              <a:shade val="50000"/>
-            </a:schemeClr>
-          </a:lnRef>
-          <a:fillRef idx="1">
-            <a:schemeClr val="accent1"/>
-          </a:fillRef>
-          <a:effectRef idx="0">
-            <a:schemeClr val="accent1"/>
-          </a:effectRef>
-          <a:fontRef idx="minor">
-            <a:schemeClr val="lt1"/>
-          </a:fontRef>
-        </p:style>
-        <p:txBody>
-          <a:bodyPr lIns="108000" tIns="108000" rIns="108000" bIns="108000" rtlCol="0" anchor="ctr"/>
-          <a:lstStyle/>
-          <a:p>
-            <a:pPr algn="ctr"/>
-            <a:r>
-              <a:rPr lang="pl-PL" sz="1200" dirty="0" smtClean="0">
-                <a:solidFill>
-                  <a:schemeClr val="tx1"/>
-                </a:solidFill>
-              </a:rPr>
-              <a:t>Exercise3</a:t>
-            </a:r>
-          </a:p>
-          <a:p>
-            <a:pPr algn="ctr"/>
-            <a:r>
-              <a:rPr lang="pl-PL" sz="1200" dirty="0" smtClean="0">
-                <a:solidFill>
-                  <a:schemeClr val="tx1"/>
-                </a:solidFill>
-              </a:rPr>
-              <a:t>HolidayClient</a:t>
-            </a:r>
-            <a:endParaRPr lang="pl-PL" sz="1200" dirty="0" smtClean="0">
-              <a:solidFill>
-                <a:schemeClr val="tx1"/>
-              </a:solidFill>
-            </a:endParaRPr>
-          </a:p>
-        </p:txBody>
-      </p:sp>
-      <p:sp>
-        <p:nvSpPr>
-          <p:cNvPr id="10" name="Prostokąt zaokrąglony 9"/>
-          <p:cNvSpPr/>
-          <p:nvPr/>
-        </p:nvSpPr>
-        <p:spPr>
-          <a:xfrm>
-            <a:off x="5626038" y="1077230"/>
-            <a:ext cx="910696" cy="515657"/>
-          </a:xfrm>
-          <a:prstGeom prst="roundRect">
-            <a:avLst/>
-          </a:prstGeom>
-          <a:solidFill>
-            <a:schemeClr val="bg1"/>
-          </a:solidFill>
-          <a:ln w="50800">
-            <a:solidFill>
-              <a:schemeClr val="accent1"/>
-            </a:solidFill>
-          </a:ln>
-        </p:spPr>
-        <p:style>
-          <a:lnRef idx="2">
-            <a:schemeClr val="accent1">
-              <a:shade val="50000"/>
-            </a:schemeClr>
-          </a:lnRef>
-          <a:fillRef idx="1">
-            <a:schemeClr val="accent1"/>
-          </a:fillRef>
-          <a:effectRef idx="0">
-            <a:schemeClr val="accent1"/>
-          </a:effectRef>
-          <a:fontRef idx="minor">
-            <a:schemeClr val="lt1"/>
-          </a:fontRef>
-        </p:style>
-        <p:txBody>
-          <a:bodyPr lIns="108000" tIns="108000" rIns="108000" bIns="108000" rtlCol="0" anchor="ctr"/>
-          <a:lstStyle/>
-          <a:p>
-            <a:pPr algn="ctr"/>
-            <a:r>
-              <a:rPr lang="pl-PL" sz="1200" dirty="0" smtClean="0">
-                <a:solidFill>
-                  <a:schemeClr val="tx1"/>
-                </a:solidFill>
-              </a:rPr>
-              <a:t>SOAP Client</a:t>
-            </a:r>
-            <a:endParaRPr lang="pl-PL" sz="1200" dirty="0" smtClean="0">
-              <a:solidFill>
-                <a:schemeClr val="tx1"/>
-              </a:solidFill>
-            </a:endParaRPr>
-          </a:p>
-        </p:txBody>
-      </p:sp>
-      <p:cxnSp>
-        <p:nvCxnSpPr>
-          <p:cNvPr id="12" name="Łącznik prosty ze strzałką 11"/>
-          <p:cNvCxnSpPr>
-            <a:stCxn id="8" idx="3"/>
-          </p:cNvCxnSpPr>
-          <p:nvPr/>
-        </p:nvCxnSpPr>
-        <p:spPr>
-          <a:xfrm>
-            <a:off x="5098043" y="2918560"/>
-            <a:ext cx="1316179" cy="0"/>
-          </a:xfrm>
-          <a:prstGeom prst="straightConnector1">
-            <a:avLst/>
-          </a:prstGeom>
-          <a:ln w="38100">
-            <a:solidFill>
-              <a:schemeClr val="accent2"/>
-            </a:solidFill>
-            <a:tailEnd type="arrow"/>
-          </a:ln>
-        </p:spPr>
-        <p:style>
-          <a:lnRef idx="1">
-            <a:schemeClr val="accent1"/>
-          </a:lnRef>
-          <a:fillRef idx="0">
-            <a:schemeClr val="accent1"/>
-          </a:fillRef>
-          <a:effectRef idx="0">
-            <a:schemeClr val="accent1"/>
-          </a:effectRef>
-          <a:fontRef idx="minor">
-            <a:schemeClr val="tx1"/>
-          </a:fontRef>
-        </p:style>
-      </p:cxnSp>
-      <p:cxnSp>
-        <p:nvCxnSpPr>
-          <p:cNvPr id="14" name="Łącznik prosty ze strzałką 13"/>
-          <p:cNvCxnSpPr>
-            <a:stCxn id="10" idx="2"/>
-            <a:endCxn id="3" idx="0"/>
-          </p:cNvCxnSpPr>
-          <p:nvPr/>
-        </p:nvCxnSpPr>
-        <p:spPr>
-          <a:xfrm>
-            <a:off x="6081386" y="1592887"/>
-            <a:ext cx="1046561" cy="1006259"/>
-          </a:xfrm>
-          <a:prstGeom prst="straightConnector1">
-            <a:avLst/>
-          </a:prstGeom>
-          <a:ln w="38100">
-            <a:solidFill>
-              <a:schemeClr val="accent2"/>
-            </a:solidFill>
-            <a:tailEnd type="arrow"/>
-          </a:ln>
-        </p:spPr>
-        <p:style>
-          <a:lnRef idx="1">
-            <a:schemeClr val="accent1"/>
-          </a:lnRef>
-          <a:fillRef idx="0">
-            <a:schemeClr val="accent1"/>
-          </a:fillRef>
-          <a:effectRef idx="0">
-            <a:schemeClr val="accent1"/>
-          </a:effectRef>
-          <a:fontRef idx="minor">
-            <a:schemeClr val="tx1"/>
-          </a:fontRef>
-        </p:style>
-      </p:cxnSp>
-      <p:sp>
-        <p:nvSpPr>
-          <p:cNvPr id="30" name="Symbol zastępczy zawartości 1"/>
-          <p:cNvSpPr>
-            <a:spLocks noGrp="1"/>
-          </p:cNvSpPr>
-          <p:nvPr>
-            <p:ph idx="1"/>
-          </p:nvPr>
-        </p:nvSpPr>
-        <p:spPr>
-          <a:xfrm>
-            <a:off x="443708" y="1119187"/>
-            <a:ext cx="2988424" cy="3362325"/>
+            <a:off x="443708" y="1119188"/>
+            <a:ext cx="8506654" cy="3412172"/>
           </a:xfrm>
         </p:spPr>
         <p:txBody>
           <a:bodyPr>
-            <a:normAutofit/>
+            <a:normAutofit lnSpcReduction="10000"/>
           </a:bodyPr>
           <a:lstStyle/>
           <a:p>
-            <a:r>
-              <a:rPr lang="pl-PL" sz="1050" dirty="0"/>
-              <a:t>Usługa HumanResourceService udostępnia </a:t>
-            </a:r>
-            <a:r>
-              <a:rPr lang="pl-PL" sz="1050" dirty="0" smtClean="0"/>
-              <a:t>operację Holiday pozwalającą zgłosić urlop dla danego pracownika.</a:t>
-            </a:r>
-            <a:endParaRPr lang="pl-PL" sz="850" dirty="0" smtClean="0"/>
-          </a:p>
-          <a:p>
-            <a:endParaRPr lang="pl-PL" sz="1050" dirty="0" smtClean="0"/>
-          </a:p>
-          <a:p>
-            <a:r>
-              <a:rPr lang="pl-PL" sz="1050" dirty="0" smtClean="0"/>
-              <a:t>HolidayClient zawiera metodę pozwalającą </a:t>
-            </a:r>
-            <a:r>
-              <a:rPr lang="pl-PL" sz="1050" dirty="0" smtClean="0"/>
-              <a:t>aplikacjom </a:t>
-            </a:r>
-            <a:r>
-              <a:rPr lang="pl-PL" sz="1050" dirty="0" smtClean="0"/>
-              <a:t>zgłosić urlop poprzez wywołanie </a:t>
-            </a:r>
-            <a:r>
-              <a:rPr lang="pl-PL" sz="1050" dirty="0"/>
-              <a:t>usługi HumanResourceService.</a:t>
-            </a:r>
-            <a:endParaRPr lang="pl-PL" sz="850" dirty="0" smtClean="0"/>
-          </a:p>
-          <a:p>
+            <a:endParaRPr lang="pl-PL" sz="1250" dirty="0" smtClean="0"/>
+          </a:p>
+          <a:p>
+            <a:pPr lvl="1"/>
             <a:endParaRPr lang="pl-PL" dirty="0" smtClean="0"/>
           </a:p>
           <a:p>
-            <a:pPr marL="0" indent="0">
-              <a:buNone/>
-            </a:pPr>
+            <a:r>
+              <a:rPr lang="pl-PL" dirty="0" smtClean="0"/>
+              <a:t>&lt;?</a:t>
+            </a:r>
+            <a:r>
+              <a:rPr lang="pl-PL" dirty="0" err="1" smtClean="0"/>
+              <a:t>xml</a:t>
+            </a:r>
+            <a:r>
+              <a:rPr lang="pl-PL" dirty="0" smtClean="0"/>
+              <a:t> version="1.0" encoding="UTF-8"?&gt; </a:t>
+            </a:r>
+            <a:endParaRPr lang="pl-PL" dirty="0" smtClean="0"/>
+          </a:p>
+          <a:p>
+            <a:r>
+              <a:rPr lang="pl-PL" b="1" dirty="0" smtClean="0"/>
+              <a:t>&lt;</a:t>
+            </a:r>
+            <a:r>
+              <a:rPr lang="pl-PL" b="1" dirty="0" err="1" smtClean="0"/>
+              <a:t>description</a:t>
+            </a:r>
+            <a:r>
+              <a:rPr lang="pl-PL" dirty="0" smtClean="0"/>
+              <a:t> </a:t>
+            </a:r>
+            <a:r>
+              <a:rPr lang="pl-PL" dirty="0" smtClean="0"/>
+              <a:t>…</a:t>
+            </a:r>
+            <a:r>
+              <a:rPr lang="pl-PL" b="1" dirty="0" smtClean="0"/>
+              <a:t>&gt;</a:t>
+            </a:r>
+            <a:r>
+              <a:rPr lang="pl-PL" dirty="0" smtClean="0"/>
+              <a:t> </a:t>
+            </a:r>
+          </a:p>
+          <a:p>
+            <a:r>
+              <a:rPr lang="pl-PL" b="1" dirty="0" smtClean="0"/>
+              <a:t>…</a:t>
+            </a:r>
+          </a:p>
+          <a:p>
+            <a:r>
+              <a:rPr lang="pl-PL" b="1" dirty="0" smtClean="0"/>
+              <a:t>&lt;</a:t>
+            </a:r>
+            <a:r>
+              <a:rPr lang="pl-PL" b="1" dirty="0" err="1" smtClean="0"/>
+              <a:t>interface</a:t>
+            </a:r>
+            <a:r>
+              <a:rPr lang="pl-PL" dirty="0" smtClean="0"/>
+              <a:t> name="Interface1"</a:t>
+            </a:r>
+            <a:r>
+              <a:rPr lang="pl-PL" b="1" dirty="0" smtClean="0"/>
+              <a:t>&gt;</a:t>
+            </a:r>
+            <a:r>
+              <a:rPr lang="pl-PL" dirty="0" smtClean="0"/>
+              <a:t> </a:t>
+            </a:r>
+            <a:endParaRPr lang="pl-PL" dirty="0" smtClean="0"/>
+          </a:p>
+          <a:p>
+            <a:pPr lvl="1"/>
+            <a:r>
+              <a:rPr lang="pl-PL" b="1" dirty="0" smtClean="0"/>
+              <a:t>&lt;</a:t>
+            </a:r>
+            <a:r>
+              <a:rPr lang="pl-PL" b="1" dirty="0" err="1" smtClean="0"/>
+              <a:t>fault</a:t>
+            </a:r>
+            <a:r>
+              <a:rPr lang="pl-PL" dirty="0" smtClean="0"/>
+              <a:t> name="Error1" </a:t>
+            </a:r>
+            <a:r>
+              <a:rPr lang="pl-PL" dirty="0" err="1" smtClean="0"/>
+              <a:t>element="tns:response</a:t>
+            </a:r>
+            <a:r>
+              <a:rPr lang="pl-PL" dirty="0" smtClean="0"/>
+              <a:t>"</a:t>
+            </a:r>
+            <a:r>
+              <a:rPr lang="pl-PL" b="1" dirty="0" smtClean="0"/>
+              <a:t>/&gt;</a:t>
+            </a:r>
+            <a:r>
+              <a:rPr lang="pl-PL" dirty="0" smtClean="0"/>
+              <a:t> </a:t>
+            </a:r>
+            <a:endParaRPr lang="pl-PL" dirty="0" smtClean="0"/>
+          </a:p>
+          <a:p>
+            <a:pPr lvl="1"/>
+            <a:r>
+              <a:rPr lang="pl-PL" b="1" dirty="0" smtClean="0"/>
+              <a:t>&lt;</a:t>
+            </a:r>
+            <a:r>
+              <a:rPr lang="pl-PL" b="1" dirty="0" err="1" smtClean="0"/>
+              <a:t>operation</a:t>
+            </a:r>
+            <a:r>
+              <a:rPr lang="pl-PL" dirty="0" smtClean="0"/>
+              <a:t> </a:t>
+            </a:r>
+            <a:r>
+              <a:rPr lang="pl-PL" dirty="0" err="1" smtClean="0"/>
+              <a:t>name="Get</a:t>
+            </a:r>
+            <a:r>
+              <a:rPr lang="pl-PL" dirty="0" smtClean="0"/>
+              <a:t>" </a:t>
+            </a:r>
+            <a:r>
+              <a:rPr lang="pl-PL" dirty="0" err="1" smtClean="0"/>
+              <a:t>pattern="http</a:t>
+            </a:r>
+            <a:r>
+              <a:rPr lang="pl-PL" dirty="0" smtClean="0"/>
+              <a:t>://www.w3.org/</a:t>
+            </a:r>
+            <a:r>
+              <a:rPr lang="pl-PL" dirty="0" err="1" smtClean="0"/>
+              <a:t>ns</a:t>
+            </a:r>
+            <a:r>
+              <a:rPr lang="pl-PL" dirty="0" smtClean="0"/>
+              <a:t>/</a:t>
+            </a:r>
+            <a:r>
+              <a:rPr lang="pl-PL" dirty="0" err="1" smtClean="0"/>
+              <a:t>wsdl</a:t>
+            </a:r>
+            <a:r>
+              <a:rPr lang="pl-PL" dirty="0" smtClean="0"/>
+              <a:t>/</a:t>
+            </a:r>
+            <a:r>
+              <a:rPr lang="pl-PL" dirty="0" err="1" smtClean="0"/>
+              <a:t>in-out</a:t>
+            </a:r>
+            <a:r>
+              <a:rPr lang="pl-PL" dirty="0" smtClean="0"/>
+              <a:t>"</a:t>
+            </a:r>
+            <a:r>
+              <a:rPr lang="pl-PL" b="1" dirty="0" smtClean="0"/>
+              <a:t>&gt;</a:t>
+            </a:r>
+            <a:r>
+              <a:rPr lang="pl-PL" dirty="0" smtClean="0"/>
+              <a:t> </a:t>
+            </a:r>
+            <a:endParaRPr lang="pl-PL" dirty="0" smtClean="0"/>
+          </a:p>
+          <a:p>
+            <a:pPr lvl="2"/>
+            <a:r>
+              <a:rPr lang="pl-PL" b="1" dirty="0" smtClean="0"/>
+              <a:t>&lt;</a:t>
+            </a:r>
+            <a:r>
+              <a:rPr lang="pl-PL" b="1" dirty="0" err="1" smtClean="0"/>
+              <a:t>input</a:t>
+            </a:r>
+            <a:r>
+              <a:rPr lang="pl-PL" dirty="0" smtClean="0"/>
+              <a:t> </a:t>
+            </a:r>
+            <a:r>
+              <a:rPr lang="pl-PL" dirty="0" err="1" smtClean="0"/>
+              <a:t>messageLabel="In</a:t>
+            </a:r>
+            <a:r>
+              <a:rPr lang="pl-PL" dirty="0" smtClean="0"/>
+              <a:t>" </a:t>
+            </a:r>
+            <a:r>
+              <a:rPr lang="pl-PL" dirty="0" err="1" smtClean="0"/>
+              <a:t>element="tns:request</a:t>
+            </a:r>
+            <a:r>
+              <a:rPr lang="pl-PL" dirty="0" smtClean="0"/>
+              <a:t>"</a:t>
+            </a:r>
+            <a:r>
+              <a:rPr lang="pl-PL" b="1" dirty="0" smtClean="0"/>
+              <a:t>/&gt;</a:t>
+            </a:r>
+            <a:r>
+              <a:rPr lang="pl-PL" dirty="0" smtClean="0"/>
+              <a:t> </a:t>
+            </a:r>
+            <a:endParaRPr lang="pl-PL" dirty="0" smtClean="0"/>
+          </a:p>
+          <a:p>
+            <a:pPr lvl="2"/>
+            <a:r>
+              <a:rPr lang="pl-PL" b="1" dirty="0" smtClean="0"/>
+              <a:t>&lt;</a:t>
+            </a:r>
+            <a:r>
+              <a:rPr lang="pl-PL" b="1" dirty="0" err="1" smtClean="0"/>
+              <a:t>output</a:t>
+            </a:r>
+            <a:r>
+              <a:rPr lang="pl-PL" dirty="0" smtClean="0"/>
+              <a:t> </a:t>
+            </a:r>
+            <a:r>
+              <a:rPr lang="pl-PL" dirty="0" err="1" smtClean="0"/>
+              <a:t>messageLabel="Out</a:t>
+            </a:r>
+            <a:r>
+              <a:rPr lang="pl-PL" dirty="0" smtClean="0"/>
+              <a:t>" </a:t>
+            </a:r>
+            <a:r>
+              <a:rPr lang="pl-PL" dirty="0" err="1" smtClean="0"/>
+              <a:t>element="tns:response</a:t>
+            </a:r>
+            <a:r>
+              <a:rPr lang="pl-PL" dirty="0" smtClean="0"/>
+              <a:t>"</a:t>
+            </a:r>
+            <a:r>
+              <a:rPr lang="pl-PL" b="1" dirty="0" smtClean="0"/>
+              <a:t>/&gt;</a:t>
+            </a:r>
+            <a:r>
+              <a:rPr lang="pl-PL" dirty="0" smtClean="0"/>
+              <a:t> </a:t>
+            </a:r>
+            <a:endParaRPr lang="pl-PL" dirty="0" smtClean="0"/>
+          </a:p>
+          <a:p>
+            <a:pPr lvl="1"/>
+            <a:r>
+              <a:rPr lang="pl-PL" b="1" dirty="0" smtClean="0"/>
+              <a:t>&lt;/</a:t>
+            </a:r>
+            <a:r>
+              <a:rPr lang="pl-PL" b="1" dirty="0" err="1" smtClean="0"/>
+              <a:t>operation</a:t>
+            </a:r>
+            <a:r>
+              <a:rPr lang="pl-PL" b="1" dirty="0" smtClean="0"/>
+              <a:t>&gt;</a:t>
+            </a:r>
+          </a:p>
+          <a:p>
+            <a:r>
+              <a:rPr lang="pl-PL" b="1" dirty="0" smtClean="0"/>
+              <a:t>&lt;/</a:t>
+            </a:r>
+            <a:r>
+              <a:rPr lang="pl-PL" b="1" dirty="0" err="1" smtClean="0"/>
+              <a:t>interface</a:t>
+            </a:r>
+            <a:r>
+              <a:rPr lang="pl-PL" b="1" dirty="0" smtClean="0"/>
+              <a:t>&gt; </a:t>
+            </a:r>
+            <a:endParaRPr lang="pl-PL" b="1" dirty="0" smtClean="0"/>
+          </a:p>
+          <a:p>
+            <a:r>
+              <a:rPr lang="pl-PL" dirty="0" smtClean="0"/>
+              <a:t>…</a:t>
+            </a:r>
+            <a:endParaRPr lang="pl-PL" b="1" dirty="0" smtClean="0"/>
+          </a:p>
+          <a:p>
+            <a:r>
+              <a:rPr lang="pl-PL" b="1" dirty="0" smtClean="0"/>
+              <a:t>&lt;/</a:t>
+            </a:r>
+            <a:r>
+              <a:rPr lang="pl-PL" b="1" dirty="0" err="1" smtClean="0"/>
+              <a:t>description</a:t>
+            </a:r>
+            <a:r>
+              <a:rPr lang="pl-PL" b="1" dirty="0" smtClean="0"/>
+              <a:t>&gt;</a:t>
+            </a:r>
             <a:endParaRPr lang="pl-PL" dirty="0"/>
-          </a:p>
-          <a:p>
-            <a:endParaRPr lang="pl-PL" dirty="0" smtClean="0"/>
-          </a:p>
-          <a:p>
-            <a:endParaRPr lang="pl-PL" dirty="0" smtClean="0"/>
-          </a:p>
-        </p:txBody>
-      </p:sp>
-      <p:sp>
-        <p:nvSpPr>
-          <p:cNvPr id="31" name="pole tekstowe 30"/>
-          <p:cNvSpPr txBox="1"/>
-          <p:nvPr/>
-        </p:nvSpPr>
-        <p:spPr>
-          <a:xfrm>
-            <a:off x="5311035" y="2948268"/>
-            <a:ext cx="770351" cy="123111"/>
-          </a:xfrm>
-          <a:prstGeom prst="rect">
-            <a:avLst/>
-          </a:prstGeom>
-          <a:noFill/>
-        </p:spPr>
-        <p:txBody>
-          <a:bodyPr wrap="square" lIns="0" tIns="0" rIns="0" bIns="0" rtlCol="0">
-            <a:spAutoFit/>
-          </a:bodyPr>
-          <a:lstStyle/>
-          <a:p>
-            <a:r>
-              <a:rPr lang="pl-PL" sz="800" i="1" dirty="0" smtClean="0"/>
-              <a:t>HolidayRequest</a:t>
-            </a:r>
-            <a:endParaRPr lang="pl-PL" sz="600" dirty="0" smtClean="0"/>
-          </a:p>
-        </p:txBody>
-      </p:sp>
-      <p:sp>
-        <p:nvSpPr>
-          <p:cNvPr id="18" name="pole tekstowe 30"/>
-          <p:cNvSpPr txBox="1"/>
-          <p:nvPr/>
-        </p:nvSpPr>
-        <p:spPr>
-          <a:xfrm>
-            <a:off x="6604666" y="1927802"/>
-            <a:ext cx="770351" cy="123111"/>
-          </a:xfrm>
-          <a:prstGeom prst="rect">
-            <a:avLst/>
-          </a:prstGeom>
-          <a:noFill/>
-        </p:spPr>
-        <p:txBody>
-          <a:bodyPr wrap="square" lIns="0" tIns="0" rIns="0" bIns="0" rtlCol="0">
-            <a:spAutoFit/>
-          </a:bodyPr>
-          <a:lstStyle/>
-          <a:p>
-            <a:r>
-              <a:rPr lang="pl-PL" sz="800" i="1" dirty="0" smtClean="0"/>
-              <a:t>HolidayRequest</a:t>
-            </a:r>
-            <a:endParaRPr lang="pl-PL" sz="600" dirty="0" smtClean="0"/>
           </a:p>
         </p:txBody>
       </p:sp>
     </p:spTree>
     <p:extLst>
       <p:ext uri="{BB962C8B-B14F-4D97-AF65-F5344CB8AC3E}">
-        <p14:creationId xmlns:p14="http://schemas.microsoft.com/office/powerpoint/2010/main" val="1329190289"/>
+        <p14:creationId xmlns:p14="http://schemas.microsoft.com/office/powerpoint/2010/main" xmlns="" val="2153401368"/>
       </p:ext>
     </p:extLst>
   </p:cSld>
   <p:clrMapOvr>
     <a:masterClrMapping/>
   </p:clrMapOvr>
-  <mc:AlternateContent xmlns:mc="http://schemas.openxmlformats.org/markup-compatibility/2006" xmlns:p14="http://schemas.microsoft.com/office/powerpoint/2010/main">
-    <mc:Choice Requires="p14">
-      <p:transition p14:dur="10"/>
+  <mc:AlternateContent xmlns:mc="http://schemas.openxmlformats.org/markup-compatibility/2006">
+    <mc:Choice xmlns:p14="http://schemas.microsoft.com/office/powerpoint/2010/main" xmlns="" Requires="p14">
+      <p:transition p14:dur="0"/>
     </mc:Choice>
-    <mc:Fallback xmlns="">
+    <mc:Fallback>
       <p:transition/>
     </mc:Fallback>
   </mc:AlternateContent>
@@ -9673,213 +11614,388 @@
             <p:ph type="title"/>
           </p:nvPr>
         </p:nvSpPr>
+        <p:spPr/>
+        <p:txBody>
+          <a:bodyPr/>
+          <a:lstStyle/>
+          <a:p>
+            <a:r>
+              <a:rPr lang="pl-PL" dirty="0" smtClean="0"/>
+              <a:t>Język </a:t>
+            </a:r>
+            <a:r>
+              <a:rPr lang="pl-PL" dirty="0" smtClean="0"/>
+              <a:t>WSDL – przykładowy plik</a:t>
+            </a:r>
+            <a:endParaRPr lang="de-DE" dirty="0"/>
+          </a:p>
+        </p:txBody>
+      </p:sp>
+      <p:sp>
+        <p:nvSpPr>
+          <p:cNvPr id="5" name="Inhaltsplatzhalter 4"/>
+          <p:cNvSpPr>
+            <a:spLocks noGrp="1"/>
+          </p:cNvSpPr>
+          <p:nvPr>
+            <p:ph type="body" sz="quarter" idx="13"/>
+          </p:nvPr>
+        </p:nvSpPr>
+        <p:spPr/>
+        <p:txBody>
+          <a:bodyPr/>
+          <a:lstStyle/>
+          <a:p>
+            <a:r>
+              <a:rPr lang="pl-PL" dirty="0" smtClean="0"/>
+              <a:t>ĆWICZENIE 3</a:t>
+            </a:r>
+            <a:endParaRPr lang="de-DE" dirty="0"/>
+          </a:p>
+        </p:txBody>
+      </p:sp>
+      <p:sp>
+        <p:nvSpPr>
+          <p:cNvPr id="2" name="Symbol zastępczy zawartości 1"/>
+          <p:cNvSpPr>
+            <a:spLocks noGrp="1"/>
+          </p:cNvSpPr>
+          <p:nvPr>
+            <p:ph idx="1"/>
+          </p:nvPr>
+        </p:nvSpPr>
         <p:spPr>
           <a:xfrm>
-            <a:off x="444503" y="347341"/>
-            <a:ext cx="6692104" cy="436017"/>
+            <a:off x="443708" y="1119188"/>
+            <a:ext cx="8506654" cy="3412172"/>
           </a:xfrm>
         </p:spPr>
         <p:txBody>
-          <a:bodyPr/>
-          <a:lstStyle/>
-          <a:p>
-            <a:r>
-              <a:rPr lang="pl-PL" dirty="0" smtClean="0"/>
-              <a:t>Ćwiczenie </a:t>
-            </a:r>
-            <a:r>
-              <a:rPr lang="pl-PL" dirty="0" smtClean="0"/>
-              <a:t>SOAP Client</a:t>
-            </a:r>
-            <a:r>
-              <a:rPr lang="pl-PL" dirty="0" smtClean="0"/>
-              <a:t/>
-            </a:r>
-            <a:br>
-              <a:rPr lang="pl-PL" dirty="0" smtClean="0"/>
-            </a:br>
-            <a:r>
-              <a:rPr lang="pl-PL" dirty="0" smtClean="0"/>
-              <a:t>Ćwiczenia z używania </a:t>
-            </a:r>
-            <a:r>
-              <a:rPr lang="pl-PL" dirty="0" smtClean="0"/>
-              <a:t>usługi SOAP</a:t>
-            </a:r>
-            <a:endParaRPr lang="de-DE" dirty="0"/>
-          </a:p>
-        </p:txBody>
-      </p:sp>
-      <p:sp>
-        <p:nvSpPr>
-          <p:cNvPr id="5" name="Inhaltsplatzhalter 4"/>
-          <p:cNvSpPr>
-            <a:spLocks noGrp="1"/>
-          </p:cNvSpPr>
-          <p:nvPr>
-            <p:ph type="body" sz="quarter" idx="13"/>
-          </p:nvPr>
-        </p:nvSpPr>
-        <p:spPr/>
-        <p:txBody>
-          <a:bodyPr/>
-          <a:lstStyle/>
-          <a:p>
-            <a:r>
-              <a:rPr lang="pl-PL" dirty="0" smtClean="0"/>
-              <a:t>ĆWICZENIE 3</a:t>
-            </a:r>
-            <a:endParaRPr lang="de-DE" dirty="0"/>
-          </a:p>
-        </p:txBody>
-      </p:sp>
-      <p:sp>
-        <p:nvSpPr>
-          <p:cNvPr id="30" name="Symbol zastępczy zawartości 1"/>
-          <p:cNvSpPr>
-            <a:spLocks noGrp="1"/>
-          </p:cNvSpPr>
-          <p:nvPr>
-            <p:ph idx="1"/>
-          </p:nvPr>
-        </p:nvSpPr>
-        <p:spPr>
-          <a:xfrm>
-            <a:off x="443707" y="1119187"/>
-            <a:ext cx="7967519" cy="3362325"/>
-          </a:xfrm>
-        </p:spPr>
-        <p:txBody>
           <a:bodyPr>
-            <a:normAutofit/>
+            <a:normAutofit fontScale="92500" lnSpcReduction="20000"/>
           </a:bodyPr>
           <a:lstStyle/>
           <a:p>
-            <a:r>
-              <a:rPr lang="pl-PL" sz="1050" dirty="0" smtClean="0"/>
-              <a:t>Uruchom aplikację serwerową: </a:t>
-            </a:r>
-            <a:endParaRPr lang="pl-PL" sz="1050" dirty="0" smtClean="0"/>
+            <a:endParaRPr lang="pl-PL" sz="1250" dirty="0" smtClean="0"/>
           </a:p>
           <a:p>
             <a:pPr lvl="1"/>
-            <a:r>
-              <a:rPr lang="pl-PL" sz="850" dirty="0" smtClean="0"/>
-              <a:t>gradlew run w katalogu server</a:t>
-            </a:r>
-            <a:endParaRPr lang="pl-PL" sz="850" dirty="0" smtClean="0"/>
+            <a:endParaRPr lang="pl-PL" dirty="0" smtClean="0"/>
+          </a:p>
+          <a:p>
+            <a:r>
+              <a:rPr lang="pl-PL" dirty="0" smtClean="0"/>
+              <a:t>&lt;?</a:t>
+            </a:r>
+            <a:r>
+              <a:rPr lang="pl-PL" dirty="0" err="1" smtClean="0"/>
+              <a:t>xml</a:t>
+            </a:r>
+            <a:r>
+              <a:rPr lang="pl-PL" dirty="0" smtClean="0"/>
+              <a:t> version="1.0" encoding="UTF-8"?&gt; </a:t>
+            </a:r>
+            <a:endParaRPr lang="pl-PL" dirty="0" smtClean="0"/>
+          </a:p>
+          <a:p>
+            <a:r>
+              <a:rPr lang="pl-PL" b="1" dirty="0" smtClean="0"/>
+              <a:t>&lt;</a:t>
+            </a:r>
+            <a:r>
+              <a:rPr lang="pl-PL" b="1" dirty="0" err="1" smtClean="0"/>
+              <a:t>description</a:t>
+            </a:r>
+            <a:r>
+              <a:rPr lang="pl-PL" dirty="0" smtClean="0"/>
+              <a:t> </a:t>
+            </a:r>
+            <a:r>
+              <a:rPr lang="pl-PL" dirty="0" smtClean="0"/>
+              <a:t>…</a:t>
+            </a:r>
+            <a:r>
+              <a:rPr lang="pl-PL" b="1" dirty="0" smtClean="0"/>
+              <a:t>&gt;</a:t>
+            </a:r>
+            <a:r>
+              <a:rPr lang="pl-PL" dirty="0" smtClean="0"/>
+              <a:t> </a:t>
+            </a:r>
+          </a:p>
+          <a:p>
+            <a:r>
+              <a:rPr lang="pl-PL" b="1" dirty="0" smtClean="0"/>
+              <a:t>…</a:t>
+            </a:r>
+          </a:p>
+          <a:p>
+            <a:r>
+              <a:rPr lang="en-US" b="1" dirty="0" smtClean="0"/>
+              <a:t>&lt;binding</a:t>
+            </a:r>
+            <a:r>
+              <a:rPr lang="en-US" dirty="0" smtClean="0"/>
+              <a:t> name="</a:t>
+            </a:r>
+            <a:r>
+              <a:rPr lang="en-US" dirty="0" err="1" smtClean="0"/>
+              <a:t>HttpBinding</a:t>
+            </a:r>
+            <a:r>
+              <a:rPr lang="en-US" dirty="0" smtClean="0"/>
+              <a:t>" interface="tns:Interface1" type="http://www.w3.org/ns/wsdl/http</a:t>
+            </a:r>
+            <a:r>
+              <a:rPr lang="en-US" dirty="0" smtClean="0"/>
+              <a:t>"</a:t>
+            </a:r>
+            <a:r>
+              <a:rPr lang="en-US" b="1" dirty="0" smtClean="0"/>
+              <a:t>&gt;</a:t>
+            </a:r>
+            <a:endParaRPr lang="pl-PL" dirty="0" smtClean="0"/>
           </a:p>
           <a:p>
             <a:pPr lvl="1"/>
             <a:r>
-              <a:rPr lang="pl-PL" sz="650" dirty="0" smtClean="0"/>
-              <a:t>Jeśli aplikacja zaloguje komunikat „</a:t>
-            </a:r>
-            <a:r>
-              <a:rPr lang="en-US" sz="650" dirty="0" smtClean="0"/>
-              <a:t>Server </a:t>
-            </a:r>
-            <a:r>
-              <a:rPr lang="pl-PL" sz="650" dirty="0" smtClean="0"/>
-              <a:t>ready...” to </a:t>
-            </a:r>
-            <a:r>
-              <a:rPr lang="pl-PL" sz="650" dirty="0" smtClean="0"/>
-              <a:t>znaczy, że serwer działa.</a:t>
-            </a:r>
+              <a:rPr lang="en-US" b="1" dirty="0" smtClean="0"/>
+              <a:t>&lt;binding</a:t>
+            </a:r>
+            <a:r>
+              <a:rPr lang="en-US" dirty="0" smtClean="0"/>
+              <a:t> name="</a:t>
+            </a:r>
+            <a:r>
+              <a:rPr lang="en-US" dirty="0" err="1" smtClean="0"/>
+              <a:t>HttpBinding</a:t>
+            </a:r>
+            <a:r>
+              <a:rPr lang="en-US" dirty="0" smtClean="0"/>
+              <a:t>" interface="tns:Interface1" type="http://www.w3.org/ns/wsdl/http"</a:t>
+            </a:r>
+            <a:r>
+              <a:rPr lang="en-US" b="1" dirty="0" smtClean="0"/>
+              <a:t>&gt;</a:t>
+            </a:r>
+            <a:r>
+              <a:rPr lang="en-US" dirty="0" smtClean="0"/>
+              <a:t> </a:t>
+            </a:r>
+            <a:r>
+              <a:rPr lang="en-US" b="1" dirty="0" smtClean="0"/>
+              <a:t>&lt;operation</a:t>
+            </a:r>
+            <a:r>
+              <a:rPr lang="en-US" dirty="0" smtClean="0"/>
+              <a:t> ref="</a:t>
+            </a:r>
+            <a:r>
+              <a:rPr lang="en-US" dirty="0" err="1" smtClean="0"/>
+              <a:t>tns:Get</a:t>
+            </a:r>
+            <a:r>
+              <a:rPr lang="en-US" dirty="0" smtClean="0"/>
+              <a:t>" </a:t>
+            </a:r>
+            <a:r>
+              <a:rPr lang="en-US" dirty="0" err="1" smtClean="0"/>
+              <a:t>whttp:method</a:t>
+            </a:r>
+            <a:r>
+              <a:rPr lang="en-US" dirty="0" smtClean="0"/>
+              <a:t>="GET"</a:t>
+            </a:r>
+            <a:r>
+              <a:rPr lang="en-US" b="1" dirty="0" smtClean="0"/>
+              <a:t>/&gt;</a:t>
+            </a:r>
+            <a:r>
+              <a:rPr lang="en-US" dirty="0" smtClean="0"/>
+              <a:t> </a:t>
+            </a:r>
+            <a:r>
+              <a:rPr lang="en-US" b="1" dirty="0" smtClean="0"/>
+              <a:t>&lt;/binding&gt; </a:t>
+            </a:r>
+            <a:r>
+              <a:rPr lang="en-US" b="1" dirty="0" smtClean="0"/>
+              <a:t>&lt;</a:t>
+            </a:r>
+            <a:r>
+              <a:rPr lang="en-US" b="1" dirty="0" smtClean="0"/>
+              <a:t>operation</a:t>
+            </a:r>
+            <a:r>
+              <a:rPr lang="en-US" dirty="0" smtClean="0"/>
+              <a:t> ref="</a:t>
+            </a:r>
+            <a:r>
+              <a:rPr lang="en-US" dirty="0" err="1" smtClean="0"/>
+              <a:t>tns:Get</a:t>
+            </a:r>
+            <a:r>
+              <a:rPr lang="en-US" dirty="0" smtClean="0"/>
+              <a:t>" </a:t>
+            </a:r>
+            <a:r>
+              <a:rPr lang="en-US" dirty="0" err="1" smtClean="0"/>
+              <a:t>whttp:method</a:t>
+            </a:r>
+            <a:r>
+              <a:rPr lang="en-US" dirty="0" smtClean="0"/>
+              <a:t>="GET"</a:t>
+            </a:r>
+            <a:r>
+              <a:rPr lang="en-US" b="1" dirty="0" smtClean="0"/>
+              <a:t>/&gt;</a:t>
+            </a:r>
+            <a:r>
+              <a:rPr lang="en-US" dirty="0" smtClean="0"/>
+              <a:t> </a:t>
+            </a:r>
+            <a:endParaRPr lang="pl-PL" dirty="0" smtClean="0"/>
+          </a:p>
+          <a:p>
+            <a:r>
+              <a:rPr lang="en-US" b="1" dirty="0" smtClean="0"/>
+              <a:t>&lt;/</a:t>
+            </a:r>
+            <a:r>
+              <a:rPr lang="en-US" b="1" dirty="0" smtClean="0"/>
+              <a:t>binding</a:t>
+            </a:r>
+            <a:r>
+              <a:rPr lang="en-US" b="1" dirty="0" smtClean="0"/>
+              <a:t>&gt;</a:t>
+            </a:r>
+            <a:endParaRPr lang="pl-PL" b="1" dirty="0" smtClean="0"/>
+          </a:p>
+          <a:p>
+            <a:r>
+              <a:rPr lang="en-US" b="1" dirty="0" smtClean="0"/>
+              <a:t>&lt;binding</a:t>
+            </a:r>
+            <a:r>
+              <a:rPr lang="en-US" dirty="0" smtClean="0"/>
+              <a:t> name="</a:t>
+            </a:r>
+            <a:r>
+              <a:rPr lang="en-US" dirty="0" err="1" smtClean="0"/>
+              <a:t>SoapBinding</a:t>
+            </a:r>
+            <a:r>
+              <a:rPr lang="en-US" dirty="0" smtClean="0"/>
+              <a:t>" interface="tns:Interface1" type="http://www.w3.org/ns/wsdl/soap" </a:t>
+            </a:r>
+            <a:r>
+              <a:rPr lang="en-US" dirty="0" err="1" smtClean="0"/>
+              <a:t>wsoap:protocol</a:t>
+            </a:r>
+            <a:r>
+              <a:rPr lang="en-US" dirty="0" smtClean="0"/>
+              <a:t>="http://www.w3.org/2003/05/soap/bindings/HTTP/" </a:t>
+            </a:r>
+            <a:r>
+              <a:rPr lang="en-US" dirty="0" err="1" smtClean="0"/>
+              <a:t>wsoap:mepDefault</a:t>
+            </a:r>
+            <a:r>
+              <a:rPr lang="en-US" dirty="0" smtClean="0"/>
+              <a:t>="http://www.w3.org/2003/05/soap/mep/request-response"</a:t>
+            </a:r>
+            <a:r>
+              <a:rPr lang="en-US" b="1" dirty="0" smtClean="0"/>
+              <a:t>&gt;</a:t>
+            </a:r>
+            <a:r>
+              <a:rPr lang="en-US" dirty="0" smtClean="0"/>
+              <a:t> </a:t>
+            </a:r>
+            <a:endParaRPr lang="pl-PL" dirty="0" smtClean="0"/>
           </a:p>
           <a:p>
             <a:pPr lvl="1"/>
             <a:r>
-              <a:rPr lang="pl-PL" sz="650" dirty="0" smtClean="0"/>
-              <a:t>Jeśli w logach pojawi się komunikat typu „</a:t>
-            </a:r>
-            <a:r>
-              <a:rPr lang="en-US" sz="650" dirty="0"/>
-              <a:t>Address already in use</a:t>
-            </a:r>
-            <a:r>
-              <a:rPr lang="en-US" sz="650" dirty="0" smtClean="0"/>
-              <a:t>: bind</a:t>
-            </a:r>
-            <a:r>
-              <a:rPr lang="pl-PL" sz="650" dirty="0" smtClean="0"/>
-              <a:t>” to znaczy, że port jest już zajęty przez inną aplikację. Upewnij się, że inna instancja tej aplikacji nie jest już uruchomiona. Jeśli jesteś pewien, że port jest zajęty na Twoim komputerze przez inną aplikację lub usługę systemową to zmień numer portu w pliku </a:t>
-            </a:r>
-            <a:r>
-              <a:rPr lang="pl-PL" sz="650" dirty="0" smtClean="0"/>
-              <a:t>HolidayServerApp z </a:t>
-            </a:r>
-            <a:r>
-              <a:rPr lang="pl-PL" sz="650" dirty="0" smtClean="0"/>
-              <a:t>8090 na inny</a:t>
-            </a:r>
-            <a:r>
-              <a:rPr lang="pl-PL" sz="650" dirty="0" smtClean="0"/>
-              <a:t>.</a:t>
-            </a:r>
-          </a:p>
-          <a:p>
-            <a:pPr lvl="1"/>
-            <a:r>
-              <a:rPr lang="pl-PL" sz="650" dirty="0" smtClean="0"/>
-              <a:t>Aplikacja po 5 minutach wyłącza się automatycznie – można ją wyłączyć ręcznie wcześniej wciskając Ctrl-C</a:t>
-            </a:r>
-            <a:endParaRPr lang="pl-PL" sz="650" dirty="0" smtClean="0"/>
-          </a:p>
-          <a:p>
-            <a:pPr marL="0" indent="0">
-              <a:buNone/>
-            </a:pPr>
+              <a:rPr lang="en-US" b="1" dirty="0" smtClean="0"/>
+              <a:t>&lt;</a:t>
+            </a:r>
+            <a:r>
+              <a:rPr lang="en-US" b="1" dirty="0" smtClean="0"/>
+              <a:t>operation</a:t>
+            </a:r>
+            <a:r>
+              <a:rPr lang="en-US" dirty="0" smtClean="0"/>
+              <a:t> ref="</a:t>
+            </a:r>
+            <a:r>
+              <a:rPr lang="en-US" dirty="0" err="1" smtClean="0"/>
+              <a:t>tns:Get</a:t>
+            </a:r>
+            <a:r>
+              <a:rPr lang="en-US" dirty="0" smtClean="0"/>
+              <a:t>" </a:t>
+            </a:r>
+            <a:r>
+              <a:rPr lang="en-US" b="1" dirty="0" smtClean="0"/>
+              <a:t>/&gt;</a:t>
+            </a:r>
+            <a:r>
+              <a:rPr lang="en-US" dirty="0" smtClean="0"/>
+              <a:t> </a:t>
+            </a:r>
             <a:endParaRPr lang="pl-PL" dirty="0" smtClean="0"/>
           </a:p>
           <a:p>
-            <a:endParaRPr lang="pl-PL" dirty="0" smtClean="0"/>
-          </a:p>
-          <a:p>
-            <a:endParaRPr lang="pl-PL" dirty="0" smtClean="0"/>
-          </a:p>
-        </p:txBody>
-      </p:sp>
-      <p:pic>
-        <p:nvPicPr>
-          <p:cNvPr id="3" name="Picture 2"/>
-          <p:cNvPicPr>
-            <a:picLocks noChangeAspect="1"/>
-          </p:cNvPicPr>
-          <p:nvPr/>
-        </p:nvPicPr>
-        <p:blipFill>
-          <a:blip r:embed="rId3"/>
-          <a:stretch>
-            <a:fillRect/>
-          </a:stretch>
-        </p:blipFill>
-        <p:spPr>
-          <a:xfrm>
-            <a:off x="1649361" y="2215304"/>
-            <a:ext cx="4772978" cy="2109366"/>
-          </a:xfrm>
-          <a:prstGeom prst="rect">
-            <a:avLst/>
-          </a:prstGeom>
-        </p:spPr>
-      </p:pic>
+            <a:r>
+              <a:rPr lang="en-US" b="1" dirty="0" smtClean="0"/>
+              <a:t>&lt;/</a:t>
+            </a:r>
+            <a:r>
+              <a:rPr lang="en-US" b="1" dirty="0" smtClean="0"/>
+              <a:t>binding&gt;</a:t>
+            </a:r>
+            <a:endParaRPr lang="pl-PL" b="1" dirty="0" smtClean="0"/>
+          </a:p>
+          <a:p>
+            <a:r>
+              <a:rPr lang="pl-PL" dirty="0" smtClean="0"/>
+              <a:t>…</a:t>
+            </a:r>
+            <a:endParaRPr lang="pl-PL" b="1" dirty="0" smtClean="0"/>
+          </a:p>
+          <a:p>
+            <a:r>
+              <a:rPr lang="pl-PL" b="1" dirty="0" smtClean="0"/>
+              <a:t>&lt;/</a:t>
+            </a:r>
+            <a:r>
+              <a:rPr lang="pl-PL" b="1" dirty="0" err="1" smtClean="0"/>
+              <a:t>description</a:t>
+            </a:r>
+            <a:r>
+              <a:rPr lang="pl-PL" b="1" dirty="0" smtClean="0"/>
+              <a:t>&gt;</a:t>
+            </a:r>
+            <a:endParaRPr lang="pl-PL" dirty="0"/>
+          </a:p>
+        </p:txBody>
+      </p:sp>
     </p:spTree>
     <p:extLst>
       <p:ext uri="{BB962C8B-B14F-4D97-AF65-F5344CB8AC3E}">
-        <p14:creationId xmlns:p14="http://schemas.microsoft.com/office/powerpoint/2010/main" val="1445465161"/>
+        <p14:creationId xmlns:p14="http://schemas.microsoft.com/office/powerpoint/2010/main" xmlns="" val="2153401368"/>
       </p:ext>
     </p:extLst>
   </p:cSld>
   <p:clrMapOvr>
     <a:masterClrMapping/>
   </p:clrMapOvr>
-  <mc:AlternateContent xmlns:mc="http://schemas.openxmlformats.org/markup-compatibility/2006" xmlns:p14="http://schemas.microsoft.com/office/powerpoint/2010/main">
-    <mc:Choice Requires="p14">
-      <p:transition p14:dur="10"/>
+  <mc:AlternateContent xmlns:mc="http://schemas.openxmlformats.org/markup-compatibility/2006">
+    <mc:Choice xmlns:p14="http://schemas.microsoft.com/office/powerpoint/2010/main" xmlns="" Requires="p14">
+      <p:transition p14:dur="0"/>
     </mc:Choice>
-    <mc:Fallback xmlns="">
+    <mc:Fallback>
       <p:transition/>
     </mc:Fallback>
   </mc:AlternateContent>
@@ -9920,80 +12036,60 @@
             <p:ph type="title"/>
           </p:nvPr>
         </p:nvSpPr>
+        <p:spPr/>
+        <p:txBody>
+          <a:bodyPr/>
+          <a:lstStyle/>
+          <a:p>
+            <a:r>
+              <a:rPr lang="pl-PL" dirty="0" smtClean="0"/>
+              <a:t>Język </a:t>
+            </a:r>
+            <a:r>
+              <a:rPr lang="pl-PL" dirty="0" smtClean="0"/>
+              <a:t>WSDL – przykładowy plik</a:t>
+            </a:r>
+            <a:endParaRPr lang="de-DE" dirty="0"/>
+          </a:p>
+        </p:txBody>
+      </p:sp>
+      <p:sp>
+        <p:nvSpPr>
+          <p:cNvPr id="5" name="Inhaltsplatzhalter 4"/>
+          <p:cNvSpPr>
+            <a:spLocks noGrp="1"/>
+          </p:cNvSpPr>
+          <p:nvPr>
+            <p:ph type="body" sz="quarter" idx="13"/>
+          </p:nvPr>
+        </p:nvSpPr>
+        <p:spPr/>
+        <p:txBody>
+          <a:bodyPr/>
+          <a:lstStyle/>
+          <a:p>
+            <a:r>
+              <a:rPr lang="pl-PL" dirty="0" smtClean="0"/>
+              <a:t>ĆWICZENIE 3</a:t>
+            </a:r>
+            <a:endParaRPr lang="de-DE" dirty="0"/>
+          </a:p>
+        </p:txBody>
+      </p:sp>
+      <p:sp>
+        <p:nvSpPr>
+          <p:cNvPr id="2" name="Symbol zastępczy zawartości 1"/>
+          <p:cNvSpPr>
+            <a:spLocks noGrp="1"/>
+          </p:cNvSpPr>
+          <p:nvPr>
+            <p:ph idx="1"/>
+          </p:nvPr>
+        </p:nvSpPr>
         <p:spPr>
           <a:xfrm>
-            <a:off x="444503" y="347341"/>
-            <a:ext cx="6692104" cy="436017"/>
-          </a:xfrm>
-        </p:spPr>
-        <p:txBody>
-          <a:bodyPr/>
-          <a:lstStyle/>
-          <a:p>
-            <a:r>
-              <a:rPr lang="pl-PL" dirty="0" smtClean="0"/>
-              <a:t>Ćwiczenie </a:t>
-            </a:r>
-            <a:r>
-              <a:rPr lang="pl-PL" dirty="0" smtClean="0"/>
-              <a:t>SOAP Client</a:t>
-            </a:r>
-            <a:r>
-              <a:rPr lang="pl-PL" dirty="0" smtClean="0"/>
-              <a:t/>
-            </a:r>
-            <a:br>
-              <a:rPr lang="pl-PL" dirty="0" smtClean="0"/>
-            </a:br>
-            <a:r>
-              <a:rPr lang="pl-PL" dirty="0" smtClean="0"/>
-              <a:t>Ćwiczenia z używania </a:t>
-            </a:r>
-            <a:r>
-              <a:rPr lang="pl-PL" dirty="0" smtClean="0"/>
-              <a:t>SOAP</a:t>
-            </a:r>
-            <a:endParaRPr lang="de-DE" dirty="0"/>
-          </a:p>
-        </p:txBody>
-      </p:sp>
-      <p:sp>
-        <p:nvSpPr>
-          <p:cNvPr id="5" name="Inhaltsplatzhalter 4"/>
-          <p:cNvSpPr>
-            <a:spLocks noGrp="1"/>
-          </p:cNvSpPr>
-          <p:nvPr>
-            <p:ph type="body" sz="quarter" idx="13"/>
-          </p:nvPr>
-        </p:nvSpPr>
-        <p:spPr/>
-        <p:txBody>
-          <a:bodyPr/>
-          <a:lstStyle/>
-          <a:p>
-            <a:r>
-              <a:rPr lang="pl-PL" dirty="0" smtClean="0"/>
-              <a:t>ĆWICZENIE 3</a:t>
-            </a:r>
-            <a:endParaRPr lang="de-DE" dirty="0"/>
-          </a:p>
-        </p:txBody>
-      </p:sp>
-      <p:sp>
-        <p:nvSpPr>
-          <p:cNvPr id="30" name="Symbol zastępczy zawartości 1"/>
-          <p:cNvSpPr>
-            <a:spLocks noGrp="1"/>
-          </p:cNvSpPr>
-          <p:nvPr>
-            <p:ph idx="1"/>
-          </p:nvPr>
-        </p:nvSpPr>
-        <p:spPr>
-          <a:xfrm>
-            <a:off x="443708" y="1119187"/>
-            <a:ext cx="5394905" cy="3362325"/>
+            <a:off x="443708" y="1119188"/>
+            <a:ext cx="8506654" cy="3412172"/>
           </a:xfrm>
         </p:spPr>
         <p:txBody>
@@ -10002,155 +12098,248 @@
           </a:bodyPr>
           <a:lstStyle/>
           <a:p>
-            <a:r>
-              <a:rPr lang="pl-PL" sz="1050" dirty="0" smtClean="0"/>
-              <a:t>Przeanalizuj plik WSDL (opis usługi), który serwer automatycznie udostępnia pod adresem </a:t>
-            </a:r>
+            <a:endParaRPr lang="pl-PL" sz="1250" dirty="0" smtClean="0"/>
           </a:p>
           <a:p>
             <a:pPr lvl="1"/>
-            <a:r>
-              <a:rPr lang="pl-PL" sz="850" dirty="0" smtClean="0">
-                <a:hlinkClick r:id="rId3"/>
-              </a:rPr>
-              <a:t>http</a:t>
-            </a:r>
-            <a:r>
-              <a:rPr lang="pl-PL" sz="850" dirty="0">
-                <a:hlinkClick r:id="rId3"/>
-              </a:rPr>
+            <a:endParaRPr lang="pl-PL" dirty="0" smtClean="0"/>
+          </a:p>
+          <a:p>
+            <a:r>
+              <a:rPr lang="pl-PL" dirty="0" smtClean="0"/>
+              <a:t>&lt;?</a:t>
+            </a:r>
+            <a:r>
+              <a:rPr lang="pl-PL" dirty="0" err="1" smtClean="0"/>
+              <a:t>xml</a:t>
+            </a:r>
+            <a:r>
+              <a:rPr lang="pl-PL" dirty="0" smtClean="0"/>
+              <a:t> version="1.0" encoding="UTF-8"?&gt; </a:t>
+            </a:r>
+            <a:endParaRPr lang="pl-PL" dirty="0" smtClean="0"/>
+          </a:p>
+          <a:p>
+            <a:r>
+              <a:rPr lang="pl-PL" b="1" dirty="0" smtClean="0"/>
+              <a:t>&lt;</a:t>
+            </a:r>
+            <a:r>
+              <a:rPr lang="pl-PL" b="1" dirty="0" err="1" smtClean="0"/>
+              <a:t>description</a:t>
+            </a:r>
+            <a:r>
+              <a:rPr lang="pl-PL" dirty="0" smtClean="0"/>
+              <a:t> </a:t>
+            </a:r>
+            <a:r>
+              <a:rPr lang="pl-PL" dirty="0" smtClean="0"/>
+              <a:t>…</a:t>
+            </a:r>
+            <a:r>
+              <a:rPr lang="pl-PL" b="1" dirty="0" smtClean="0"/>
+              <a:t>&gt;</a:t>
+            </a:r>
+            <a:r>
+              <a:rPr lang="pl-PL" dirty="0" smtClean="0"/>
+              <a:t> </a:t>
+            </a:r>
+          </a:p>
+          <a:p>
+            <a:r>
+              <a:rPr lang="pl-PL" b="1" dirty="0" smtClean="0"/>
+              <a:t>…</a:t>
+            </a:r>
+          </a:p>
+          <a:p>
+            <a:r>
+              <a:rPr lang="pl-PL" b="1" dirty="0" smtClean="0"/>
+              <a:t>&lt;service</a:t>
+            </a:r>
+            <a:r>
+              <a:rPr lang="pl-PL" dirty="0" smtClean="0"/>
+              <a:t> name="Service1" interface="tns:Interface1"</a:t>
+            </a:r>
+            <a:r>
+              <a:rPr lang="pl-PL" b="1" dirty="0" smtClean="0"/>
+              <a:t>&gt;</a:t>
+            </a:r>
+            <a:r>
+              <a:rPr lang="pl-PL" dirty="0" smtClean="0"/>
+              <a:t> </a:t>
+            </a:r>
+            <a:endParaRPr lang="pl-PL" dirty="0" smtClean="0"/>
+          </a:p>
+          <a:p>
+            <a:pPr lvl="1"/>
+            <a:r>
+              <a:rPr lang="pl-PL" b="1" dirty="0" smtClean="0"/>
+              <a:t>&lt;</a:t>
+            </a:r>
+            <a:r>
+              <a:rPr lang="pl-PL" b="1" dirty="0" err="1" smtClean="0"/>
+              <a:t>endpoint</a:t>
+            </a:r>
+            <a:r>
+              <a:rPr lang="pl-PL" dirty="0" smtClean="0"/>
+              <a:t> </a:t>
+            </a:r>
+            <a:r>
+              <a:rPr lang="pl-PL" dirty="0" err="1" smtClean="0"/>
+              <a:t>name="HttpEndpoint</a:t>
+            </a:r>
+            <a:r>
+              <a:rPr lang="pl-PL" dirty="0" smtClean="0"/>
+              <a:t>" </a:t>
+            </a:r>
+            <a:r>
+              <a:rPr lang="pl-PL" dirty="0" err="1" smtClean="0"/>
+              <a:t>binding="tns:HttpBinding</a:t>
+            </a:r>
+            <a:r>
+              <a:rPr lang="pl-PL" dirty="0" smtClean="0"/>
+              <a:t>" </a:t>
+            </a:r>
+            <a:r>
+              <a:rPr lang="pl-PL" dirty="0" err="1" smtClean="0"/>
+              <a:t>address="http</a:t>
+            </a:r>
+            <a:r>
+              <a:rPr lang="pl-PL" dirty="0" smtClean="0"/>
               <a:t>://</a:t>
             </a:r>
             <a:r>
-              <a:rPr lang="pl-PL" sz="850" dirty="0" smtClean="0">
-                <a:hlinkClick r:id="rId3"/>
-              </a:rPr>
-              <a:t>localhost:8090/holidayService</a:t>
-            </a:r>
-            <a:r>
-              <a:rPr lang="pl-PL" sz="850" dirty="0">
-                <a:hlinkClick r:id="rId3"/>
-              </a:rPr>
-              <a:t>/?</a:t>
-            </a:r>
-            <a:r>
-              <a:rPr lang="pl-PL" sz="850" dirty="0" smtClean="0">
-                <a:hlinkClick r:id="rId3"/>
-              </a:rPr>
-              <a:t>wsdl</a:t>
-            </a:r>
-            <a:endParaRPr lang="pl-PL" sz="850" dirty="0"/>
-          </a:p>
-          <a:p>
-            <a:r>
-              <a:rPr lang="pl-PL" sz="1050" dirty="0"/>
-              <a:t>Przeanalizuj </a:t>
-            </a:r>
-            <a:r>
-              <a:rPr lang="pl-PL" sz="1050" dirty="0" smtClean="0"/>
-              <a:t>plik XSD (XML Schema) zawierający definicje typów używanych przez usługę.</a:t>
-            </a:r>
+              <a:rPr lang="pl-PL" dirty="0" err="1" smtClean="0"/>
+              <a:t>www.example.com/res</a:t>
+            </a:r>
+            <a:r>
+              <a:rPr lang="pl-PL" dirty="0" smtClean="0"/>
+              <a:t>t/"</a:t>
+            </a:r>
+            <a:r>
+              <a:rPr lang="pl-PL" b="1" dirty="0" smtClean="0"/>
+              <a:t>/&gt;</a:t>
+            </a:r>
+            <a:r>
+              <a:rPr lang="pl-PL" dirty="0" smtClean="0"/>
+              <a:t> </a:t>
+            </a:r>
+            <a:endParaRPr lang="pl-PL" dirty="0" smtClean="0"/>
           </a:p>
           <a:p>
             <a:pPr lvl="1"/>
             <a:r>
-              <a:rPr lang="pl-PL" sz="850" dirty="0">
-                <a:hlinkClick r:id="rId4"/>
-              </a:rPr>
-              <a:t>http://localhost:8090/holidayService/?</a:t>
-            </a:r>
-            <a:r>
-              <a:rPr lang="pl-PL" sz="850" dirty="0" smtClean="0">
-                <a:hlinkClick r:id="rId4"/>
-              </a:rPr>
-              <a:t>xsd=hr.xsd</a:t>
-            </a:r>
-            <a:endParaRPr lang="pl-PL" sz="850" dirty="0" smtClean="0"/>
-          </a:p>
-          <a:p>
-            <a:pPr lvl="1"/>
-            <a:endParaRPr lang="pl-PL" sz="850" dirty="0" smtClean="0"/>
-          </a:p>
-          <a:p>
+              <a:rPr lang="pl-PL" b="1" dirty="0" smtClean="0"/>
+              <a:t>&lt;</a:t>
+            </a:r>
+            <a:r>
+              <a:rPr lang="pl-PL" b="1" dirty="0" err="1" smtClean="0"/>
+              <a:t>endpoint</a:t>
+            </a:r>
+            <a:r>
+              <a:rPr lang="pl-PL" dirty="0" smtClean="0"/>
+              <a:t> </a:t>
+            </a:r>
+            <a:r>
+              <a:rPr lang="pl-PL" dirty="0" err="1" smtClean="0"/>
+              <a:t>name="SoapEndpoint</a:t>
+            </a:r>
+            <a:r>
+              <a:rPr lang="pl-PL" dirty="0" smtClean="0"/>
+              <a:t>" </a:t>
+            </a:r>
+            <a:r>
+              <a:rPr lang="pl-PL" dirty="0" err="1" smtClean="0"/>
+              <a:t>binding="tns:SoapBinding</a:t>
+            </a:r>
+            <a:r>
+              <a:rPr lang="pl-PL" dirty="0" smtClean="0"/>
+              <a:t>" </a:t>
+            </a:r>
+            <a:r>
+              <a:rPr lang="pl-PL" dirty="0" err="1" smtClean="0"/>
+              <a:t>address="http</a:t>
+            </a:r>
+            <a:r>
+              <a:rPr lang="pl-PL" dirty="0" smtClean="0"/>
+              <a:t>://</a:t>
+            </a:r>
+            <a:r>
+              <a:rPr lang="pl-PL" dirty="0" err="1" smtClean="0"/>
+              <a:t>www.example.com</a:t>
+            </a:r>
+            <a:r>
+              <a:rPr lang="pl-PL" dirty="0" smtClean="0"/>
+              <a:t>/</a:t>
+            </a:r>
+            <a:r>
+              <a:rPr lang="pl-PL" dirty="0" err="1" smtClean="0"/>
+              <a:t>soap</a:t>
+            </a:r>
+            <a:r>
+              <a:rPr lang="pl-PL" dirty="0" smtClean="0"/>
+              <a:t>/"</a:t>
+            </a:r>
+            <a:r>
+              <a:rPr lang="pl-PL" b="1" dirty="0" smtClean="0"/>
+              <a:t>/&gt;</a:t>
+            </a:r>
+            <a:r>
+              <a:rPr lang="pl-PL" dirty="0" smtClean="0"/>
+              <a:t> </a:t>
+            </a:r>
             <a:endParaRPr lang="pl-PL" dirty="0" smtClean="0"/>
           </a:p>
           <a:p>
-            <a:pPr marL="0" indent="0">
-              <a:buNone/>
-            </a:pPr>
-            <a:endParaRPr lang="pl-PL" dirty="0" smtClean="0"/>
-          </a:p>
-          <a:p>
-            <a:endParaRPr lang="pl-PL" dirty="0" smtClean="0"/>
-          </a:p>
-          <a:p>
-            <a:endParaRPr lang="pl-PL" dirty="0" smtClean="0"/>
-          </a:p>
-        </p:txBody>
-      </p:sp>
-      <p:pic>
-        <p:nvPicPr>
-          <p:cNvPr id="11" name="Picture 10"/>
-          <p:cNvPicPr>
-            <a:picLocks noChangeAspect="1"/>
-          </p:cNvPicPr>
-          <p:nvPr/>
-        </p:nvPicPr>
-        <p:blipFill>
-          <a:blip r:embed="rId5"/>
-          <a:stretch>
-            <a:fillRect/>
-          </a:stretch>
-        </p:blipFill>
-        <p:spPr>
-          <a:xfrm>
-            <a:off x="548640" y="2194295"/>
-            <a:ext cx="3901440" cy="2623046"/>
-          </a:xfrm>
-          <a:prstGeom prst="rect">
-            <a:avLst/>
-          </a:prstGeom>
-        </p:spPr>
-      </p:pic>
-      <p:pic>
-        <p:nvPicPr>
-          <p:cNvPr id="12" name="Picture 11"/>
-          <p:cNvPicPr>
-            <a:picLocks noChangeAspect="1"/>
-          </p:cNvPicPr>
-          <p:nvPr/>
-        </p:nvPicPr>
-        <p:blipFill>
-          <a:blip r:embed="rId6"/>
-          <a:stretch>
-            <a:fillRect/>
-          </a:stretch>
-        </p:blipFill>
-        <p:spPr>
-          <a:xfrm>
-            <a:off x="5925609" y="1043252"/>
-            <a:ext cx="2891110" cy="3372962"/>
-          </a:xfrm>
-          <a:prstGeom prst="rect">
-            <a:avLst/>
-          </a:prstGeom>
-        </p:spPr>
-      </p:pic>
+            <a:r>
+              <a:rPr lang="pl-PL" b="1" dirty="0" smtClean="0"/>
+              <a:t>&lt;/</a:t>
+            </a:r>
+            <a:r>
+              <a:rPr lang="pl-PL" b="1" dirty="0" smtClean="0"/>
+              <a:t>service&gt; </a:t>
+            </a:r>
+            <a:endParaRPr lang="pl-PL" b="1" dirty="0" smtClean="0"/>
+          </a:p>
+          <a:p>
+            <a:r>
+              <a:rPr lang="pl-PL" dirty="0" smtClean="0"/>
+              <a:t>…</a:t>
+            </a:r>
+            <a:endParaRPr lang="pl-PL" b="1" dirty="0" smtClean="0"/>
+          </a:p>
+          <a:p>
+            <a:r>
+              <a:rPr lang="pl-PL" b="1" dirty="0" smtClean="0"/>
+              <a:t>&lt;/</a:t>
+            </a:r>
+            <a:r>
+              <a:rPr lang="pl-PL" b="1" dirty="0" err="1" smtClean="0"/>
+              <a:t>description</a:t>
+            </a:r>
+            <a:r>
+              <a:rPr lang="pl-PL" b="1" dirty="0" smtClean="0"/>
+              <a:t>&gt;</a:t>
+            </a:r>
+            <a:endParaRPr lang="pl-PL" dirty="0"/>
+          </a:p>
+        </p:txBody>
+      </p:sp>
     </p:spTree>
     <p:extLst>
       <p:ext uri="{BB962C8B-B14F-4D97-AF65-F5344CB8AC3E}">
-        <p14:creationId xmlns:p14="http://schemas.microsoft.com/office/powerpoint/2010/main" val="3166790887"/>
+        <p14:creationId xmlns:p14="http://schemas.microsoft.com/office/powerpoint/2010/main" xmlns="" val="2153401368"/>
       </p:ext>
     </p:extLst>
   </p:cSld>
   <p:clrMapOvr>
     <a:masterClrMapping/>
   </p:clrMapOvr>
-  <mc:AlternateContent xmlns:mc="http://schemas.openxmlformats.org/markup-compatibility/2006" xmlns:p14="http://schemas.microsoft.com/office/powerpoint/2010/main">
-    <mc:Choice Requires="p14">
-      <p:transition p14:dur="10"/>
+  <mc:AlternateContent xmlns:mc="http://schemas.openxmlformats.org/markup-compatibility/2006">
+    <mc:Choice xmlns:p14="http://schemas.microsoft.com/office/powerpoint/2010/main" xmlns="" Requires="p14">
+      <p:transition p14:dur="0"/>
     </mc:Choice>
-    <mc:Fallback xmlns="">
+    <mc:Fallback>
       <p:transition/>
     </mc:Fallback>
   </mc:AlternateContent>
@@ -10162,18 +12351,6 @@
     </p:tnLst>
   </p:timing>
 </p:sld>
-</file>
-
-<file path=ppt/tags/tag1.xml><?xml version="1.0" encoding="utf-8"?>
-<p:tagLst xmlns:a="http://schemas.openxmlformats.org/drawingml/2006/main" xmlns:r="http://schemas.openxmlformats.org/officeDocument/2006/relationships" xmlns:p="http://schemas.openxmlformats.org/presentationml/2006/main">
-  <p:tag name="THINKCELLSHAPEDONOTDELETE" val="thinkcellActiveDocDoNotDelete"/>
-</p:tagLst>
-</file>
-
-<file path=ppt/tags/tag2.xml><?xml version="1.0" encoding="utf-8"?>
-<p:tagLst xmlns:a="http://schemas.openxmlformats.org/drawingml/2006/main" xmlns:r="http://schemas.openxmlformats.org/officeDocument/2006/relationships" xmlns:p="http://schemas.openxmlformats.org/presentationml/2006/main">
-  <p:tag name="THINKCELLSHAPEDONOTDELETE" val="thinkcellActiveDocDoNotDelete"/>
-</p:tagLst>
 </file>
 
 <file path=ppt/theme/theme1.xml><?xml version="1.0" encoding="utf-8"?>
@@ -10448,7 +12625,7 @@
   <a:extraClrSchemeLst/>
   <a:extLst>
     <a:ext uri="{05A4C25C-085E-4340-85A3-A5531E510DB2}">
-      <thm15:themeFamily xmlns:thm15="http://schemas.microsoft.com/office/thememl/2012/main" name="GFT_Chartpool_2015.pptx" id="{A28C9458-9558-44C8-89F4-D7A2CBC04405}" vid="{0F156D25-70FA-498B-891B-4FDE46BF1046}"/>
+      <thm15:themeFamily xmlns:thm15="http://schemas.microsoft.com/office/thememl/2012/main" xmlns="" name="GFT_Chartpool_2015.pptx" id="{A28C9458-9558-44C8-89F4-D7A2CBC04405}" vid="{0F156D25-70FA-498B-891B-4FDE46BF1046}"/>
     </a:ext>
   </a:extLst>
 </a:theme>
@@ -11095,6 +13272,61 @@
 </file>
 
 <file path=customXml/item1.xml><?xml version="1.0" encoding="utf-8"?>
+<?mso-contentType ?>
+<spe:Receivers xmlns:spe="http://schemas.microsoft.com/sharepoint/events">
+  <Receiver>
+    <Name>Document ID Generator</Name>
+    <Synchronization>Synchronous</Synchronization>
+    <Type>10001</Type>
+    <SequenceNumber>1000</SequenceNumber>
+    <Assembly>Microsoft.Office.DocumentManagement, Version=14.0.0.0, Culture=neutral, PublicKeyToken=71e9bce111e9429c</Assembly>
+    <Class>Microsoft.Office.DocumentManagement.Internal.DocIdHandler</Class>
+    <Data/>
+    <Filter/>
+  </Receiver>
+  <Receiver>
+    <Name>Document ID Generator</Name>
+    <Synchronization>Synchronous</Synchronization>
+    <Type>10002</Type>
+    <SequenceNumber>1001</SequenceNumber>
+    <Assembly>Microsoft.Office.DocumentManagement, Version=14.0.0.0, Culture=neutral, PublicKeyToken=71e9bce111e9429c</Assembly>
+    <Class>Microsoft.Office.DocumentManagement.Internal.DocIdHandler</Class>
+    <Data/>
+    <Filter/>
+  </Receiver>
+  <Receiver>
+    <Name>Document ID Generator</Name>
+    <Synchronization>Synchronous</Synchronization>
+    <Type>10004</Type>
+    <SequenceNumber>1002</SequenceNumber>
+    <Assembly>Microsoft.Office.DocumentManagement, Version=14.0.0.0, Culture=neutral, PublicKeyToken=71e9bce111e9429c</Assembly>
+    <Class>Microsoft.Office.DocumentManagement.Internal.DocIdHandler</Class>
+    <Data/>
+    <Filter/>
+  </Receiver>
+  <Receiver>
+    <Name>Document ID Generator</Name>
+    <Synchronization>Synchronous</Synchronization>
+    <Type>10006</Type>
+    <SequenceNumber>1003</SequenceNumber>
+    <Assembly>Microsoft.Office.DocumentManagement, Version=14.0.0.0, Culture=neutral, PublicKeyToken=71e9bce111e9429c</Assembly>
+    <Class>Microsoft.Office.DocumentManagement.Internal.DocIdHandler</Class>
+    <Data/>
+    <Filter/>
+  </Receiver>
+</spe:Receivers>
+</file>
+
+<file path=customXml/item2.xml><?xml version="1.0" encoding="utf-8"?>
+<?mso-contentType ?>
+<FormTemplates xmlns="http://schemas.microsoft.com/sharepoint/v3/contenttype/forms">
+  <Display>DocumentLibraryForm</Display>
+  <Edit>DocumentLibraryForm</Edit>
+  <New>DocumentLibraryForm</New>
+</FormTemplates>
+</file>
+
+<file path=customXml/item3.xml><?xml version="1.0" encoding="utf-8"?>
 <ct:contentTypeSchema xmlns:ct="http://schemas.microsoft.com/office/2006/metadata/contentType" xmlns:ma="http://schemas.microsoft.com/office/2006/metadata/properties/metaAttributes" ct:_="" ma:_="" ma:contentTypeName="Document" ma:contentTypeID="0x010100793B9935CA02AD4F90F0A0FD564FDD82" ma:contentTypeVersion="17" ma:contentTypeDescription="Create a new document." ma:contentTypeScope="" ma:versionID="6168266ad0b2c1ccdc9d2ae0268a5eb6">
   <xsd:schema xmlns:xsd="http://www.w3.org/2001/XMLSchema" xmlns:xs="http://www.w3.org/2001/XMLSchema" xmlns:p="http://schemas.microsoft.com/office/2006/metadata/properties" xmlns:ns2="e44e039f-c551-4112-981c-456f1b630ef1" xmlns:ns3="727178e8-9586-4f49-8e7b-77af9c2fb085" targetNamespace="http://schemas.microsoft.com/office/2006/metadata/properties" ma:root="true" ma:fieldsID="b9b29daf9bb73cd90369de1b0e977594" ns2:_="" ns3:_="">
     <xsd:import namespace="e44e039f-c551-4112-981c-456f1b630ef1"/>
@@ -11591,61 +13823,6 @@
 </ct:contentTypeSchema>
 </file>
 
-<file path=customXml/item2.xml><?xml version="1.0" encoding="utf-8"?>
-<?mso-contentType ?>
-<FormTemplates xmlns="http://schemas.microsoft.com/sharepoint/v3/contenttype/forms">
-  <Display>DocumentLibraryForm</Display>
-  <Edit>DocumentLibraryForm</Edit>
-  <New>DocumentLibraryForm</New>
-</FormTemplates>
-</file>
-
-<file path=customXml/item3.xml><?xml version="1.0" encoding="utf-8"?>
-<?mso-contentType ?>
-<spe:Receivers xmlns:spe="http://schemas.microsoft.com/sharepoint/events">
-  <Receiver>
-    <Name>Document ID Generator</Name>
-    <Synchronization>Synchronous</Synchronization>
-    <Type>10001</Type>
-    <SequenceNumber>1000</SequenceNumber>
-    <Assembly>Microsoft.Office.DocumentManagement, Version=14.0.0.0, Culture=neutral, PublicKeyToken=71e9bce111e9429c</Assembly>
-    <Class>Microsoft.Office.DocumentManagement.Internal.DocIdHandler</Class>
-    <Data/>
-    <Filter/>
-  </Receiver>
-  <Receiver>
-    <Name>Document ID Generator</Name>
-    <Synchronization>Synchronous</Synchronization>
-    <Type>10002</Type>
-    <SequenceNumber>1001</SequenceNumber>
-    <Assembly>Microsoft.Office.DocumentManagement, Version=14.0.0.0, Culture=neutral, PublicKeyToken=71e9bce111e9429c</Assembly>
-    <Class>Microsoft.Office.DocumentManagement.Internal.DocIdHandler</Class>
-    <Data/>
-    <Filter/>
-  </Receiver>
-  <Receiver>
-    <Name>Document ID Generator</Name>
-    <Synchronization>Synchronous</Synchronization>
-    <Type>10004</Type>
-    <SequenceNumber>1002</SequenceNumber>
-    <Assembly>Microsoft.Office.DocumentManagement, Version=14.0.0.0, Culture=neutral, PublicKeyToken=71e9bce111e9429c</Assembly>
-    <Class>Microsoft.Office.DocumentManagement.Internal.DocIdHandler</Class>
-    <Data/>
-    <Filter/>
-  </Receiver>
-  <Receiver>
-    <Name>Document ID Generator</Name>
-    <Synchronization>Synchronous</Synchronization>
-    <Type>10006</Type>
-    <SequenceNumber>1003</SequenceNumber>
-    <Assembly>Microsoft.Office.DocumentManagement, Version=14.0.0.0, Culture=neutral, PublicKeyToken=71e9bce111e9429c</Assembly>
-    <Class>Microsoft.Office.DocumentManagement.Internal.DocIdHandler</Class>
-    <Data/>
-    <Filter/>
-  </Receiver>
-</spe:Receivers>
-</file>
-
 <file path=customXml/item4.xml><?xml version="1.0" encoding="utf-8"?>
 <p:properties xmlns:p="http://schemas.microsoft.com/office/2006/metadata/properties" xmlns:xsi="http://www.w3.org/2001/XMLSchema-instance" xmlns:pc="http://schemas.microsoft.com/office/infopath/2007/PartnerControls">
   <documentManagement>
@@ -11682,6 +13859,22 @@
 </file>
 
 <file path=customXml/itemProps1.xml><?xml version="1.0" encoding="utf-8"?>
+<ds:datastoreItem xmlns:ds="http://schemas.openxmlformats.org/officeDocument/2006/customXml" ds:itemID="{A6F3EA8F-EBA0-438A-80BD-6A96E2E10054}">
+  <ds:schemaRefs>
+    <ds:schemaRef ds:uri="http://schemas.microsoft.com/sharepoint/events"/>
+  </ds:schemaRefs>
+</ds:datastoreItem>
+</file>
+
+<file path=customXml/itemProps2.xml><?xml version="1.0" encoding="utf-8"?>
+<ds:datastoreItem xmlns:ds="http://schemas.openxmlformats.org/officeDocument/2006/customXml" ds:itemID="{9217953E-6BB7-40C6-9A84-608D0A8D65EC}">
+  <ds:schemaRefs>
+    <ds:schemaRef ds:uri="http://schemas.microsoft.com/sharepoint/v3/contenttype/forms"/>
+  </ds:schemaRefs>
+</ds:datastoreItem>
+</file>
+
+<file path=customXml/itemProps3.xml><?xml version="1.0" encoding="utf-8"?>
 <ds:datastoreItem xmlns:ds="http://schemas.openxmlformats.org/officeDocument/2006/customXml" ds:itemID="{54CA1130-EAC1-4116-82E4-DF5A51FE3AEA}">
   <ds:schemaRefs>
     <ds:schemaRef ds:uri="http://schemas.microsoft.com/office/2006/metadata/contentType"/>
@@ -11696,22 +13889,6 @@
     <ds:schemaRef ds:uri="http://purl.org/dc/elements/1.1/"/>
     <ds:schemaRef ds:uri="http://purl.org/dc/terms/"/>
     <ds:schemaRef ds:uri="http://schemas.microsoft.com/internal/obd"/>
-  </ds:schemaRefs>
-</ds:datastoreItem>
-</file>
-
-<file path=customXml/itemProps2.xml><?xml version="1.0" encoding="utf-8"?>
-<ds:datastoreItem xmlns:ds="http://schemas.openxmlformats.org/officeDocument/2006/customXml" ds:itemID="{9217953E-6BB7-40C6-9A84-608D0A8D65EC}">
-  <ds:schemaRefs>
-    <ds:schemaRef ds:uri="http://schemas.microsoft.com/sharepoint/v3/contenttype/forms"/>
-  </ds:schemaRefs>
-</ds:datastoreItem>
-</file>
-
-<file path=customXml/itemProps3.xml><?xml version="1.0" encoding="utf-8"?>
-<ds:datastoreItem xmlns:ds="http://schemas.openxmlformats.org/officeDocument/2006/customXml" ds:itemID="{A6F3EA8F-EBA0-438A-80BD-6A96E2E10054}">
-  <ds:schemaRefs>
-    <ds:schemaRef ds:uri="http://schemas.microsoft.com/sharepoint/events"/>
   </ds:schemaRefs>
 </ds:datastoreItem>
 </file>
